--- a/Presentation/HAI.pptx
+++ b/Presentation/HAI.pptx
@@ -5,7 +5,7 @@
     <p:sldMasterId id="2147483648" r:id="rId1"/>
   </p:sldMasterIdLst>
   <p:notesMasterIdLst>
-    <p:notesMasterId r:id="rId12"/>
+    <p:notesMasterId r:id="rId16"/>
   </p:notesMasterIdLst>
   <p:sldIdLst>
     <p:sldId id="256" r:id="rId2"/>
@@ -13,11 +13,15 @@
     <p:sldId id="271" r:id="rId4"/>
     <p:sldId id="260" r:id="rId5"/>
     <p:sldId id="261" r:id="rId6"/>
-    <p:sldId id="263" r:id="rId7"/>
-    <p:sldId id="267" r:id="rId8"/>
-    <p:sldId id="268" r:id="rId9"/>
-    <p:sldId id="269" r:id="rId10"/>
-    <p:sldId id="262" r:id="rId11"/>
+    <p:sldId id="272" r:id="rId7"/>
+    <p:sldId id="273" r:id="rId8"/>
+    <p:sldId id="263" r:id="rId9"/>
+    <p:sldId id="267" r:id="rId10"/>
+    <p:sldId id="274" r:id="rId11"/>
+    <p:sldId id="268" r:id="rId12"/>
+    <p:sldId id="269" r:id="rId13"/>
+    <p:sldId id="275" r:id="rId14"/>
+    <p:sldId id="262" r:id="rId15"/>
   </p:sldIdLst>
   <p:sldSz cx="12192000" cy="6858000"/>
   <p:notesSz cx="6858000" cy="9144000"/>
@@ -127,9 +131,9 @@
 <file path=ppt/revisionInfo.xml><?xml version="1.0" encoding="utf-8"?>
 <p1510:revInfo xmlns:a="http://schemas.openxmlformats.org/drawingml/2006/main" xmlns:r="http://schemas.openxmlformats.org/officeDocument/2006/relationships" xmlns:p1510="http://schemas.microsoft.com/office/powerpoint/2015/10/main">
   <p1510:revLst>
-    <p1510:client id="{25F7DE0E-82DD-FFB7-B7AC-E6297978A92C}" v="295" dt="2024-11-26T07:21:52.992"/>
-    <p1510:client id="{694C705D-89ED-3B1A-CA76-60C49794A5D5}" v="42" dt="2024-11-25T15:49:14.107"/>
-    <p1510:client id="{7C855A6B-1BDB-33C9-F9A0-E046AB05ACDF}" v="87" dt="2024-11-27T11:42:12.288"/>
+    <p1510:client id="{3C3CF48A-1A7E-EDF0-85AE-4713DA8326CF}" v="13" dt="2024-12-01T11:18:06.357"/>
+    <p1510:client id="{A4154F32-DDE6-B21A-5F6F-21540694799A}" v="22" dt="2024-12-01T10:20:36.699"/>
+    <p1510:client id="{AC4D16C7-4504-5874-0120-E12B5FAA3057}" v="20" dt="2024-11-30T11:10:03.303"/>
   </p1510:revLst>
 </p1510:revInfo>
 </file>
@@ -215,7 +219,7 @@
           </a:lstStyle>
           <a:p>
             <a:fld id="{8274AC35-AE71-4102-AF14-99920A16FBCF}" type="datetimeFigureOut">
-              <a:t>27.11.2024</a:t>
+              <a:t>01.12.2024</a:t>
             </a:fld>
             <a:endParaRPr lang="de-DE"/>
           </a:p>
@@ -568,6 +572,588 @@
 </p:notes>
 </file>
 
+<file path=ppt/notesSlides/notesSlide10.xml><?xml version="1.0" encoding="utf-8"?>
+<p:notes xmlns:a="http://schemas.openxmlformats.org/drawingml/2006/main" xmlns:r="http://schemas.openxmlformats.org/officeDocument/2006/relationships" xmlns:p="http://schemas.openxmlformats.org/presentationml/2006/main">
+  <p:cSld>
+    <p:spTree>
+      <p:nvGrpSpPr>
+        <p:cNvPr id="1" name=""/>
+        <p:cNvGrpSpPr/>
+        <p:nvPr/>
+      </p:nvGrpSpPr>
+      <p:grpSpPr>
+        <a:xfrm>
+          <a:off x="0" y="0"/>
+          <a:ext cx="0" cy="0"/>
+          <a:chOff x="0" y="0"/>
+          <a:chExt cx="0" cy="0"/>
+        </a:xfrm>
+      </p:grpSpPr>
+      <p:sp>
+        <p:nvSpPr>
+          <p:cNvPr id="2" name="Folienbildplatzhalter 1"/>
+          <p:cNvSpPr>
+            <a:spLocks noGrp="1" noRot="1" noChangeAspect="1"/>
+          </p:cNvSpPr>
+          <p:nvPr>
+            <p:ph type="sldImg"/>
+          </p:nvPr>
+        </p:nvSpPr>
+        <p:spPr/>
+      </p:sp>
+      <p:sp>
+        <p:nvSpPr>
+          <p:cNvPr id="3" name="Notizenplatzhalter 2"/>
+          <p:cNvSpPr>
+            <a:spLocks noGrp="1"/>
+          </p:cNvSpPr>
+          <p:nvPr>
+            <p:ph type="body" idx="1"/>
+          </p:nvPr>
+        </p:nvSpPr>
+        <p:spPr/>
+        <p:txBody>
+          <a:bodyPr/>
+          <a:lstStyle/>
+          <a:p>
+            <a:r>
+              <a:rPr lang="de-DE" dirty="0"/>
+              <a:t>Development </a:t>
+            </a:r>
+            <a:r>
+              <a:rPr lang="de-DE" dirty="0" err="1"/>
+              <a:t>of</a:t>
+            </a:r>
+            <a:r>
+              <a:rPr lang="de-DE" dirty="0"/>
+              <a:t> an AI </a:t>
+            </a:r>
+            <a:r>
+              <a:rPr lang="de-DE" dirty="0" err="1"/>
+              <a:t>system</a:t>
+            </a:r>
+            <a:r>
+              <a:rPr lang="de-DE" dirty="0"/>
+              <a:t> </a:t>
+            </a:r>
+            <a:r>
+              <a:rPr lang="de-DE" dirty="0" err="1"/>
+              <a:t>with</a:t>
+            </a:r>
+            <a:r>
+              <a:rPr lang="de-DE" dirty="0"/>
+              <a:t> </a:t>
+            </a:r>
+            <a:r>
+              <a:rPr lang="de-DE" dirty="0" err="1"/>
+              <a:t>enhanced</a:t>
+            </a:r>
+            <a:r>
+              <a:rPr lang="de-DE" dirty="0"/>
+              <a:t> </a:t>
+            </a:r>
+            <a:r>
+              <a:rPr lang="de-DE" dirty="0" err="1"/>
+              <a:t>accuracy</a:t>
+            </a:r>
+            <a:r>
+              <a:rPr lang="de-DE" dirty="0"/>
+              <a:t> and user-</a:t>
+            </a:r>
+            <a:r>
+              <a:rPr lang="de-DE" dirty="0" err="1"/>
+              <a:t>friendly</a:t>
+            </a:r>
+            <a:r>
+              <a:rPr lang="de-DE" dirty="0"/>
+              <a:t> interface</a:t>
+            </a:r>
+          </a:p>
+          <a:p>
+            <a:r>
+              <a:rPr lang="de-DE" dirty="0"/>
+              <a:t>Implementation </a:t>
+            </a:r>
+            <a:r>
+              <a:rPr lang="de-DE" dirty="0" err="1"/>
+              <a:t>of</a:t>
+            </a:r>
+            <a:r>
+              <a:rPr lang="de-DE" dirty="0"/>
+              <a:t> </a:t>
+            </a:r>
+            <a:r>
+              <a:rPr lang="de-DE" dirty="0" err="1"/>
+              <a:t>comprehensive</a:t>
+            </a:r>
+            <a:r>
+              <a:rPr lang="de-DE" dirty="0"/>
+              <a:t> </a:t>
+            </a:r>
+            <a:r>
+              <a:rPr lang="de-DE" dirty="0" err="1"/>
+              <a:t>user</a:t>
+            </a:r>
+            <a:r>
+              <a:rPr lang="de-DE" dirty="0"/>
+              <a:t> </a:t>
+            </a:r>
+            <a:r>
+              <a:rPr lang="de-DE" dirty="0" err="1"/>
+              <a:t>surveys</a:t>
+            </a:r>
+            <a:r>
+              <a:rPr lang="de-DE" dirty="0"/>
+              <a:t> </a:t>
+            </a:r>
+            <a:r>
+              <a:rPr lang="de-DE" dirty="0" err="1"/>
+              <a:t>for</a:t>
+            </a:r>
+            <a:r>
+              <a:rPr lang="de-DE" dirty="0"/>
+              <a:t> </a:t>
+            </a:r>
+            <a:r>
+              <a:rPr lang="de-DE" dirty="0" err="1"/>
+              <a:t>feedback</a:t>
+            </a:r>
+            <a:r>
+              <a:rPr lang="de-DE" dirty="0"/>
+              <a:t> </a:t>
+            </a:r>
+            <a:r>
+              <a:rPr lang="de-DE" dirty="0" err="1"/>
+              <a:t>collection</a:t>
+            </a:r>
+            <a:endParaRPr lang="de-DE" dirty="0">
+              <a:ea typeface="Calibri"/>
+              <a:cs typeface="Calibri"/>
+            </a:endParaRPr>
+          </a:p>
+          <a:p>
+            <a:r>
+              <a:rPr lang="de-DE" dirty="0"/>
+              <a:t>Integration </a:t>
+            </a:r>
+            <a:r>
+              <a:rPr lang="de-DE" dirty="0" err="1"/>
+              <a:t>of</a:t>
+            </a:r>
+            <a:r>
+              <a:rPr lang="de-DE" dirty="0"/>
+              <a:t> </a:t>
+            </a:r>
+            <a:r>
+              <a:rPr lang="de-DE" dirty="0" err="1"/>
+              <a:t>user</a:t>
+            </a:r>
+            <a:r>
+              <a:rPr lang="de-DE" dirty="0"/>
+              <a:t> </a:t>
+            </a:r>
+            <a:r>
+              <a:rPr lang="de-DE" dirty="0" err="1"/>
+              <a:t>feedback</a:t>
+            </a:r>
+            <a:r>
+              <a:rPr lang="de-DE" dirty="0"/>
+              <a:t> </a:t>
+            </a:r>
+            <a:r>
+              <a:rPr lang="de-DE" dirty="0" err="1"/>
+              <a:t>into</a:t>
+            </a:r>
+            <a:r>
+              <a:rPr lang="de-DE" dirty="0"/>
+              <a:t> interface design </a:t>
+            </a:r>
+          </a:p>
+          <a:p>
+            <a:r>
+              <a:rPr lang="de-DE" err="1"/>
+              <a:t>Pitfalls</a:t>
+            </a:r>
+            <a:r>
+              <a:rPr lang="de-DE" dirty="0"/>
+              <a:t> in </a:t>
+            </a:r>
+            <a:r>
+              <a:rPr lang="de-DE" err="1"/>
+              <a:t>real</a:t>
+            </a:r>
+            <a:r>
+              <a:rPr lang="de-DE" dirty="0"/>
+              <a:t> </a:t>
+            </a:r>
+            <a:r>
+              <a:rPr lang="de-DE" err="1"/>
+              <a:t>world</a:t>
+            </a:r>
+            <a:r>
+              <a:rPr lang="de-DE" dirty="0"/>
+              <a:t> </a:t>
+            </a:r>
+            <a:r>
+              <a:rPr lang="de-DE" err="1"/>
+              <a:t>environments</a:t>
+            </a:r>
+            <a:r>
+              <a:rPr lang="de-DE" dirty="0"/>
+              <a:t> </a:t>
+            </a:r>
+            <a:r>
+              <a:rPr lang="de-DE" err="1"/>
+              <a:t>with</a:t>
+            </a:r>
+            <a:r>
+              <a:rPr lang="de-DE" dirty="0"/>
+              <a:t> such an AI</a:t>
+            </a:r>
+          </a:p>
+          <a:p>
+            <a:endParaRPr lang="de-DE" dirty="0">
+              <a:ea typeface="Calibri"/>
+              <a:cs typeface="Calibri"/>
+            </a:endParaRPr>
+          </a:p>
+          <a:p>
+            <a:r>
+              <a:rPr lang="de-DE" dirty="0">
+                <a:ea typeface="Calibri"/>
+                <a:cs typeface="Calibri"/>
+              </a:rPr>
+              <a:t>Pfeil zu Ai</a:t>
+            </a:r>
+          </a:p>
+        </p:txBody>
+      </p:sp>
+      <p:sp>
+        <p:nvSpPr>
+          <p:cNvPr id="4" name="Foliennummernplatzhalter 3"/>
+          <p:cNvSpPr>
+            <a:spLocks noGrp="1"/>
+          </p:cNvSpPr>
+          <p:nvPr>
+            <p:ph type="sldNum" sz="quarter" idx="5"/>
+          </p:nvPr>
+        </p:nvSpPr>
+        <p:spPr/>
+        <p:txBody>
+          <a:bodyPr/>
+          <a:lstStyle/>
+          <a:p>
+            <a:fld id="{0AAF587A-3E5D-432E-B5C6-8F5FC1F1A554}" type="slidenum">
+              <a:t>12</a:t>
+            </a:fld>
+            <a:endParaRPr lang="de-DE"/>
+          </a:p>
+        </p:txBody>
+      </p:sp>
+    </p:spTree>
+    <p:extLst>
+      <p:ext uri="{BB962C8B-B14F-4D97-AF65-F5344CB8AC3E}">
+        <p14:creationId xmlns:p14="http://schemas.microsoft.com/office/powerpoint/2010/main" val="1577580099"/>
+      </p:ext>
+    </p:extLst>
+  </p:cSld>
+  <p:clrMapOvr>
+    <a:masterClrMapping/>
+  </p:clrMapOvr>
+</p:notes>
+</file>
+
+<file path=ppt/notesSlides/notesSlide11.xml><?xml version="1.0" encoding="utf-8"?>
+<p:notes xmlns:a="http://schemas.openxmlformats.org/drawingml/2006/main" xmlns:r="http://schemas.openxmlformats.org/officeDocument/2006/relationships" xmlns:p="http://schemas.openxmlformats.org/presentationml/2006/main">
+  <p:cSld>
+    <p:spTree>
+      <p:nvGrpSpPr>
+        <p:cNvPr id="1" name=""/>
+        <p:cNvGrpSpPr/>
+        <p:nvPr/>
+      </p:nvGrpSpPr>
+      <p:grpSpPr>
+        <a:xfrm>
+          <a:off x="0" y="0"/>
+          <a:ext cx="0" cy="0"/>
+          <a:chOff x="0" y="0"/>
+          <a:chExt cx="0" cy="0"/>
+        </a:xfrm>
+      </p:grpSpPr>
+      <p:sp>
+        <p:nvSpPr>
+          <p:cNvPr id="2" name="Folienbildplatzhalter 1"/>
+          <p:cNvSpPr>
+            <a:spLocks noGrp="1" noRot="1" noChangeAspect="1"/>
+          </p:cNvSpPr>
+          <p:nvPr>
+            <p:ph type="sldImg"/>
+          </p:nvPr>
+        </p:nvSpPr>
+        <p:spPr/>
+      </p:sp>
+      <p:sp>
+        <p:nvSpPr>
+          <p:cNvPr id="3" name="Notizenplatzhalter 2"/>
+          <p:cNvSpPr>
+            <a:spLocks noGrp="1"/>
+          </p:cNvSpPr>
+          <p:nvPr>
+            <p:ph type="body" idx="1"/>
+          </p:nvPr>
+        </p:nvSpPr>
+        <p:spPr/>
+        <p:txBody>
+          <a:bodyPr/>
+          <a:lstStyle/>
+          <a:p>
+            <a:r>
+              <a:rPr lang="de-DE" dirty="0"/>
+              <a:t>Development </a:t>
+            </a:r>
+            <a:r>
+              <a:rPr lang="de-DE" dirty="0" err="1"/>
+              <a:t>of</a:t>
+            </a:r>
+            <a:r>
+              <a:rPr lang="de-DE" dirty="0"/>
+              <a:t> an AI </a:t>
+            </a:r>
+            <a:r>
+              <a:rPr lang="de-DE" dirty="0" err="1"/>
+              <a:t>system</a:t>
+            </a:r>
+            <a:r>
+              <a:rPr lang="de-DE" dirty="0"/>
+              <a:t> </a:t>
+            </a:r>
+            <a:r>
+              <a:rPr lang="de-DE" dirty="0" err="1"/>
+              <a:t>with</a:t>
+            </a:r>
+            <a:r>
+              <a:rPr lang="de-DE" dirty="0"/>
+              <a:t> </a:t>
+            </a:r>
+            <a:r>
+              <a:rPr lang="de-DE" dirty="0" err="1"/>
+              <a:t>enhanced</a:t>
+            </a:r>
+            <a:r>
+              <a:rPr lang="de-DE" dirty="0"/>
+              <a:t> </a:t>
+            </a:r>
+            <a:r>
+              <a:rPr lang="de-DE" dirty="0" err="1"/>
+              <a:t>accuracy</a:t>
+            </a:r>
+            <a:r>
+              <a:rPr lang="de-DE" dirty="0"/>
+              <a:t> and user-</a:t>
+            </a:r>
+            <a:r>
+              <a:rPr lang="de-DE" dirty="0" err="1"/>
+              <a:t>friendly</a:t>
+            </a:r>
+            <a:r>
+              <a:rPr lang="de-DE" dirty="0"/>
+              <a:t> interface</a:t>
+            </a:r>
+          </a:p>
+          <a:p>
+            <a:r>
+              <a:rPr lang="de-DE" dirty="0"/>
+              <a:t>Implementation </a:t>
+            </a:r>
+            <a:r>
+              <a:rPr lang="de-DE" dirty="0" err="1"/>
+              <a:t>of</a:t>
+            </a:r>
+            <a:r>
+              <a:rPr lang="de-DE" dirty="0"/>
+              <a:t> </a:t>
+            </a:r>
+            <a:r>
+              <a:rPr lang="de-DE" dirty="0" err="1"/>
+              <a:t>comprehensive</a:t>
+            </a:r>
+            <a:r>
+              <a:rPr lang="de-DE" dirty="0"/>
+              <a:t> </a:t>
+            </a:r>
+            <a:r>
+              <a:rPr lang="de-DE" dirty="0" err="1"/>
+              <a:t>user</a:t>
+            </a:r>
+            <a:r>
+              <a:rPr lang="de-DE" dirty="0"/>
+              <a:t> </a:t>
+            </a:r>
+            <a:r>
+              <a:rPr lang="de-DE" dirty="0" err="1"/>
+              <a:t>surveys</a:t>
+            </a:r>
+            <a:r>
+              <a:rPr lang="de-DE" dirty="0"/>
+              <a:t> </a:t>
+            </a:r>
+            <a:r>
+              <a:rPr lang="de-DE" dirty="0" err="1"/>
+              <a:t>for</a:t>
+            </a:r>
+            <a:r>
+              <a:rPr lang="de-DE" dirty="0"/>
+              <a:t> </a:t>
+            </a:r>
+            <a:r>
+              <a:rPr lang="de-DE" dirty="0" err="1"/>
+              <a:t>feedback</a:t>
+            </a:r>
+            <a:r>
+              <a:rPr lang="de-DE" dirty="0"/>
+              <a:t> </a:t>
+            </a:r>
+            <a:r>
+              <a:rPr lang="de-DE" dirty="0" err="1"/>
+              <a:t>collection</a:t>
+            </a:r>
+            <a:endParaRPr lang="de-DE" dirty="0">
+              <a:ea typeface="Calibri"/>
+              <a:cs typeface="Calibri"/>
+            </a:endParaRPr>
+          </a:p>
+          <a:p>
+            <a:r>
+              <a:rPr lang="de-DE" dirty="0"/>
+              <a:t>Integration </a:t>
+            </a:r>
+            <a:r>
+              <a:rPr lang="de-DE" dirty="0" err="1"/>
+              <a:t>of</a:t>
+            </a:r>
+            <a:r>
+              <a:rPr lang="de-DE" dirty="0"/>
+              <a:t> </a:t>
+            </a:r>
+            <a:r>
+              <a:rPr lang="de-DE" dirty="0" err="1"/>
+              <a:t>user</a:t>
+            </a:r>
+            <a:r>
+              <a:rPr lang="de-DE" dirty="0"/>
+              <a:t> </a:t>
+            </a:r>
+            <a:r>
+              <a:rPr lang="de-DE" dirty="0" err="1"/>
+              <a:t>feedback</a:t>
+            </a:r>
+            <a:r>
+              <a:rPr lang="de-DE" dirty="0"/>
+              <a:t> </a:t>
+            </a:r>
+            <a:r>
+              <a:rPr lang="de-DE" dirty="0" err="1"/>
+              <a:t>into</a:t>
+            </a:r>
+            <a:r>
+              <a:rPr lang="de-DE" dirty="0"/>
+              <a:t> interface design </a:t>
+            </a:r>
+          </a:p>
+          <a:p>
+            <a:r>
+              <a:rPr lang="de-DE" err="1"/>
+              <a:t>Pitfalls</a:t>
+            </a:r>
+            <a:r>
+              <a:rPr lang="de-DE" dirty="0"/>
+              <a:t> in </a:t>
+            </a:r>
+            <a:r>
+              <a:rPr lang="de-DE" err="1"/>
+              <a:t>real</a:t>
+            </a:r>
+            <a:r>
+              <a:rPr lang="de-DE" dirty="0"/>
+              <a:t> </a:t>
+            </a:r>
+            <a:r>
+              <a:rPr lang="de-DE" err="1"/>
+              <a:t>world</a:t>
+            </a:r>
+            <a:r>
+              <a:rPr lang="de-DE" dirty="0"/>
+              <a:t> </a:t>
+            </a:r>
+            <a:r>
+              <a:rPr lang="de-DE" err="1"/>
+              <a:t>environments</a:t>
+            </a:r>
+            <a:r>
+              <a:rPr lang="de-DE" dirty="0"/>
+              <a:t> </a:t>
+            </a:r>
+            <a:r>
+              <a:rPr lang="de-DE" err="1"/>
+              <a:t>with</a:t>
+            </a:r>
+            <a:r>
+              <a:rPr lang="de-DE" dirty="0"/>
+              <a:t> such an AI</a:t>
+            </a:r>
+          </a:p>
+          <a:p>
+            <a:endParaRPr lang="de-DE" dirty="0">
+              <a:ea typeface="Calibri"/>
+              <a:cs typeface="Calibri"/>
+            </a:endParaRPr>
+          </a:p>
+          <a:p>
+            <a:r>
+              <a:rPr lang="de-DE" dirty="0">
+                <a:ea typeface="Calibri"/>
+                <a:cs typeface="Calibri"/>
+              </a:rPr>
+              <a:t>Pfeil zu Ai</a:t>
+            </a:r>
+          </a:p>
+        </p:txBody>
+      </p:sp>
+      <p:sp>
+        <p:nvSpPr>
+          <p:cNvPr id="4" name="Foliennummernplatzhalter 3"/>
+          <p:cNvSpPr>
+            <a:spLocks noGrp="1"/>
+          </p:cNvSpPr>
+          <p:nvPr>
+            <p:ph type="sldNum" sz="quarter" idx="5"/>
+          </p:nvPr>
+        </p:nvSpPr>
+        <p:spPr/>
+        <p:txBody>
+          <a:bodyPr/>
+          <a:lstStyle/>
+          <a:p>
+            <a:fld id="{0AAF587A-3E5D-432E-B5C6-8F5FC1F1A554}" type="slidenum">
+              <a:t>13</a:t>
+            </a:fld>
+            <a:endParaRPr lang="de-DE"/>
+          </a:p>
+        </p:txBody>
+      </p:sp>
+    </p:spTree>
+    <p:extLst>
+      <p:ext uri="{BB962C8B-B14F-4D97-AF65-F5344CB8AC3E}">
+        <p14:creationId xmlns:p14="http://schemas.microsoft.com/office/powerpoint/2010/main" val="3459781541"/>
+      </p:ext>
+    </p:extLst>
+  </p:cSld>
+  <p:clrMapOvr>
+    <a:masterClrMapping/>
+  </p:clrMapOvr>
+</p:notes>
+</file>
+
 <file path=ppt/notesSlides/notesSlide2.xml><?xml version="1.0" encoding="utf-8"?>
 <p:notes xmlns:a="http://schemas.openxmlformats.org/drawingml/2006/main" xmlns:r="http://schemas.openxmlformats.org/officeDocument/2006/relationships" xmlns:p="http://schemas.openxmlformats.org/presentationml/2006/main">
   <p:cSld>
@@ -812,45 +1398,34 @@
           <a:lstStyle/>
           <a:p>
             <a:r>
-              <a:rPr lang="de-DE" dirty="0" err="1"/>
-              <a:t>beats</a:t>
-            </a:r>
-            <a:r>
-              <a:rPr lang="de-DE" dirty="0"/>
-              <a:t> </a:t>
-            </a:r>
-            <a:r>
-              <a:rPr lang="de-DE" dirty="0" err="1"/>
-              <a:t>WikiSQL</a:t>
-            </a:r>
-            <a:r>
-              <a:rPr lang="de-DE" dirty="0"/>
-              <a:t> </a:t>
-            </a:r>
-            <a:r>
-              <a:rPr lang="de-DE" dirty="0" err="1"/>
-              <a:t>or</a:t>
-            </a:r>
-            <a:r>
-              <a:rPr lang="de-DE" dirty="0"/>
-              <a:t> </a:t>
-            </a:r>
-            <a:r>
-              <a:rPr lang="de-DE" dirty="0" err="1"/>
-              <a:t>other</a:t>
-            </a:r>
-            <a:r>
-              <a:rPr lang="de-DE" dirty="0"/>
-              <a:t> SQL </a:t>
-            </a:r>
-            <a:r>
-              <a:rPr lang="de-DE" dirty="0" err="1"/>
-              <a:t>datasets</a:t>
-            </a:r>
-            <a:r>
-              <a:rPr lang="de-DE" dirty="0"/>
-              <a:t> etwas schwammig besser erkläre wo ist es besser</a:t>
-            </a:r>
+              <a:rPr lang="de-DE" b="1" dirty="0"/>
+              <a:t>Privacy </a:t>
+            </a:r>
+            <a:r>
+              <a:rPr lang="de-DE" b="1" dirty="0" err="1"/>
+              <a:t>preserving</a:t>
+            </a:r>
+            <a:r>
+              <a:rPr lang="de-DE" b="1" dirty="0"/>
+              <a:t> AI</a:t>
+            </a:r>
+          </a:p>
+          <a:p>
+            <a:r>
+              <a:rPr lang="de-DE" dirty="0">
+                <a:cs typeface="Calibri"/>
+              </a:rPr>
+              <a:t>Mehr </a:t>
+            </a:r>
+            <a:r>
+              <a:rPr lang="de-DE" dirty="0" err="1">
+                <a:cs typeface="Calibri"/>
+              </a:rPr>
+              <a:t>vorheben</a:t>
+            </a:r>
+            <a:endParaRPr lang="de-DE" b="1" dirty="0" err="1">
+              <a:cs typeface="Calibri"/>
+            </a:endParaRPr>
           </a:p>
         </p:txBody>
       </p:sp>
@@ -880,7 +1455,7 @@
     </p:spTree>
     <p:extLst>
       <p:ext uri="{BB962C8B-B14F-4D97-AF65-F5344CB8AC3E}">
-        <p14:creationId xmlns:p14="http://schemas.microsoft.com/office/powerpoint/2010/main" val="2639845579"/>
+        <p14:creationId xmlns:p14="http://schemas.microsoft.com/office/powerpoint/2010/main" val="2128514571"/>
       </p:ext>
     </p:extLst>
   </p:cSld>
@@ -935,10 +1510,34 @@
           <a:lstStyle/>
           <a:p>
             <a:r>
-              <a:rPr lang="en-US" dirty="0"/>
-              <a:t>Our innovative approach leverages machine learning to generate dynamic SQL queries, moving beyond conventional template-based systems. The project focuses on</a:t>
-            </a:r>
-            <a:endParaRPr lang="de-DE" dirty="0"/>
+              <a:rPr lang="de-DE" b="1" dirty="0"/>
+              <a:t>Privacy </a:t>
+            </a:r>
+            <a:r>
+              <a:rPr lang="de-DE" b="1" dirty="0" err="1"/>
+              <a:t>preserving</a:t>
+            </a:r>
+            <a:r>
+              <a:rPr lang="de-DE" b="1" dirty="0"/>
+              <a:t> AI</a:t>
+            </a:r>
+          </a:p>
+          <a:p>
+            <a:r>
+              <a:rPr lang="de-DE" dirty="0">
+                <a:cs typeface="Calibri"/>
+              </a:rPr>
+              <a:t>Mehr </a:t>
+            </a:r>
+            <a:r>
+              <a:rPr lang="de-DE" dirty="0" err="1">
+                <a:cs typeface="Calibri"/>
+              </a:rPr>
+              <a:t>vorheben</a:t>
+            </a:r>
+            <a:endParaRPr lang="de-DE" b="1" dirty="0" err="1">
+              <a:cs typeface="Calibri"/>
+            </a:endParaRPr>
           </a:p>
         </p:txBody>
       </p:sp>
@@ -958,6 +1557,7 @@
           <a:lstStyle/>
           <a:p>
             <a:fld id="{0AAF587A-3E5D-432E-B5C6-8F5FC1F1A554}" type="slidenum">
+              <a:rPr lang="de-DE"/>
               <a:t>7</a:t>
             </a:fld>
             <a:endParaRPr lang="de-DE"/>
@@ -967,7 +1567,7 @@
     </p:spTree>
     <p:extLst>
       <p:ext uri="{BB962C8B-B14F-4D97-AF65-F5344CB8AC3E}">
-        <p14:creationId xmlns:p14="http://schemas.microsoft.com/office/powerpoint/2010/main" val="4041711382"/>
+        <p14:creationId xmlns:p14="http://schemas.microsoft.com/office/powerpoint/2010/main" val="86758880"/>
       </p:ext>
     </p:extLst>
   </p:cSld>
@@ -1022,30 +1622,8 @@
           <a:lstStyle/>
           <a:p>
             <a:r>
-              <a:rPr lang="en-US" dirty="0"/>
-              <a:t>Our innovative approach leverages machine learning to generate dynamic SQL queries, moving beyond conventional template-based systems. The project focuses on</a:t>
-            </a:r>
-          </a:p>
-          <a:p>
-            <a:endParaRPr lang="en-US" dirty="0">
-              <a:ea typeface="Calibri"/>
-              <a:cs typeface="Calibri"/>
-            </a:endParaRPr>
-          </a:p>
-          <a:p>
-            <a:pPr marL="171450" indent="-171450">
-              <a:lnSpc>
-                <a:spcPct val="90000"/>
-              </a:lnSpc>
-              <a:spcBef>
-                <a:spcPts val="1000"/>
-              </a:spcBef>
-              <a:buFont typeface="Arial,Sans-Serif"/>
-              <a:buChar char="•"/>
-            </a:pPr>
-            <a:r>
               <a:rPr lang="de-DE" dirty="0" err="1"/>
-              <a:t>What</a:t>
+              <a:t>beats</a:t>
             </a:r>
             <a:r>
               <a:rPr lang="de-DE" dirty="0"/>
@@ -1053,7 +1631,7 @@
             </a:r>
             <a:r>
               <a:rPr lang="de-DE" dirty="0" err="1"/>
-              <a:t>characterizes</a:t>
+              <a:t>WikiSQL</a:t>
             </a:r>
             <a:r>
               <a:rPr lang="de-DE" dirty="0"/>
@@ -1061,7 +1639,7 @@
             </a:r>
             <a:r>
               <a:rPr lang="de-DE" dirty="0" err="1"/>
-              <a:t>typical</a:t>
+              <a:t>or</a:t>
             </a:r>
             <a:r>
               <a:rPr lang="de-DE" dirty="0"/>
@@ -1069,39 +1647,7 @@
             </a:r>
             <a:r>
               <a:rPr lang="de-DE" dirty="0" err="1"/>
-              <a:t>user</a:t>
-            </a:r>
-            <a:r>
-              <a:rPr lang="de-DE" dirty="0"/>
-              <a:t> </a:t>
-            </a:r>
-            <a:r>
-              <a:rPr lang="de-DE" dirty="0" err="1"/>
-              <a:t>queries</a:t>
-            </a:r>
-            <a:r>
-              <a:rPr lang="de-DE" dirty="0"/>
-              <a:t> in </a:t>
-            </a:r>
-            <a:r>
-              <a:rPr lang="de-DE" dirty="0" err="1"/>
-              <a:t>natural</a:t>
-            </a:r>
-            <a:r>
-              <a:rPr lang="de-DE" dirty="0"/>
-              <a:t> </a:t>
-            </a:r>
-            <a:r>
-              <a:rPr lang="de-DE" dirty="0" err="1"/>
-              <a:t>language</a:t>
-            </a:r>
-            <a:r>
-              <a:rPr lang="de-DE" dirty="0"/>
-              <a:t> </a:t>
-            </a:r>
-            <a:r>
-              <a:rPr lang="de-DE" dirty="0" err="1"/>
-              <a:t>to</a:t>
+              <a:t>other</a:t>
             </a:r>
             <a:r>
               <a:rPr lang="de-DE" dirty="0"/>
@@ -1109,416 +1655,12 @@
             </a:r>
             <a:r>
               <a:rPr lang="de-DE" dirty="0" err="1"/>
-              <a:t>systems</a:t>
+              <a:t>datasets</a:t>
             </a:r>
             <a:r>
               <a:rPr lang="de-DE" dirty="0"/>
-              <a:t>?</a:t>
-            </a:r>
-            <a:endParaRPr lang="de-DE" dirty="0">
-              <a:ea typeface="Calibri"/>
-              <a:cs typeface="Calibri"/>
-            </a:endParaRPr>
-          </a:p>
-          <a:p>
-            <a:pPr marL="171450" indent="-171450">
-              <a:lnSpc>
-                <a:spcPct val="90000"/>
-              </a:lnSpc>
-              <a:spcBef>
-                <a:spcPts val="1000"/>
-              </a:spcBef>
-              <a:buFont typeface="Arial,Sans-Serif"/>
-              <a:buChar char="•"/>
-            </a:pPr>
-            <a:r>
-              <a:rPr lang="de-DE" dirty="0" err="1"/>
-              <a:t>What</a:t>
-            </a:r>
-            <a:r>
-              <a:rPr lang="de-DE" dirty="0"/>
-              <a:t> </a:t>
-            </a:r>
-            <a:r>
-              <a:rPr lang="de-DE" dirty="0" err="1"/>
-              <a:t>are</a:t>
-            </a:r>
-            <a:r>
-              <a:rPr lang="de-DE" dirty="0"/>
-              <a:t> </a:t>
-            </a:r>
-            <a:r>
-              <a:rPr lang="de-DE" dirty="0" err="1"/>
-              <a:t>common</a:t>
-            </a:r>
-            <a:r>
-              <a:rPr lang="de-DE" dirty="0"/>
-              <a:t> </a:t>
-            </a:r>
-            <a:r>
-              <a:rPr lang="de-DE" dirty="0" err="1"/>
-              <a:t>mismatches</a:t>
-            </a:r>
-            <a:r>
-              <a:rPr lang="de-DE" dirty="0"/>
-              <a:t> </a:t>
-            </a:r>
-            <a:r>
-              <a:rPr lang="de-DE" dirty="0" err="1"/>
-              <a:t>between</a:t>
-            </a:r>
-            <a:r>
-              <a:rPr lang="de-DE" dirty="0"/>
-              <a:t> </a:t>
-            </a:r>
-            <a:r>
-              <a:rPr lang="de-DE" dirty="0" err="1"/>
-              <a:t>user</a:t>
-            </a:r>
-            <a:r>
-              <a:rPr lang="de-DE" dirty="0"/>
-              <a:t> </a:t>
-            </a:r>
-            <a:r>
-              <a:rPr lang="de-DE" dirty="0" err="1"/>
-              <a:t>intent</a:t>
-            </a:r>
-            <a:r>
-              <a:rPr lang="de-DE" dirty="0"/>
-              <a:t> and </a:t>
-            </a:r>
-            <a:r>
-              <a:rPr lang="de-DE" dirty="0" err="1"/>
-              <a:t>generated</a:t>
-            </a:r>
-            <a:r>
-              <a:rPr lang="de-DE" dirty="0"/>
-              <a:t> SQL </a:t>
-            </a:r>
-            <a:r>
-              <a:rPr lang="de-DE" dirty="0" err="1"/>
-              <a:t>queries</a:t>
-            </a:r>
-            <a:r>
-              <a:rPr lang="de-DE" dirty="0"/>
-              <a:t>? </a:t>
-            </a:r>
-            <a:endParaRPr lang="de-DE" dirty="0">
-              <a:ea typeface="Calibri"/>
-              <a:cs typeface="Calibri"/>
-            </a:endParaRPr>
-          </a:p>
-          <a:p>
-            <a:pPr marL="171450" indent="-171450">
-              <a:lnSpc>
-                <a:spcPct val="90000"/>
-              </a:lnSpc>
-              <a:spcBef>
-                <a:spcPts val="1000"/>
-              </a:spcBef>
-              <a:buFont typeface="Arial,Sans-Serif"/>
-              <a:buChar char="•"/>
-            </a:pPr>
-            <a:r>
-              <a:rPr lang="de-DE" dirty="0" err="1"/>
-              <a:t>How</a:t>
-            </a:r>
-            <a:r>
-              <a:rPr lang="de-DE" dirty="0"/>
-              <a:t> do </a:t>
-            </a:r>
-            <a:r>
-              <a:rPr lang="de-DE" dirty="0" err="1"/>
-              <a:t>users</a:t>
-            </a:r>
-            <a:r>
-              <a:rPr lang="de-DE" dirty="0"/>
-              <a:t> </a:t>
-            </a:r>
-            <a:r>
-              <a:rPr lang="de-DE" dirty="0" err="1"/>
-              <a:t>prefer</a:t>
-            </a:r>
-            <a:r>
-              <a:rPr lang="de-DE" dirty="0"/>
-              <a:t> </a:t>
-            </a:r>
-            <a:r>
-              <a:rPr lang="de-DE" dirty="0" err="1"/>
-              <a:t>to</a:t>
-            </a:r>
-            <a:r>
-              <a:rPr lang="de-DE" dirty="0"/>
-              <a:t> </a:t>
-            </a:r>
-            <a:r>
-              <a:rPr lang="de-DE" dirty="0" err="1"/>
-              <a:t>correct</a:t>
-            </a:r>
-            <a:r>
-              <a:rPr lang="de-DE" dirty="0"/>
-              <a:t> SQL </a:t>
-            </a:r>
-            <a:r>
-              <a:rPr lang="de-DE" dirty="0" err="1"/>
-              <a:t>queries</a:t>
-            </a:r>
-            <a:r>
-              <a:rPr lang="de-DE" dirty="0"/>
-              <a:t> </a:t>
-            </a:r>
-            <a:r>
-              <a:rPr lang="de-DE" dirty="0" err="1"/>
-              <a:t>when</a:t>
-            </a:r>
-            <a:r>
-              <a:rPr lang="de-DE" dirty="0"/>
-              <a:t> </a:t>
-            </a:r>
-            <a:r>
-              <a:rPr lang="de-DE" dirty="0" err="1"/>
-              <a:t>they</a:t>
-            </a:r>
-            <a:r>
-              <a:rPr lang="de-DE" dirty="0"/>
-              <a:t> </a:t>
-            </a:r>
-            <a:r>
-              <a:rPr lang="de-DE" dirty="0" err="1"/>
-              <a:t>don't</a:t>
-            </a:r>
-            <a:r>
-              <a:rPr lang="de-DE" dirty="0"/>
-              <a:t> match </a:t>
-            </a:r>
-            <a:r>
-              <a:rPr lang="de-DE" dirty="0" err="1"/>
-              <a:t>their</a:t>
-            </a:r>
-            <a:r>
-              <a:rPr lang="de-DE" dirty="0"/>
-              <a:t> </a:t>
-            </a:r>
-            <a:r>
-              <a:rPr lang="de-DE" dirty="0" err="1"/>
-              <a:t>intentions</a:t>
-            </a:r>
-            <a:r>
-              <a:rPr lang="de-DE" dirty="0"/>
-              <a:t>?</a:t>
-            </a:r>
-            <a:endParaRPr lang="de-DE" dirty="0">
-              <a:ea typeface="Calibri"/>
-              <a:cs typeface="Calibri"/>
-            </a:endParaRPr>
-          </a:p>
-          <a:p>
-            <a:pPr marL="171450" indent="-171450">
-              <a:lnSpc>
-                <a:spcPct val="90000"/>
-              </a:lnSpc>
-              <a:spcBef>
-                <a:spcPts val="1000"/>
-              </a:spcBef>
-              <a:buFont typeface="Arial,Sans-Serif"/>
-              <a:buChar char="•"/>
-            </a:pPr>
-            <a:r>
-              <a:rPr lang="de-DE" dirty="0" err="1"/>
-              <a:t>What</a:t>
-            </a:r>
-            <a:r>
-              <a:rPr lang="de-DE" dirty="0"/>
-              <a:t> </a:t>
-            </a:r>
-            <a:r>
-              <a:rPr lang="de-DE" dirty="0" err="1"/>
-              <a:t>are</a:t>
-            </a:r>
-            <a:r>
-              <a:rPr lang="de-DE" dirty="0"/>
-              <a:t> </a:t>
-            </a:r>
-            <a:r>
-              <a:rPr lang="de-DE" dirty="0" err="1"/>
-              <a:t>effective</a:t>
-            </a:r>
-            <a:r>
-              <a:rPr lang="de-DE" dirty="0"/>
-              <a:t> </a:t>
-            </a:r>
-            <a:r>
-              <a:rPr lang="de-DE" dirty="0" err="1"/>
-              <a:t>ways</a:t>
-            </a:r>
-            <a:r>
-              <a:rPr lang="de-DE" dirty="0"/>
-              <a:t> </a:t>
-            </a:r>
-            <a:r>
-              <a:rPr lang="de-DE" dirty="0" err="1"/>
-              <a:t>to</a:t>
-            </a:r>
-            <a:r>
-              <a:rPr lang="de-DE" dirty="0"/>
-              <a:t> </a:t>
-            </a:r>
-            <a:r>
-              <a:rPr lang="de-DE" dirty="0" err="1"/>
-              <a:t>communicate</a:t>
-            </a:r>
-            <a:r>
-              <a:rPr lang="de-DE" dirty="0"/>
-              <a:t> </a:t>
-            </a:r>
-            <a:r>
-              <a:rPr lang="de-DE" dirty="0" err="1"/>
-              <a:t>system</a:t>
-            </a:r>
-            <a:r>
-              <a:rPr lang="de-DE" dirty="0"/>
-              <a:t> </a:t>
-            </a:r>
-            <a:r>
-              <a:rPr lang="de-DE" dirty="0" err="1"/>
-              <a:t>limitations</a:t>
-            </a:r>
-            <a:r>
-              <a:rPr lang="de-DE" dirty="0"/>
-              <a:t> </a:t>
-            </a:r>
-            <a:r>
-              <a:rPr lang="de-DE" dirty="0" err="1"/>
-              <a:t>to</a:t>
-            </a:r>
-            <a:r>
-              <a:rPr lang="de-DE" dirty="0"/>
-              <a:t> </a:t>
-            </a:r>
-            <a:r>
-              <a:rPr lang="de-DE" dirty="0" err="1"/>
-              <a:t>users</a:t>
-            </a:r>
-            <a:r>
-              <a:rPr lang="de-DE" dirty="0"/>
-              <a:t>?</a:t>
-            </a:r>
-            <a:endParaRPr lang="de-DE" dirty="0">
-              <a:ea typeface="Calibri"/>
-              <a:cs typeface="Calibri"/>
-            </a:endParaRPr>
-          </a:p>
-          <a:p>
-            <a:pPr marL="171450" indent="-171450">
-              <a:lnSpc>
-                <a:spcPct val="90000"/>
-              </a:lnSpc>
-              <a:spcBef>
-                <a:spcPts val="1000"/>
-              </a:spcBef>
-              <a:buFont typeface="Arial,Sans-Serif"/>
-              <a:buChar char="•"/>
-            </a:pPr>
-            <a:r>
-              <a:rPr lang="de-DE" dirty="0" err="1"/>
-              <a:t>How</a:t>
-            </a:r>
-            <a:r>
-              <a:rPr lang="de-DE" dirty="0"/>
-              <a:t> </a:t>
-            </a:r>
-            <a:r>
-              <a:rPr lang="de-DE" dirty="0" err="1"/>
-              <a:t>can</a:t>
-            </a:r>
-            <a:r>
-              <a:rPr lang="de-DE" dirty="0"/>
-              <a:t> </a:t>
-            </a:r>
-            <a:r>
-              <a:rPr lang="de-DE" dirty="0" err="1"/>
-              <a:t>privacy</a:t>
-            </a:r>
-            <a:r>
-              <a:rPr lang="de-DE" dirty="0"/>
-              <a:t> </a:t>
-            </a:r>
-            <a:r>
-              <a:rPr lang="de-DE" dirty="0" err="1"/>
-              <a:t>restrictions</a:t>
-            </a:r>
-            <a:r>
-              <a:rPr lang="de-DE" dirty="0"/>
-              <a:t> </a:t>
-            </a:r>
-            <a:r>
-              <a:rPr lang="de-DE" dirty="0" err="1"/>
-              <a:t>be</a:t>
-            </a:r>
-            <a:r>
-              <a:rPr lang="de-DE" dirty="0"/>
-              <a:t> </a:t>
-            </a:r>
-            <a:r>
-              <a:rPr lang="de-DE" dirty="0" err="1"/>
-              <a:t>effectively</a:t>
-            </a:r>
-            <a:r>
-              <a:rPr lang="de-DE" dirty="0"/>
-              <a:t> </a:t>
-            </a:r>
-            <a:r>
-              <a:rPr lang="de-DE" dirty="0" err="1"/>
-              <a:t>communicated</a:t>
-            </a:r>
-            <a:r>
-              <a:rPr lang="de-DE" dirty="0"/>
-              <a:t> in </a:t>
-            </a:r>
-            <a:r>
-              <a:rPr lang="de-DE" dirty="0" err="1"/>
-              <a:t>natural</a:t>
-            </a:r>
-            <a:r>
-              <a:rPr lang="de-DE" dirty="0"/>
-              <a:t> </a:t>
-            </a:r>
-            <a:r>
-              <a:rPr lang="de-DE" dirty="0" err="1"/>
-              <a:t>language</a:t>
-            </a:r>
-            <a:r>
-              <a:rPr lang="de-DE" dirty="0"/>
-              <a:t> </a:t>
-            </a:r>
-            <a:r>
-              <a:rPr lang="de-DE" dirty="0" err="1"/>
-              <a:t>responses</a:t>
-            </a:r>
-            <a:r>
-              <a:rPr lang="de-DE" dirty="0"/>
-              <a:t>?</a:t>
-            </a:r>
-            <a:endParaRPr lang="en-US" dirty="0"/>
-          </a:p>
-          <a:p>
-            <a:endParaRPr lang="en-US" dirty="0">
-              <a:ea typeface="Calibri"/>
-              <a:cs typeface="Calibri"/>
-            </a:endParaRPr>
-          </a:p>
-          <a:p>
-            <a:r>
-              <a:rPr lang="en-US" dirty="0" err="1">
-                <a:ea typeface="Calibri"/>
-                <a:cs typeface="Calibri"/>
-              </a:rPr>
-              <a:t>stichpunkte</a:t>
-            </a:r>
-            <a:endParaRPr lang="en-US">
-              <a:ea typeface="Calibri"/>
-              <a:cs typeface="Calibri"/>
-            </a:endParaRPr>
+              <a:t> etwas schwammig besser erkläre wo ist es besser</a:t>
+            </a:r>
           </a:p>
         </p:txBody>
       </p:sp>
@@ -1538,6 +1680,7 @@
           <a:lstStyle/>
           <a:p>
             <a:fld id="{0AAF587A-3E5D-432E-B5C6-8F5FC1F1A554}" type="slidenum">
+              <a:rPr lang="de-DE"/>
               <a:t>8</a:t>
             </a:fld>
             <a:endParaRPr lang="de-DE"/>
@@ -1547,7 +1690,7 @@
     </p:spTree>
     <p:extLst>
       <p:ext uri="{BB962C8B-B14F-4D97-AF65-F5344CB8AC3E}">
-        <p14:creationId xmlns:p14="http://schemas.microsoft.com/office/powerpoint/2010/main" val="2781916100"/>
+        <p14:creationId xmlns:p14="http://schemas.microsoft.com/office/powerpoint/2010/main" val="2639845579"/>
       </p:ext>
     </p:extLst>
   </p:cSld>
@@ -1602,74 +1745,220 @@
           <a:lstStyle/>
           <a:p>
             <a:r>
+              <a:rPr lang="en-US" dirty="0"/>
+              <a:t>Our innovative approach leverages machine learning to generate dynamic SQL queries, moving beyond conventional template-based systems. The project focuses on</a:t>
+            </a:r>
+            <a:endParaRPr lang="de-DE" dirty="0"/>
+          </a:p>
+        </p:txBody>
+      </p:sp>
+      <p:sp>
+        <p:nvSpPr>
+          <p:cNvPr id="4" name="Foliennummernplatzhalter 3"/>
+          <p:cNvSpPr>
+            <a:spLocks noGrp="1"/>
+          </p:cNvSpPr>
+          <p:nvPr>
+            <p:ph type="sldNum" sz="quarter" idx="5"/>
+          </p:nvPr>
+        </p:nvSpPr>
+        <p:spPr/>
+        <p:txBody>
+          <a:bodyPr/>
+          <a:lstStyle/>
+          <a:p>
+            <a:fld id="{0AAF587A-3E5D-432E-B5C6-8F5FC1F1A554}" type="slidenum">
+              <a:t>9</a:t>
+            </a:fld>
+            <a:endParaRPr lang="de-DE"/>
+          </a:p>
+        </p:txBody>
+      </p:sp>
+    </p:spTree>
+    <p:extLst>
+      <p:ext uri="{BB962C8B-B14F-4D97-AF65-F5344CB8AC3E}">
+        <p14:creationId xmlns:p14="http://schemas.microsoft.com/office/powerpoint/2010/main" val="4041711382"/>
+      </p:ext>
+    </p:extLst>
+  </p:cSld>
+  <p:clrMapOvr>
+    <a:masterClrMapping/>
+  </p:clrMapOvr>
+</p:notes>
+</file>
+
+<file path=ppt/notesSlides/notesSlide8.xml><?xml version="1.0" encoding="utf-8"?>
+<p:notes xmlns:a="http://schemas.openxmlformats.org/drawingml/2006/main" xmlns:r="http://schemas.openxmlformats.org/officeDocument/2006/relationships" xmlns:p="http://schemas.openxmlformats.org/presentationml/2006/main">
+  <p:cSld>
+    <p:spTree>
+      <p:nvGrpSpPr>
+        <p:cNvPr id="1" name=""/>
+        <p:cNvGrpSpPr/>
+        <p:nvPr/>
+      </p:nvGrpSpPr>
+      <p:grpSpPr>
+        <a:xfrm>
+          <a:off x="0" y="0"/>
+          <a:ext cx="0" cy="0"/>
+          <a:chOff x="0" y="0"/>
+          <a:chExt cx="0" cy="0"/>
+        </a:xfrm>
+      </p:grpSpPr>
+      <p:sp>
+        <p:nvSpPr>
+          <p:cNvPr id="2" name="Folienbildplatzhalter 1"/>
+          <p:cNvSpPr>
+            <a:spLocks noGrp="1" noRot="1" noChangeAspect="1"/>
+          </p:cNvSpPr>
+          <p:nvPr>
+            <p:ph type="sldImg"/>
+          </p:nvPr>
+        </p:nvSpPr>
+        <p:spPr/>
+      </p:sp>
+      <p:sp>
+        <p:nvSpPr>
+          <p:cNvPr id="3" name="Notizenplatzhalter 2"/>
+          <p:cNvSpPr>
+            <a:spLocks noGrp="1"/>
+          </p:cNvSpPr>
+          <p:nvPr>
+            <p:ph type="body" idx="1"/>
+          </p:nvPr>
+        </p:nvSpPr>
+        <p:spPr/>
+        <p:txBody>
+          <a:bodyPr/>
+          <a:lstStyle/>
+          <a:p>
+            <a:r>
+              <a:rPr lang="en-US" dirty="0"/>
+              <a:t>Our innovative approach leverages machine learning to generate dynamic SQL queries, moving beyond conventional template-based systems. The project focuses on</a:t>
+            </a:r>
+            <a:endParaRPr lang="de-DE" dirty="0"/>
+          </a:p>
+        </p:txBody>
+      </p:sp>
+      <p:sp>
+        <p:nvSpPr>
+          <p:cNvPr id="4" name="Foliennummernplatzhalter 3"/>
+          <p:cNvSpPr>
+            <a:spLocks noGrp="1"/>
+          </p:cNvSpPr>
+          <p:nvPr>
+            <p:ph type="sldNum" sz="quarter" idx="5"/>
+          </p:nvPr>
+        </p:nvSpPr>
+        <p:spPr/>
+        <p:txBody>
+          <a:bodyPr/>
+          <a:lstStyle/>
+          <a:p>
+            <a:fld id="{0AAF587A-3E5D-432E-B5C6-8F5FC1F1A554}" type="slidenum">
+              <a:t>10</a:t>
+            </a:fld>
+            <a:endParaRPr lang="de-DE"/>
+          </a:p>
+        </p:txBody>
+      </p:sp>
+    </p:spTree>
+    <p:extLst>
+      <p:ext uri="{BB962C8B-B14F-4D97-AF65-F5344CB8AC3E}">
+        <p14:creationId xmlns:p14="http://schemas.microsoft.com/office/powerpoint/2010/main" val="4126676028"/>
+      </p:ext>
+    </p:extLst>
+  </p:cSld>
+  <p:clrMapOvr>
+    <a:masterClrMapping/>
+  </p:clrMapOvr>
+</p:notes>
+</file>
+
+<file path=ppt/notesSlides/notesSlide9.xml><?xml version="1.0" encoding="utf-8"?>
+<p:notes xmlns:a="http://schemas.openxmlformats.org/drawingml/2006/main" xmlns:r="http://schemas.openxmlformats.org/officeDocument/2006/relationships" xmlns:p="http://schemas.openxmlformats.org/presentationml/2006/main">
+  <p:cSld>
+    <p:spTree>
+      <p:nvGrpSpPr>
+        <p:cNvPr id="1" name=""/>
+        <p:cNvGrpSpPr/>
+        <p:nvPr/>
+      </p:nvGrpSpPr>
+      <p:grpSpPr>
+        <a:xfrm>
+          <a:off x="0" y="0"/>
+          <a:ext cx="0" cy="0"/>
+          <a:chOff x="0" y="0"/>
+          <a:chExt cx="0" cy="0"/>
+        </a:xfrm>
+      </p:grpSpPr>
+      <p:sp>
+        <p:nvSpPr>
+          <p:cNvPr id="2" name="Folienbildplatzhalter 1"/>
+          <p:cNvSpPr>
+            <a:spLocks noGrp="1" noRot="1" noChangeAspect="1"/>
+          </p:cNvSpPr>
+          <p:nvPr>
+            <p:ph type="sldImg"/>
+          </p:nvPr>
+        </p:nvSpPr>
+        <p:spPr/>
+      </p:sp>
+      <p:sp>
+        <p:nvSpPr>
+          <p:cNvPr id="3" name="Notizenplatzhalter 2"/>
+          <p:cNvSpPr>
+            <a:spLocks noGrp="1"/>
+          </p:cNvSpPr>
+          <p:nvPr>
+            <p:ph type="body" idx="1"/>
+          </p:nvPr>
+        </p:nvSpPr>
+        <p:spPr/>
+        <p:txBody>
+          <a:bodyPr/>
+          <a:lstStyle/>
+          <a:p>
+            <a:r>
+              <a:rPr lang="en-US" dirty="0"/>
+              <a:t>Our innovative approach leverages machine learning to generate dynamic SQL queries, moving beyond conventional template-based systems. The project focuses on</a:t>
+            </a:r>
+          </a:p>
+          <a:p>
+            <a:endParaRPr lang="en-US" dirty="0">
+              <a:ea typeface="Calibri"/>
+              <a:cs typeface="Calibri"/>
+            </a:endParaRPr>
+          </a:p>
+          <a:p>
+            <a:pPr marL="171450" indent="-171450">
+              <a:lnSpc>
+                <a:spcPct val="90000"/>
+              </a:lnSpc>
+              <a:spcBef>
+                <a:spcPts val="1000"/>
+              </a:spcBef>
+              <a:buFont typeface="Arial,Sans-Serif"/>
+              <a:buChar char="•"/>
+            </a:pPr>
+            <a:r>
+              <a:rPr lang="de-DE" dirty="0" err="1"/>
+              <a:t>What</a:t>
+            </a:r>
+            <a:r>
               <a:rPr lang="de-DE" dirty="0"/>
-              <a:t>Development </a:t>
+              <a:t> </a:t>
             </a:r>
             <a:r>
               <a:rPr lang="de-DE" dirty="0" err="1"/>
-              <a:t>of</a:t>
+              <a:t>characterizes</a:t>
             </a:r>
             <a:r>
               <a:rPr lang="de-DE" dirty="0"/>
-              <a:t> an AI </a:t>
+              <a:t> </a:t>
             </a:r>
             <a:r>
               <a:rPr lang="de-DE" dirty="0" err="1"/>
-              <a:t>system</a:t>
-            </a:r>
-            <a:r>
-              <a:rPr lang="de-DE" dirty="0"/>
-              <a:t> </a:t>
-            </a:r>
-            <a:r>
-              <a:rPr lang="de-DE" dirty="0" err="1"/>
-              <a:t>with</a:t>
-            </a:r>
-            <a:r>
-              <a:rPr lang="de-DE" dirty="0"/>
-              <a:t> </a:t>
-            </a:r>
-            <a:r>
-              <a:rPr lang="de-DE" dirty="0" err="1"/>
-              <a:t>enhanced</a:t>
-            </a:r>
-            <a:r>
-              <a:rPr lang="de-DE" dirty="0"/>
-              <a:t> </a:t>
-            </a:r>
-            <a:r>
-              <a:rPr lang="de-DE" dirty="0" err="1"/>
-              <a:t>accuracy</a:t>
-            </a:r>
-            <a:r>
-              <a:rPr lang="de-DE" dirty="0"/>
-              <a:t> and user-</a:t>
-            </a:r>
-            <a:r>
-              <a:rPr lang="de-DE" dirty="0" err="1"/>
-              <a:t>friendly</a:t>
-            </a:r>
-            <a:r>
-              <a:rPr lang="de-DE" dirty="0"/>
-              <a:t> interface</a:t>
-            </a:r>
-          </a:p>
-          <a:p>
-            <a:r>
-              <a:rPr lang="de-DE" dirty="0"/>
-              <a:t>Implementation </a:t>
-            </a:r>
-            <a:r>
-              <a:rPr lang="de-DE" dirty="0" err="1"/>
-              <a:t>of</a:t>
-            </a:r>
-            <a:r>
-              <a:rPr lang="de-DE" dirty="0"/>
-              <a:t> </a:t>
-            </a:r>
-            <a:r>
-              <a:rPr lang="de-DE" dirty="0" err="1"/>
-              <a:t>comprehensive</a:t>
+              <a:t>typical</a:t>
             </a:r>
             <a:r>
               <a:rPr lang="de-DE" dirty="0"/>
@@ -1685,15 +1974,15 @@
             </a:r>
             <a:r>
               <a:rPr lang="de-DE" dirty="0" err="1"/>
-              <a:t>surveys</a:t>
+              <a:t>queries</a:t>
             </a:r>
             <a:r>
               <a:rPr lang="de-DE" dirty="0"/>
-              <a:t> </a:t>
+              <a:t> in </a:t>
             </a:r>
             <a:r>
               <a:rPr lang="de-DE" dirty="0" err="1"/>
-              <a:t>for</a:t>
+              <a:t>natural</a:t>
             </a:r>
             <a:r>
               <a:rPr lang="de-DE" dirty="0"/>
@@ -1701,7 +1990,7 @@
             </a:r>
             <a:r>
               <a:rPr lang="de-DE" dirty="0" err="1"/>
-              <a:t>feedback</a:t>
+              <a:t>language</a:t>
             </a:r>
             <a:r>
               <a:rPr lang="de-DE" dirty="0"/>
@@ -1709,7 +1998,19 @@
             </a:r>
             <a:r>
               <a:rPr lang="de-DE" dirty="0" err="1"/>
-              <a:t>collection</a:t>
+              <a:t>to</a:t>
+            </a:r>
+            <a:r>
+              <a:rPr lang="de-DE" dirty="0"/>
+              <a:t> SQL </a:t>
+            </a:r>
+            <a:r>
+              <a:rPr lang="de-DE" dirty="0" err="1"/>
+              <a:t>systems</a:t>
+            </a:r>
+            <a:r>
+              <a:rPr lang="de-DE" dirty="0"/>
+              <a:t>?</a:t>
             </a:r>
             <a:endParaRPr lang="de-DE" dirty="0">
               <a:ea typeface="Calibri"/>
@@ -1717,13 +2018,51 @@
             </a:endParaRPr>
           </a:p>
           <a:p>
+            <a:pPr marL="171450" indent="-171450">
+              <a:lnSpc>
+                <a:spcPct val="90000"/>
+              </a:lnSpc>
+              <a:spcBef>
+                <a:spcPts val="1000"/>
+              </a:spcBef>
+              <a:buFont typeface="Arial,Sans-Serif"/>
+              <a:buChar char="•"/>
+            </a:pPr>
+            <a:r>
+              <a:rPr lang="de-DE" dirty="0" err="1"/>
+              <a:t>What</a:t>
+            </a:r>
             <a:r>
               <a:rPr lang="de-DE" dirty="0"/>
-              <a:t>Integration </a:t>
+              <a:t> </a:t>
             </a:r>
             <a:r>
               <a:rPr lang="de-DE" dirty="0" err="1"/>
-              <a:t>of</a:t>
+              <a:t>are</a:t>
+            </a:r>
+            <a:r>
+              <a:rPr lang="de-DE" dirty="0"/>
+              <a:t> </a:t>
+            </a:r>
+            <a:r>
+              <a:rPr lang="de-DE" dirty="0" err="1"/>
+              <a:t>common</a:t>
+            </a:r>
+            <a:r>
+              <a:rPr lang="de-DE" dirty="0"/>
+              <a:t> </a:t>
+            </a:r>
+            <a:r>
+              <a:rPr lang="de-DE" dirty="0" err="1"/>
+              <a:t>mismatches</a:t>
+            </a:r>
+            <a:r>
+              <a:rPr lang="de-DE" dirty="0"/>
+              <a:t> </a:t>
+            </a:r>
+            <a:r>
+              <a:rPr lang="de-DE" dirty="0" err="1"/>
+              <a:t>between</a:t>
             </a:r>
             <a:r>
               <a:rPr lang="de-DE" dirty="0"/>
@@ -1739,67 +2078,345 @@
             </a:r>
             <a:r>
               <a:rPr lang="de-DE" dirty="0" err="1"/>
-              <a:t>feedback</a:t>
+              <a:t>intent</a:t>
             </a:r>
             <a:r>
               <a:rPr lang="de-DE" dirty="0"/>
-              <a:t> </a:t>
+              <a:t> and </a:t>
             </a:r>
             <a:r>
               <a:rPr lang="de-DE" dirty="0" err="1"/>
-              <a:t>into</a:t>
+              <a:t>generated</a:t>
             </a:r>
             <a:r>
               <a:rPr lang="de-DE" dirty="0"/>
-              <a:t> interface design </a:t>
-            </a:r>
-          </a:p>
-          <a:p>
+              <a:t> SQL </a:t>
+            </a:r>
             <a:r>
               <a:rPr lang="de-DE" dirty="0" err="1"/>
-              <a:t>Pitfalls</a:t>
+              <a:t>queries</a:t>
             </a:r>
             <a:r>
               <a:rPr lang="de-DE" dirty="0"/>
-              <a:t> in </a:t>
-            </a:r>
-            <a:r>
-              <a:rPr lang="de-DE" dirty="0" err="1"/>
-              <a:t>real</a:t>
-            </a:r>
-            <a:r>
-              <a:rPr lang="de-DE" dirty="0"/>
-              <a:t> </a:t>
-            </a:r>
-            <a:r>
-              <a:rPr lang="de-DE" dirty="0" err="1"/>
-              <a:t>world</a:t>
-            </a:r>
-            <a:r>
-              <a:rPr lang="de-DE" dirty="0"/>
-              <a:t> </a:t>
-            </a:r>
-            <a:r>
-              <a:rPr lang="de-DE" dirty="0" err="1"/>
-              <a:t>environments</a:t>
-            </a:r>
-            <a:r>
-              <a:rPr lang="de-DE" dirty="0"/>
-              <a:t> </a:t>
-            </a:r>
-            <a:r>
-              <a:rPr lang="de-DE" dirty="0" err="1"/>
-              <a:t>with</a:t>
-            </a:r>
-            <a:r>
-              <a:rPr lang="de-DE" dirty="0"/>
-              <a:t> such an AI</a:t>
+              <a:t>? </a:t>
             </a:r>
             <a:endParaRPr lang="de-DE" dirty="0">
               <a:ea typeface="Calibri"/>
               <a:cs typeface="Calibri"/>
             </a:endParaRPr>
           </a:p>
+          <a:p>
+            <a:pPr marL="171450" indent="-171450">
+              <a:lnSpc>
+                <a:spcPct val="90000"/>
+              </a:lnSpc>
+              <a:spcBef>
+                <a:spcPts val="1000"/>
+              </a:spcBef>
+              <a:buFont typeface="Arial,Sans-Serif"/>
+              <a:buChar char="•"/>
+            </a:pPr>
+            <a:r>
+              <a:rPr lang="de-DE" dirty="0" err="1"/>
+              <a:t>How</a:t>
+            </a:r>
+            <a:r>
+              <a:rPr lang="de-DE" dirty="0"/>
+              <a:t> do </a:t>
+            </a:r>
+            <a:r>
+              <a:rPr lang="de-DE" dirty="0" err="1"/>
+              <a:t>users</a:t>
+            </a:r>
+            <a:r>
+              <a:rPr lang="de-DE" dirty="0"/>
+              <a:t> </a:t>
+            </a:r>
+            <a:r>
+              <a:rPr lang="de-DE" dirty="0" err="1"/>
+              <a:t>prefer</a:t>
+            </a:r>
+            <a:r>
+              <a:rPr lang="de-DE" dirty="0"/>
+              <a:t> </a:t>
+            </a:r>
+            <a:r>
+              <a:rPr lang="de-DE" dirty="0" err="1"/>
+              <a:t>to</a:t>
+            </a:r>
+            <a:r>
+              <a:rPr lang="de-DE" dirty="0"/>
+              <a:t> </a:t>
+            </a:r>
+            <a:r>
+              <a:rPr lang="de-DE" dirty="0" err="1"/>
+              <a:t>correct</a:t>
+            </a:r>
+            <a:r>
+              <a:rPr lang="de-DE" dirty="0"/>
+              <a:t> SQL </a:t>
+            </a:r>
+            <a:r>
+              <a:rPr lang="de-DE" dirty="0" err="1"/>
+              <a:t>queries</a:t>
+            </a:r>
+            <a:r>
+              <a:rPr lang="de-DE" dirty="0"/>
+              <a:t> </a:t>
+            </a:r>
+            <a:r>
+              <a:rPr lang="de-DE" dirty="0" err="1"/>
+              <a:t>when</a:t>
+            </a:r>
+            <a:r>
+              <a:rPr lang="de-DE" dirty="0"/>
+              <a:t> </a:t>
+            </a:r>
+            <a:r>
+              <a:rPr lang="de-DE" dirty="0" err="1"/>
+              <a:t>they</a:t>
+            </a:r>
+            <a:r>
+              <a:rPr lang="de-DE" dirty="0"/>
+              <a:t> </a:t>
+            </a:r>
+            <a:r>
+              <a:rPr lang="de-DE" dirty="0" err="1"/>
+              <a:t>don't</a:t>
+            </a:r>
+            <a:r>
+              <a:rPr lang="de-DE" dirty="0"/>
+              <a:t> match </a:t>
+            </a:r>
+            <a:r>
+              <a:rPr lang="de-DE" dirty="0" err="1"/>
+              <a:t>their</a:t>
+            </a:r>
+            <a:r>
+              <a:rPr lang="de-DE" dirty="0"/>
+              <a:t> </a:t>
+            </a:r>
+            <a:r>
+              <a:rPr lang="de-DE" dirty="0" err="1"/>
+              <a:t>intentions</a:t>
+            </a:r>
+            <a:r>
+              <a:rPr lang="de-DE" dirty="0"/>
+              <a:t>?</a:t>
+            </a:r>
+            <a:endParaRPr lang="de-DE" dirty="0">
+              <a:ea typeface="Calibri"/>
+              <a:cs typeface="Calibri"/>
+            </a:endParaRPr>
+          </a:p>
+          <a:p>
+            <a:pPr marL="171450" indent="-171450">
+              <a:lnSpc>
+                <a:spcPct val="90000"/>
+              </a:lnSpc>
+              <a:spcBef>
+                <a:spcPts val="1000"/>
+              </a:spcBef>
+              <a:buFont typeface="Arial,Sans-Serif"/>
+              <a:buChar char="•"/>
+            </a:pPr>
+            <a:r>
+              <a:rPr lang="de-DE" dirty="0" err="1"/>
+              <a:t>What</a:t>
+            </a:r>
+            <a:r>
+              <a:rPr lang="de-DE" dirty="0"/>
+              <a:t> </a:t>
+            </a:r>
+            <a:r>
+              <a:rPr lang="de-DE" dirty="0" err="1"/>
+              <a:t>are</a:t>
+            </a:r>
+            <a:r>
+              <a:rPr lang="de-DE" dirty="0"/>
+              <a:t> </a:t>
+            </a:r>
+            <a:r>
+              <a:rPr lang="de-DE" dirty="0" err="1"/>
+              <a:t>effective</a:t>
+            </a:r>
+            <a:r>
+              <a:rPr lang="de-DE" dirty="0"/>
+              <a:t> </a:t>
+            </a:r>
+            <a:r>
+              <a:rPr lang="de-DE" dirty="0" err="1"/>
+              <a:t>ways</a:t>
+            </a:r>
+            <a:r>
+              <a:rPr lang="de-DE" dirty="0"/>
+              <a:t> </a:t>
+            </a:r>
+            <a:r>
+              <a:rPr lang="de-DE" dirty="0" err="1"/>
+              <a:t>to</a:t>
+            </a:r>
+            <a:r>
+              <a:rPr lang="de-DE" dirty="0"/>
+              <a:t> </a:t>
+            </a:r>
+            <a:r>
+              <a:rPr lang="de-DE" dirty="0" err="1"/>
+              <a:t>communicate</a:t>
+            </a:r>
+            <a:r>
+              <a:rPr lang="de-DE" dirty="0"/>
+              <a:t> </a:t>
+            </a:r>
+            <a:r>
+              <a:rPr lang="de-DE" dirty="0" err="1"/>
+              <a:t>system</a:t>
+            </a:r>
+            <a:r>
+              <a:rPr lang="de-DE" dirty="0"/>
+              <a:t> </a:t>
+            </a:r>
+            <a:r>
+              <a:rPr lang="de-DE" dirty="0" err="1"/>
+              <a:t>limitations</a:t>
+            </a:r>
+            <a:r>
+              <a:rPr lang="de-DE" dirty="0"/>
+              <a:t> </a:t>
+            </a:r>
+            <a:r>
+              <a:rPr lang="de-DE" dirty="0" err="1"/>
+              <a:t>to</a:t>
+            </a:r>
+            <a:r>
+              <a:rPr lang="de-DE" dirty="0"/>
+              <a:t> </a:t>
+            </a:r>
+            <a:r>
+              <a:rPr lang="de-DE" dirty="0" err="1"/>
+              <a:t>users</a:t>
+            </a:r>
+            <a:r>
+              <a:rPr lang="de-DE" dirty="0"/>
+              <a:t>?</a:t>
+            </a:r>
+            <a:endParaRPr lang="de-DE" dirty="0">
+              <a:ea typeface="Calibri"/>
+              <a:cs typeface="Calibri"/>
+            </a:endParaRPr>
+          </a:p>
+          <a:p>
+            <a:pPr marL="171450" indent="-171450">
+              <a:lnSpc>
+                <a:spcPct val="90000"/>
+              </a:lnSpc>
+              <a:spcBef>
+                <a:spcPts val="1000"/>
+              </a:spcBef>
+              <a:buFont typeface="Arial,Sans-Serif"/>
+              <a:buChar char="•"/>
+            </a:pPr>
+            <a:r>
+              <a:rPr lang="de-DE" dirty="0" err="1"/>
+              <a:t>How</a:t>
+            </a:r>
+            <a:r>
+              <a:rPr lang="de-DE" dirty="0"/>
+              <a:t> </a:t>
+            </a:r>
+            <a:r>
+              <a:rPr lang="de-DE" dirty="0" err="1"/>
+              <a:t>can</a:t>
+            </a:r>
+            <a:r>
+              <a:rPr lang="de-DE" dirty="0"/>
+              <a:t> </a:t>
+            </a:r>
+            <a:r>
+              <a:rPr lang="de-DE" dirty="0" err="1"/>
+              <a:t>privacy</a:t>
+            </a:r>
+            <a:r>
+              <a:rPr lang="de-DE" dirty="0"/>
+              <a:t> </a:t>
+            </a:r>
+            <a:r>
+              <a:rPr lang="de-DE" dirty="0" err="1"/>
+              <a:t>restrictions</a:t>
+            </a:r>
+            <a:r>
+              <a:rPr lang="de-DE" dirty="0"/>
+              <a:t> </a:t>
+            </a:r>
+            <a:r>
+              <a:rPr lang="de-DE" dirty="0" err="1"/>
+              <a:t>be</a:t>
+            </a:r>
+            <a:r>
+              <a:rPr lang="de-DE" dirty="0"/>
+              <a:t> </a:t>
+            </a:r>
+            <a:r>
+              <a:rPr lang="de-DE" dirty="0" err="1"/>
+              <a:t>effectively</a:t>
+            </a:r>
+            <a:r>
+              <a:rPr lang="de-DE" dirty="0"/>
+              <a:t> </a:t>
+            </a:r>
+            <a:r>
+              <a:rPr lang="de-DE" dirty="0" err="1"/>
+              <a:t>communicated</a:t>
+            </a:r>
+            <a:r>
+              <a:rPr lang="de-DE" dirty="0"/>
+              <a:t> in </a:t>
+            </a:r>
+            <a:r>
+              <a:rPr lang="de-DE" dirty="0" err="1"/>
+              <a:t>natural</a:t>
+            </a:r>
+            <a:r>
+              <a:rPr lang="de-DE" dirty="0"/>
+              <a:t> </a:t>
+            </a:r>
+            <a:r>
+              <a:rPr lang="de-DE" dirty="0" err="1"/>
+              <a:t>language</a:t>
+            </a:r>
+            <a:r>
+              <a:rPr lang="de-DE" dirty="0"/>
+              <a:t> </a:t>
+            </a:r>
+            <a:r>
+              <a:rPr lang="de-DE" dirty="0" err="1"/>
+              <a:t>responses</a:t>
+            </a:r>
+            <a:r>
+              <a:rPr lang="de-DE" dirty="0"/>
+              <a:t>?</a:t>
+            </a:r>
+            <a:endParaRPr lang="en-US" dirty="0"/>
+          </a:p>
+          <a:p>
+            <a:endParaRPr lang="en-US" dirty="0">
+              <a:ea typeface="Calibri"/>
+              <a:cs typeface="Calibri"/>
+            </a:endParaRPr>
+          </a:p>
+          <a:p>
+            <a:r>
+              <a:rPr lang="en-US" dirty="0" err="1">
+                <a:ea typeface="Calibri"/>
+                <a:cs typeface="Calibri"/>
+              </a:rPr>
+              <a:t>stichpunkte</a:t>
+            </a:r>
+            <a:endParaRPr lang="en-US">
+              <a:ea typeface="Calibri"/>
+              <a:cs typeface="Calibri"/>
+            </a:endParaRPr>
+          </a:p>
         </p:txBody>
       </p:sp>
       <p:sp>
@@ -1818,7 +2435,7 @@
           <a:lstStyle/>
           <a:p>
             <a:fld id="{0AAF587A-3E5D-432E-B5C6-8F5FC1F1A554}" type="slidenum">
-              <a:t>9</a:t>
+              <a:t>11</a:t>
             </a:fld>
             <a:endParaRPr lang="de-DE"/>
           </a:p>
@@ -1827,7 +2444,7 @@
     </p:spTree>
     <p:extLst>
       <p:ext uri="{BB962C8B-B14F-4D97-AF65-F5344CB8AC3E}">
-        <p14:creationId xmlns:p14="http://schemas.microsoft.com/office/powerpoint/2010/main" val="1577580099"/>
+        <p14:creationId xmlns:p14="http://schemas.microsoft.com/office/powerpoint/2010/main" val="2781916100"/>
       </p:ext>
     </p:extLst>
   </p:cSld>
@@ -1966,7 +2583,7 @@
           <a:p>
             <a:fld id="{D3EB3054-B75A-4BD7-8B3E-8DC0F614FAF3}" type="datetimeFigureOut">
               <a:rPr lang="de-DE" smtClean="0"/>
-              <a:t>27.11.2024</a:t>
+              <a:t>01.12.2024</a:t>
             </a:fld>
             <a:endParaRPr lang="de-DE"/>
           </a:p>
@@ -2135,7 +2752,7 @@
           <a:p>
             <a:fld id="{D3EB3054-B75A-4BD7-8B3E-8DC0F614FAF3}" type="datetimeFigureOut">
               <a:rPr lang="de-DE" smtClean="0"/>
-              <a:t>27.11.2024</a:t>
+              <a:t>01.12.2024</a:t>
             </a:fld>
             <a:endParaRPr lang="de-DE"/>
           </a:p>
@@ -2314,7 +2931,7 @@
           <a:p>
             <a:fld id="{D3EB3054-B75A-4BD7-8B3E-8DC0F614FAF3}" type="datetimeFigureOut">
               <a:rPr lang="de-DE" smtClean="0"/>
-              <a:t>27.11.2024</a:t>
+              <a:t>01.12.2024</a:t>
             </a:fld>
             <a:endParaRPr lang="de-DE"/>
           </a:p>
@@ -2483,7 +3100,7 @@
           <a:p>
             <a:fld id="{D3EB3054-B75A-4BD7-8B3E-8DC0F614FAF3}" type="datetimeFigureOut">
               <a:rPr lang="de-DE" smtClean="0"/>
-              <a:t>27.11.2024</a:t>
+              <a:t>01.12.2024</a:t>
             </a:fld>
             <a:endParaRPr lang="de-DE"/>
           </a:p>
@@ -2729,7 +3346,7 @@
           <a:p>
             <a:fld id="{D3EB3054-B75A-4BD7-8B3E-8DC0F614FAF3}" type="datetimeFigureOut">
               <a:rPr lang="de-DE" smtClean="0"/>
-              <a:t>27.11.2024</a:t>
+              <a:t>01.12.2024</a:t>
             </a:fld>
             <a:endParaRPr lang="de-DE"/>
           </a:p>
@@ -2959,7 +3576,7 @@
           <a:p>
             <a:fld id="{D3EB3054-B75A-4BD7-8B3E-8DC0F614FAF3}" type="datetimeFigureOut">
               <a:rPr lang="de-DE" smtClean="0"/>
-              <a:t>27.11.2024</a:t>
+              <a:t>01.12.2024</a:t>
             </a:fld>
             <a:endParaRPr lang="de-DE"/>
           </a:p>
@@ -3324,7 +3941,7 @@
           <a:p>
             <a:fld id="{D3EB3054-B75A-4BD7-8B3E-8DC0F614FAF3}" type="datetimeFigureOut">
               <a:rPr lang="de-DE" smtClean="0"/>
-              <a:t>27.11.2024</a:t>
+              <a:t>01.12.2024</a:t>
             </a:fld>
             <a:endParaRPr lang="de-DE"/>
           </a:p>
@@ -3442,7 +4059,7 @@
           <a:p>
             <a:fld id="{D3EB3054-B75A-4BD7-8B3E-8DC0F614FAF3}" type="datetimeFigureOut">
               <a:rPr lang="de-DE" smtClean="0"/>
-              <a:t>27.11.2024</a:t>
+              <a:t>01.12.2024</a:t>
             </a:fld>
             <a:endParaRPr lang="de-DE"/>
           </a:p>
@@ -3538,7 +4155,7 @@
           <a:p>
             <a:fld id="{D3EB3054-B75A-4BD7-8B3E-8DC0F614FAF3}" type="datetimeFigureOut">
               <a:rPr lang="de-DE" smtClean="0"/>
-              <a:t>27.11.2024</a:t>
+              <a:t>01.12.2024</a:t>
             </a:fld>
             <a:endParaRPr lang="de-DE"/>
           </a:p>
@@ -3814,7 +4431,7 @@
           <a:p>
             <a:fld id="{D3EB3054-B75A-4BD7-8B3E-8DC0F614FAF3}" type="datetimeFigureOut">
               <a:rPr lang="de-DE" smtClean="0"/>
-              <a:t>27.11.2024</a:t>
+              <a:t>01.12.2024</a:t>
             </a:fld>
             <a:endParaRPr lang="de-DE"/>
           </a:p>
@@ -4067,7 +4684,7 @@
           <a:p>
             <a:fld id="{D3EB3054-B75A-4BD7-8B3E-8DC0F614FAF3}" type="datetimeFigureOut">
               <a:rPr lang="de-DE" smtClean="0"/>
-              <a:t>27.11.2024</a:t>
+              <a:t>01.12.2024</a:t>
             </a:fld>
             <a:endParaRPr lang="de-DE"/>
           </a:p>
@@ -4279,7 +4896,7 @@
           <a:p>
             <a:fld id="{D3EB3054-B75A-4BD7-8B3E-8DC0F614FAF3}" type="datetimeFigureOut">
               <a:rPr lang="de-DE" smtClean="0"/>
-              <a:t>27.11.2024</a:t>
+              <a:t>01.12.2024</a:t>
             </a:fld>
             <a:endParaRPr lang="de-DE"/>
           </a:p>
@@ -4885,6 +5502,2494 @@
 <file path=ppt/slides/slide10.xml><?xml version="1.0" encoding="utf-8"?>
 <p:sld xmlns:a="http://schemas.openxmlformats.org/drawingml/2006/main" xmlns:r="http://schemas.openxmlformats.org/officeDocument/2006/relationships" xmlns:p="http://schemas.openxmlformats.org/presentationml/2006/main">
   <p:cSld>
+    <p:spTree>
+      <p:nvGrpSpPr>
+        <p:cNvPr id="1" name=""/>
+        <p:cNvGrpSpPr/>
+        <p:nvPr/>
+      </p:nvGrpSpPr>
+      <p:grpSpPr>
+        <a:xfrm>
+          <a:off x="0" y="0"/>
+          <a:ext cx="0" cy="0"/>
+          <a:chOff x="0" y="0"/>
+          <a:chExt cx="0" cy="0"/>
+        </a:xfrm>
+      </p:grpSpPr>
+      <p:sp>
+        <p:nvSpPr>
+          <p:cNvPr id="5" name="Titel 4">
+            <a:extLst>
+              <a:ext uri="{FF2B5EF4-FFF2-40B4-BE49-F238E27FC236}">
+                <a16:creationId xmlns:a16="http://schemas.microsoft.com/office/drawing/2014/main" id="{1AA3F45A-F1E5-BE19-CD3C-6D2D6D77A16E}"/>
+              </a:ext>
+            </a:extLst>
+          </p:cNvPr>
+          <p:cNvSpPr>
+            <a:spLocks noGrp="1"/>
+          </p:cNvSpPr>
+          <p:nvPr>
+            <p:ph type="title"/>
+          </p:nvPr>
+        </p:nvSpPr>
+        <p:spPr>
+          <a:xfrm>
+            <a:off x="838200" y="652672"/>
+            <a:ext cx="10069902" cy="1138657"/>
+          </a:xfrm>
+        </p:spPr>
+        <p:txBody>
+          <a:bodyPr>
+            <a:normAutofit fontScale="90000"/>
+          </a:bodyPr>
+          <a:lstStyle/>
+          <a:p>
+            <a:r>
+              <a:rPr lang="de-DE" b="1" dirty="0"/>
+              <a:t>Natural Language </a:t>
+            </a:r>
+            <a:r>
+              <a:rPr lang="de-DE" b="1" dirty="0" err="1"/>
+              <a:t>Meets</a:t>
+            </a:r>
+            <a:r>
+              <a:rPr lang="de-DE" b="1" dirty="0"/>
+              <a:t> Database: </a:t>
+            </a:r>
+            <a:br>
+              <a:rPr lang="de-DE" b="1" dirty="0"/>
+            </a:br>
+            <a:r>
+              <a:rPr lang="de-DE" sz="2800" dirty="0"/>
+              <a:t>System Transparency and User Understanding in NL-</a:t>
+            </a:r>
+            <a:r>
+              <a:rPr lang="de-DE" sz="2800" dirty="0" err="1"/>
+              <a:t>to</a:t>
+            </a:r>
+            <a:r>
+              <a:rPr lang="de-DE" sz="2800" dirty="0"/>
+              <a:t>-SQL Translation</a:t>
+            </a:r>
+          </a:p>
+          <a:p>
+            <a:endParaRPr lang="de-DE" b="1" dirty="0"/>
+          </a:p>
+          <a:p>
+            <a:endParaRPr lang="de-DE" dirty="0"/>
+          </a:p>
+        </p:txBody>
+      </p:sp>
+      <p:sp>
+        <p:nvSpPr>
+          <p:cNvPr id="3" name="Inhaltsplatzhalter 2">
+            <a:extLst>
+              <a:ext uri="{FF2B5EF4-FFF2-40B4-BE49-F238E27FC236}">
+                <a16:creationId xmlns:a16="http://schemas.microsoft.com/office/drawing/2014/main" id="{40C38B9F-DDAA-3671-515F-1B7FD78841B3}"/>
+              </a:ext>
+            </a:extLst>
+          </p:cNvPr>
+          <p:cNvSpPr>
+            <a:spLocks noGrp="1"/>
+          </p:cNvSpPr>
+          <p:nvPr>
+            <p:ph idx="1"/>
+          </p:nvPr>
+        </p:nvSpPr>
+        <p:spPr/>
+        <p:txBody>
+          <a:bodyPr vert="horz" lIns="91440" tIns="45720" rIns="91440" bIns="45720" rtlCol="0" anchor="t">
+            <a:normAutofit fontScale="92500" lnSpcReduction="10000"/>
+          </a:bodyPr>
+          <a:lstStyle/>
+          <a:p>
+            <a:pPr marL="0" indent="0">
+              <a:buNone/>
+            </a:pPr>
+            <a:r>
+              <a:rPr lang="de-DE" b="1" dirty="0">
+                <a:solidFill>
+                  <a:srgbClr val="030712"/>
+                </a:solidFill>
+              </a:rPr>
+              <a:t>Problem Statement</a:t>
+            </a:r>
+            <a:endParaRPr lang="de-DE" sz="1800" dirty="0"/>
+          </a:p>
+          <a:p>
+            <a:r>
+              <a:rPr lang="en-US" dirty="0">
+                <a:solidFill>
+                  <a:srgbClr val="000000"/>
+                </a:solidFill>
+                <a:latin typeface="Calibri"/>
+                <a:ea typeface="Calibri"/>
+                <a:cs typeface="Calibri"/>
+              </a:rPr>
+              <a:t>Create SQL-queries dynamically with machine learning to replace conventional template systems</a:t>
+            </a:r>
+          </a:p>
+          <a:p>
+            <a:r>
+              <a:rPr lang="de-DE" dirty="0">
+                <a:solidFill>
+                  <a:srgbClr val="030712"/>
+                </a:solidFill>
+                <a:ea typeface="+mn-lt"/>
+                <a:cs typeface="+mn-lt"/>
+              </a:rPr>
+              <a:t>Understanding </a:t>
+            </a:r>
+            <a:r>
+              <a:rPr lang="de-DE" dirty="0" err="1">
+                <a:solidFill>
+                  <a:srgbClr val="030712"/>
+                </a:solidFill>
+                <a:ea typeface="+mn-lt"/>
+                <a:cs typeface="+mn-lt"/>
+              </a:rPr>
+              <a:t>user</a:t>
+            </a:r>
+            <a:r>
+              <a:rPr lang="de-DE" dirty="0">
+                <a:solidFill>
+                  <a:srgbClr val="030712"/>
+                </a:solidFill>
+                <a:ea typeface="+mn-lt"/>
+                <a:cs typeface="+mn-lt"/>
+              </a:rPr>
+              <a:t> </a:t>
+            </a:r>
+            <a:r>
+              <a:rPr lang="de-DE" dirty="0" err="1">
+                <a:solidFill>
+                  <a:srgbClr val="030712"/>
+                </a:solidFill>
+                <a:ea typeface="+mn-lt"/>
+                <a:cs typeface="+mn-lt"/>
+              </a:rPr>
+              <a:t>requirements</a:t>
+            </a:r>
+            <a:r>
+              <a:rPr lang="de-DE" dirty="0">
+                <a:solidFill>
+                  <a:srgbClr val="030712"/>
+                </a:solidFill>
+                <a:ea typeface="+mn-lt"/>
+                <a:cs typeface="+mn-lt"/>
+              </a:rPr>
+              <a:t> and </a:t>
+            </a:r>
+            <a:r>
+              <a:rPr lang="de-DE" dirty="0" err="1">
+                <a:solidFill>
+                  <a:srgbClr val="030712"/>
+                </a:solidFill>
+                <a:ea typeface="+mn-lt"/>
+                <a:cs typeface="+mn-lt"/>
+              </a:rPr>
+              <a:t>feedback</a:t>
+            </a:r>
+            <a:endParaRPr lang="en-US" sz="2600" dirty="0">
+              <a:solidFill>
+                <a:srgbClr val="000000"/>
+              </a:solidFill>
+              <a:ea typeface="+mn-lt"/>
+              <a:cs typeface="+mn-lt"/>
+            </a:endParaRPr>
+          </a:p>
+          <a:p>
+            <a:r>
+              <a:rPr lang="de-DE" dirty="0" err="1">
+                <a:solidFill>
+                  <a:srgbClr val="030712"/>
+                </a:solidFill>
+                <a:ea typeface="+mn-lt"/>
+                <a:cs typeface="+mn-lt"/>
+              </a:rPr>
+              <a:t>Enhancing</a:t>
+            </a:r>
+            <a:r>
+              <a:rPr lang="de-DE" dirty="0">
+                <a:solidFill>
+                  <a:srgbClr val="030712"/>
+                </a:solidFill>
+                <a:ea typeface="+mn-lt"/>
+                <a:cs typeface="+mn-lt"/>
+              </a:rPr>
+              <a:t> AI </a:t>
+            </a:r>
+            <a:r>
+              <a:rPr lang="de-DE" dirty="0" err="1">
+                <a:solidFill>
+                  <a:srgbClr val="030712"/>
+                </a:solidFill>
+                <a:ea typeface="+mn-lt"/>
+                <a:cs typeface="+mn-lt"/>
+              </a:rPr>
+              <a:t>system</a:t>
+            </a:r>
+            <a:r>
+              <a:rPr lang="de-DE" dirty="0">
+                <a:solidFill>
+                  <a:srgbClr val="030712"/>
+                </a:solidFill>
+                <a:ea typeface="+mn-lt"/>
+                <a:cs typeface="+mn-lt"/>
+              </a:rPr>
+              <a:t> </a:t>
+            </a:r>
+            <a:r>
+              <a:rPr lang="de-DE" dirty="0" err="1">
+                <a:solidFill>
+                  <a:srgbClr val="030712"/>
+                </a:solidFill>
+                <a:ea typeface="+mn-lt"/>
+                <a:cs typeface="+mn-lt"/>
+              </a:rPr>
+              <a:t>effectiveness</a:t>
+            </a:r>
+            <a:endParaRPr lang="de-DE" dirty="0" err="1">
+              <a:solidFill>
+                <a:srgbClr val="030712"/>
+              </a:solidFill>
+            </a:endParaRPr>
+          </a:p>
+          <a:p>
+            <a:r>
+              <a:rPr lang="de-DE" dirty="0" err="1">
+                <a:solidFill>
+                  <a:srgbClr val="030712"/>
+                </a:solidFill>
+                <a:ea typeface="+mn-lt"/>
+                <a:cs typeface="+mn-lt"/>
+              </a:rPr>
+              <a:t>Improving</a:t>
+            </a:r>
+            <a:r>
+              <a:rPr lang="de-DE" dirty="0">
+                <a:solidFill>
+                  <a:srgbClr val="030712"/>
+                </a:solidFill>
+                <a:ea typeface="+mn-lt"/>
+                <a:cs typeface="+mn-lt"/>
+              </a:rPr>
+              <a:t> </a:t>
+            </a:r>
+            <a:r>
+              <a:rPr lang="de-DE" dirty="0" err="1">
+                <a:solidFill>
+                  <a:srgbClr val="030712"/>
+                </a:solidFill>
+                <a:ea typeface="+mn-lt"/>
+                <a:cs typeface="+mn-lt"/>
+              </a:rPr>
+              <a:t>overall</a:t>
+            </a:r>
+            <a:r>
+              <a:rPr lang="de-DE" dirty="0">
+                <a:solidFill>
+                  <a:srgbClr val="030712"/>
+                </a:solidFill>
+                <a:ea typeface="+mn-lt"/>
+                <a:cs typeface="+mn-lt"/>
+              </a:rPr>
+              <a:t> </a:t>
+            </a:r>
+            <a:r>
+              <a:rPr lang="de-DE" dirty="0" err="1">
+                <a:solidFill>
+                  <a:srgbClr val="030712"/>
+                </a:solidFill>
+                <a:ea typeface="+mn-lt"/>
+                <a:cs typeface="+mn-lt"/>
+              </a:rPr>
+              <a:t>user</a:t>
+            </a:r>
+            <a:r>
+              <a:rPr lang="de-DE" dirty="0">
+                <a:solidFill>
+                  <a:srgbClr val="030712"/>
+                </a:solidFill>
+                <a:ea typeface="+mn-lt"/>
+                <a:cs typeface="+mn-lt"/>
+              </a:rPr>
+              <a:t> </a:t>
+            </a:r>
+            <a:r>
+              <a:rPr lang="de-DE" dirty="0" err="1">
+                <a:solidFill>
+                  <a:srgbClr val="030712"/>
+                </a:solidFill>
+                <a:ea typeface="+mn-lt"/>
+                <a:cs typeface="+mn-lt"/>
+              </a:rPr>
+              <a:t>experience</a:t>
+            </a:r>
+            <a:endParaRPr lang="de-DE" dirty="0">
+              <a:solidFill>
+                <a:srgbClr val="030712"/>
+              </a:solidFill>
+              <a:ea typeface="+mn-lt"/>
+              <a:cs typeface="+mn-lt"/>
+            </a:endParaRPr>
+          </a:p>
+          <a:p>
+            <a:pPr marL="0" indent="0">
+              <a:buNone/>
+            </a:pPr>
+            <a:endParaRPr lang="de-DE" b="1" dirty="0">
+              <a:solidFill>
+                <a:srgbClr val="030712"/>
+              </a:solidFill>
+            </a:endParaRPr>
+          </a:p>
+          <a:p>
+            <a:pPr marL="0" indent="0">
+              <a:buNone/>
+            </a:pPr>
+            <a:r>
+              <a:rPr lang="de-DE" b="1" dirty="0" err="1">
+                <a:solidFill>
+                  <a:srgbClr val="030712"/>
+                </a:solidFill>
+              </a:rPr>
+              <a:t>Related</a:t>
+            </a:r>
+            <a:r>
+              <a:rPr lang="de-DE" b="1" dirty="0">
+                <a:solidFill>
+                  <a:srgbClr val="030712"/>
+                </a:solidFill>
+              </a:rPr>
+              <a:t> Work</a:t>
+            </a:r>
+            <a:endParaRPr lang="de-DE" dirty="0">
+              <a:solidFill>
+                <a:srgbClr val="030712"/>
+              </a:solidFill>
+            </a:endParaRPr>
+          </a:p>
+          <a:p>
+            <a:r>
+              <a:rPr lang="en-US" dirty="0">
+                <a:solidFill>
+                  <a:srgbClr val="030712"/>
+                </a:solidFill>
+                <a:ea typeface="+mn-lt"/>
+                <a:cs typeface="+mn-lt"/>
+              </a:rPr>
+              <a:t>Top performing Text-To-SQL: Alibaba Group</a:t>
+            </a:r>
+            <a:br>
+              <a:rPr lang="en-US" dirty="0"/>
+            </a:br>
+            <a:endParaRPr lang="en-US" dirty="0"/>
+          </a:p>
+          <a:p>
+            <a:endParaRPr lang="de-DE" dirty="0">
+              <a:solidFill>
+                <a:srgbClr val="030712"/>
+              </a:solidFill>
+            </a:endParaRPr>
+          </a:p>
+          <a:p>
+            <a:endParaRPr lang="de-DE" sz="1800" dirty="0"/>
+          </a:p>
+          <a:p>
+            <a:endParaRPr lang="de-DE" dirty="0"/>
+          </a:p>
+          <a:p>
+            <a:pPr lvl="1">
+              <a:buFont typeface="Courier New" panose="020B0604020202020204" pitchFamily="34" charset="0"/>
+              <a:buChar char="o"/>
+            </a:pPr>
+            <a:endParaRPr lang="de-DE" dirty="0"/>
+          </a:p>
+          <a:p>
+            <a:pPr lvl="1">
+              <a:buFont typeface="Courier New" panose="020B0604020202020204" pitchFamily="34" charset="0"/>
+              <a:buChar char="o"/>
+            </a:pPr>
+            <a:endParaRPr lang="de-DE" dirty="0"/>
+          </a:p>
+          <a:p>
+            <a:endParaRPr lang="de-DE" dirty="0"/>
+          </a:p>
+        </p:txBody>
+      </p:sp>
+      <p:sp>
+        <p:nvSpPr>
+          <p:cNvPr id="4" name="Foliennummernplatzhalter 3">
+            <a:extLst>
+              <a:ext uri="{FF2B5EF4-FFF2-40B4-BE49-F238E27FC236}">
+                <a16:creationId xmlns:a16="http://schemas.microsoft.com/office/drawing/2014/main" id="{AA689D57-27FB-29A6-EFA7-7F67A30F1D40}"/>
+              </a:ext>
+            </a:extLst>
+          </p:cNvPr>
+          <p:cNvSpPr>
+            <a:spLocks noGrp="1"/>
+          </p:cNvSpPr>
+          <p:nvPr>
+            <p:ph type="sldNum" sz="quarter" idx="12"/>
+          </p:nvPr>
+        </p:nvSpPr>
+        <p:spPr/>
+        <p:txBody>
+          <a:bodyPr/>
+          <a:lstStyle/>
+          <a:p>
+            <a:fld id="{802006FE-6571-4354-8775-F8708372C227}" type="slidenum">
+              <a:rPr lang="de-DE" smtClean="0"/>
+              <a:t>10</a:t>
+            </a:fld>
+            <a:endParaRPr lang="de-DE"/>
+          </a:p>
+        </p:txBody>
+      </p:sp>
+      <p:pic>
+        <p:nvPicPr>
+          <p:cNvPr id="6" name="Grafik 5" descr="Ein Bild, das Text, Schrift, Grün, Screenshot enthält.&#10;&#10;Beschreibung automatisch generiert.">
+            <a:extLst>
+              <a:ext uri="{FF2B5EF4-FFF2-40B4-BE49-F238E27FC236}">
+                <a16:creationId xmlns:a16="http://schemas.microsoft.com/office/drawing/2014/main" id="{63B56F03-404F-82C6-2606-0638212F2D8F}"/>
+              </a:ext>
+            </a:extLst>
+          </p:cNvPr>
+          <p:cNvPicPr>
+            <a:picLocks noChangeAspect="1"/>
+          </p:cNvPicPr>
+          <p:nvPr/>
+        </p:nvPicPr>
+        <p:blipFill>
+          <a:blip r:embed="rId3"/>
+          <a:stretch>
+            <a:fillRect/>
+          </a:stretch>
+        </p:blipFill>
+        <p:spPr>
+          <a:xfrm>
+            <a:off x="-1" y="6264418"/>
+            <a:ext cx="2124365" cy="598346"/>
+          </a:xfrm>
+          <a:prstGeom prst="rect">
+            <a:avLst/>
+          </a:prstGeom>
+        </p:spPr>
+      </p:pic>
+      <p:sp>
+        <p:nvSpPr>
+          <p:cNvPr id="10" name="Textfeld 9">
+            <a:extLst>
+              <a:ext uri="{FF2B5EF4-FFF2-40B4-BE49-F238E27FC236}">
+                <a16:creationId xmlns:a16="http://schemas.microsoft.com/office/drawing/2014/main" id="{977B7BDA-3A76-9136-10CE-438CCA90C086}"/>
+              </a:ext>
+            </a:extLst>
+          </p:cNvPr>
+          <p:cNvSpPr txBox="1"/>
+          <p:nvPr/>
+        </p:nvSpPr>
+        <p:spPr>
+          <a:xfrm>
+            <a:off x="7743645" y="6492815"/>
+            <a:ext cx="3462068" cy="276999"/>
+          </a:xfrm>
+          <a:prstGeom prst="rect">
+            <a:avLst/>
+          </a:prstGeom>
+          <a:noFill/>
+        </p:spPr>
+        <p:txBody>
+          <a:bodyPr rot="0" spcFirstLastPara="0" vertOverflow="overflow" horzOverflow="overflow" vert="horz" wrap="square" lIns="91440" tIns="45720" rIns="91440" bIns="45720" numCol="1" spcCol="0" rtlCol="0" fromWordArt="0" anchor="t" anchorCtr="0" forceAA="0" compatLnSpc="1">
+            <a:prstTxWarp prst="textNoShape">
+              <a:avLst/>
+            </a:prstTxWarp>
+            <a:spAutoFit/>
+          </a:bodyPr>
+          <a:lstStyle/>
+          <a:p>
+            <a:r>
+              <a:rPr lang="en-US" sz="1200" dirty="0"/>
+              <a:t>https://arxiv.org/pdf/2308.15363</a:t>
+            </a:r>
+          </a:p>
+        </p:txBody>
+      </p:sp>
+    </p:spTree>
+    <p:extLst>
+      <p:ext uri="{BB962C8B-B14F-4D97-AF65-F5344CB8AC3E}">
+        <p14:creationId xmlns:p14="http://schemas.microsoft.com/office/powerpoint/2010/main" val="4194352741"/>
+      </p:ext>
+    </p:extLst>
+  </p:cSld>
+  <p:clrMapOvr>
+    <a:masterClrMapping/>
+  </p:clrMapOvr>
+</p:sld>
+</file>
+
+<file path=ppt/slides/slide11.xml><?xml version="1.0" encoding="utf-8"?>
+<p:sld xmlns:a="http://schemas.openxmlformats.org/drawingml/2006/main" xmlns:r="http://schemas.openxmlformats.org/officeDocument/2006/relationships" xmlns:p="http://schemas.openxmlformats.org/presentationml/2006/main">
+  <p:cSld>
+    <p:spTree>
+      <p:nvGrpSpPr>
+        <p:cNvPr id="1" name=""/>
+        <p:cNvGrpSpPr/>
+        <p:nvPr/>
+      </p:nvGrpSpPr>
+      <p:grpSpPr>
+        <a:xfrm>
+          <a:off x="0" y="0"/>
+          <a:ext cx="0" cy="0"/>
+          <a:chOff x="0" y="0"/>
+          <a:chExt cx="0" cy="0"/>
+        </a:xfrm>
+      </p:grpSpPr>
+      <p:sp>
+        <p:nvSpPr>
+          <p:cNvPr id="5" name="Titel 4">
+            <a:extLst>
+              <a:ext uri="{FF2B5EF4-FFF2-40B4-BE49-F238E27FC236}">
+                <a16:creationId xmlns:a16="http://schemas.microsoft.com/office/drawing/2014/main" id="{1AA3F45A-F1E5-BE19-CD3C-6D2D6D77A16E}"/>
+              </a:ext>
+            </a:extLst>
+          </p:cNvPr>
+          <p:cNvSpPr>
+            <a:spLocks noGrp="1"/>
+          </p:cNvSpPr>
+          <p:nvPr>
+            <p:ph type="title"/>
+          </p:nvPr>
+        </p:nvSpPr>
+        <p:spPr>
+          <a:xfrm>
+            <a:off x="838200" y="652672"/>
+            <a:ext cx="10069902" cy="1138657"/>
+          </a:xfrm>
+        </p:spPr>
+        <p:txBody>
+          <a:bodyPr>
+            <a:normAutofit fontScale="90000"/>
+          </a:bodyPr>
+          <a:lstStyle/>
+          <a:p>
+            <a:r>
+              <a:rPr lang="de-DE" b="1" dirty="0"/>
+              <a:t>Natural Language </a:t>
+            </a:r>
+            <a:r>
+              <a:rPr lang="de-DE" b="1" dirty="0" err="1"/>
+              <a:t>Meets</a:t>
+            </a:r>
+            <a:r>
+              <a:rPr lang="de-DE" b="1" dirty="0"/>
+              <a:t> Database: </a:t>
+            </a:r>
+            <a:br>
+              <a:rPr lang="de-DE" b="1" dirty="0"/>
+            </a:br>
+            <a:r>
+              <a:rPr lang="de-DE" sz="2800" dirty="0"/>
+              <a:t>System Transparency and User Understanding in NL-</a:t>
+            </a:r>
+            <a:r>
+              <a:rPr lang="de-DE" sz="2800" dirty="0" err="1"/>
+              <a:t>to</a:t>
+            </a:r>
+            <a:r>
+              <a:rPr lang="de-DE" sz="2800" dirty="0"/>
+              <a:t>-SQL Translation</a:t>
+            </a:r>
+          </a:p>
+          <a:p>
+            <a:endParaRPr lang="de-DE" b="1" dirty="0"/>
+          </a:p>
+          <a:p>
+            <a:endParaRPr lang="de-DE" dirty="0"/>
+          </a:p>
+        </p:txBody>
+      </p:sp>
+      <p:sp>
+        <p:nvSpPr>
+          <p:cNvPr id="3" name="Inhaltsplatzhalter 2">
+            <a:extLst>
+              <a:ext uri="{FF2B5EF4-FFF2-40B4-BE49-F238E27FC236}">
+                <a16:creationId xmlns:a16="http://schemas.microsoft.com/office/drawing/2014/main" id="{40C38B9F-DDAA-3671-515F-1B7FD78841B3}"/>
+              </a:ext>
+            </a:extLst>
+          </p:cNvPr>
+          <p:cNvSpPr>
+            <a:spLocks noGrp="1"/>
+          </p:cNvSpPr>
+          <p:nvPr>
+            <p:ph idx="1"/>
+          </p:nvPr>
+        </p:nvSpPr>
+        <p:spPr>
+          <a:xfrm>
+            <a:off x="838200" y="1379927"/>
+            <a:ext cx="10515600" cy="4854545"/>
+          </a:xfrm>
+        </p:spPr>
+        <p:txBody>
+          <a:bodyPr vert="horz" lIns="91440" tIns="45720" rIns="91440" bIns="45720" rtlCol="0" anchor="t">
+            <a:normAutofit/>
+          </a:bodyPr>
+          <a:lstStyle/>
+          <a:p>
+            <a:pPr>
+              <a:buNone/>
+            </a:pPr>
+            <a:r>
+              <a:rPr lang="de-DE" b="1" dirty="0"/>
+              <a:t>Research Questions</a:t>
+            </a:r>
+            <a:endParaRPr lang="de-DE" dirty="0"/>
+          </a:p>
+          <a:p>
+            <a:pPr>
+              <a:buFont typeface="Arial"/>
+              <a:buChar char="•"/>
+            </a:pPr>
+            <a:r>
+              <a:rPr lang="de-DE" dirty="0" err="1">
+                <a:solidFill>
+                  <a:srgbClr val="030712"/>
+                </a:solidFill>
+                <a:ea typeface="+mn-lt"/>
+                <a:cs typeface="+mn-lt"/>
+              </a:rPr>
+              <a:t>Characteristics</a:t>
+            </a:r>
+            <a:r>
+              <a:rPr lang="de-DE" dirty="0">
+                <a:solidFill>
+                  <a:srgbClr val="030712"/>
+                </a:solidFill>
+                <a:ea typeface="+mn-lt"/>
+                <a:cs typeface="+mn-lt"/>
+              </a:rPr>
+              <a:t> </a:t>
+            </a:r>
+            <a:r>
+              <a:rPr lang="de-DE" dirty="0" err="1">
+                <a:solidFill>
+                  <a:srgbClr val="030712"/>
+                </a:solidFill>
+                <a:ea typeface="+mn-lt"/>
+                <a:cs typeface="+mn-lt"/>
+              </a:rPr>
+              <a:t>of</a:t>
+            </a:r>
+            <a:r>
+              <a:rPr lang="de-DE" dirty="0">
+                <a:solidFill>
+                  <a:srgbClr val="030712"/>
+                </a:solidFill>
+                <a:ea typeface="+mn-lt"/>
+                <a:cs typeface="+mn-lt"/>
+              </a:rPr>
+              <a:t> </a:t>
+            </a:r>
+            <a:r>
+              <a:rPr lang="de-DE" dirty="0" err="1">
+                <a:solidFill>
+                  <a:srgbClr val="030712"/>
+                </a:solidFill>
+                <a:ea typeface="+mn-lt"/>
+                <a:cs typeface="+mn-lt"/>
+              </a:rPr>
+              <a:t>typical</a:t>
+            </a:r>
+            <a:r>
+              <a:rPr lang="de-DE" dirty="0">
+                <a:solidFill>
+                  <a:srgbClr val="030712"/>
+                </a:solidFill>
+                <a:ea typeface="+mn-lt"/>
+                <a:cs typeface="+mn-lt"/>
+              </a:rPr>
+              <a:t> </a:t>
+            </a:r>
+            <a:r>
+              <a:rPr lang="de-DE" dirty="0" err="1">
+                <a:solidFill>
+                  <a:srgbClr val="030712"/>
+                </a:solidFill>
+                <a:ea typeface="+mn-lt"/>
+                <a:cs typeface="+mn-lt"/>
+              </a:rPr>
+              <a:t>user</a:t>
+            </a:r>
+            <a:r>
+              <a:rPr lang="de-DE" dirty="0">
+                <a:solidFill>
+                  <a:srgbClr val="030712"/>
+                </a:solidFill>
+                <a:ea typeface="+mn-lt"/>
+                <a:cs typeface="+mn-lt"/>
+              </a:rPr>
+              <a:t> </a:t>
+            </a:r>
+            <a:r>
+              <a:rPr lang="de-DE" dirty="0" err="1">
+                <a:solidFill>
+                  <a:srgbClr val="030712"/>
+                </a:solidFill>
+                <a:ea typeface="+mn-lt"/>
+                <a:cs typeface="+mn-lt"/>
+              </a:rPr>
+              <a:t>natural</a:t>
+            </a:r>
+            <a:r>
+              <a:rPr lang="de-DE" dirty="0">
+                <a:solidFill>
+                  <a:srgbClr val="030712"/>
+                </a:solidFill>
+                <a:ea typeface="+mn-lt"/>
+                <a:cs typeface="+mn-lt"/>
+              </a:rPr>
+              <a:t> </a:t>
+            </a:r>
+            <a:r>
+              <a:rPr lang="de-DE" dirty="0" err="1">
+                <a:solidFill>
+                  <a:srgbClr val="030712"/>
+                </a:solidFill>
+                <a:ea typeface="+mn-lt"/>
+                <a:cs typeface="+mn-lt"/>
+              </a:rPr>
+              <a:t>language</a:t>
+            </a:r>
+            <a:r>
+              <a:rPr lang="de-DE" dirty="0">
+                <a:solidFill>
+                  <a:srgbClr val="030712"/>
+                </a:solidFill>
+                <a:ea typeface="+mn-lt"/>
+                <a:cs typeface="+mn-lt"/>
+              </a:rPr>
+              <a:t> </a:t>
+            </a:r>
+            <a:r>
+              <a:rPr lang="de-DE" dirty="0" err="1">
+                <a:solidFill>
+                  <a:srgbClr val="030712"/>
+                </a:solidFill>
+                <a:ea typeface="+mn-lt"/>
+                <a:cs typeface="+mn-lt"/>
+              </a:rPr>
+              <a:t>queries</a:t>
+            </a:r>
+            <a:r>
+              <a:rPr lang="de-DE" dirty="0">
+                <a:solidFill>
+                  <a:srgbClr val="030712"/>
+                </a:solidFill>
+                <a:ea typeface="+mn-lt"/>
+                <a:cs typeface="+mn-lt"/>
+              </a:rPr>
+              <a:t> </a:t>
+            </a:r>
+            <a:r>
+              <a:rPr lang="de-DE" dirty="0" err="1">
+                <a:solidFill>
+                  <a:srgbClr val="030712"/>
+                </a:solidFill>
+                <a:ea typeface="+mn-lt"/>
+                <a:cs typeface="+mn-lt"/>
+              </a:rPr>
+              <a:t>to</a:t>
+            </a:r>
+            <a:r>
+              <a:rPr lang="de-DE" dirty="0">
+                <a:solidFill>
+                  <a:srgbClr val="030712"/>
+                </a:solidFill>
+                <a:ea typeface="+mn-lt"/>
+                <a:cs typeface="+mn-lt"/>
+              </a:rPr>
+              <a:t> SQL</a:t>
+            </a:r>
+            <a:endParaRPr lang="de-DE" dirty="0"/>
+          </a:p>
+          <a:p>
+            <a:pPr>
+              <a:buFont typeface="Arial"/>
+              <a:buChar char="•"/>
+            </a:pPr>
+            <a:r>
+              <a:rPr lang="de-DE" dirty="0">
+                <a:solidFill>
+                  <a:srgbClr val="030712"/>
+                </a:solidFill>
+                <a:ea typeface="+mn-lt"/>
+                <a:cs typeface="+mn-lt"/>
+              </a:rPr>
+              <a:t>Common </a:t>
+            </a:r>
+            <a:r>
+              <a:rPr lang="de-DE" dirty="0" err="1">
+                <a:solidFill>
+                  <a:srgbClr val="030712"/>
+                </a:solidFill>
+                <a:ea typeface="+mn-lt"/>
+                <a:cs typeface="+mn-lt"/>
+              </a:rPr>
+              <a:t>mismatches</a:t>
+            </a:r>
+            <a:r>
+              <a:rPr lang="de-DE" dirty="0">
+                <a:solidFill>
+                  <a:srgbClr val="030712"/>
+                </a:solidFill>
+                <a:ea typeface="+mn-lt"/>
+                <a:cs typeface="+mn-lt"/>
+              </a:rPr>
+              <a:t> </a:t>
+            </a:r>
+            <a:r>
+              <a:rPr lang="de-DE" dirty="0" err="1">
+                <a:solidFill>
+                  <a:srgbClr val="030712"/>
+                </a:solidFill>
+                <a:ea typeface="+mn-lt"/>
+                <a:cs typeface="+mn-lt"/>
+              </a:rPr>
+              <a:t>between</a:t>
+            </a:r>
+            <a:r>
+              <a:rPr lang="de-DE" dirty="0">
+                <a:solidFill>
+                  <a:srgbClr val="030712"/>
+                </a:solidFill>
+                <a:ea typeface="+mn-lt"/>
+                <a:cs typeface="+mn-lt"/>
+              </a:rPr>
+              <a:t> </a:t>
+            </a:r>
+            <a:r>
+              <a:rPr lang="de-DE" dirty="0" err="1">
+                <a:solidFill>
+                  <a:srgbClr val="030712"/>
+                </a:solidFill>
+                <a:ea typeface="+mn-lt"/>
+                <a:cs typeface="+mn-lt"/>
+              </a:rPr>
+              <a:t>user</a:t>
+            </a:r>
+            <a:r>
+              <a:rPr lang="de-DE" dirty="0">
+                <a:solidFill>
+                  <a:srgbClr val="030712"/>
+                </a:solidFill>
+                <a:ea typeface="+mn-lt"/>
+                <a:cs typeface="+mn-lt"/>
+              </a:rPr>
+              <a:t> </a:t>
+            </a:r>
+            <a:r>
+              <a:rPr lang="de-DE" dirty="0" err="1">
+                <a:solidFill>
+                  <a:srgbClr val="030712"/>
+                </a:solidFill>
+                <a:ea typeface="+mn-lt"/>
+                <a:cs typeface="+mn-lt"/>
+              </a:rPr>
+              <a:t>intent</a:t>
+            </a:r>
+            <a:r>
+              <a:rPr lang="de-DE" dirty="0">
+                <a:solidFill>
+                  <a:srgbClr val="030712"/>
+                </a:solidFill>
+                <a:ea typeface="+mn-lt"/>
+                <a:cs typeface="+mn-lt"/>
+              </a:rPr>
+              <a:t> and SQL </a:t>
+            </a:r>
+            <a:r>
+              <a:rPr lang="de-DE" dirty="0" err="1">
+                <a:solidFill>
+                  <a:srgbClr val="030712"/>
+                </a:solidFill>
+                <a:ea typeface="+mn-lt"/>
+                <a:cs typeface="+mn-lt"/>
+              </a:rPr>
+              <a:t>queries</a:t>
+            </a:r>
+            <a:endParaRPr lang="de-DE" dirty="0" err="1">
+              <a:solidFill>
+                <a:srgbClr val="030712"/>
+              </a:solidFill>
+            </a:endParaRPr>
+          </a:p>
+          <a:p>
+            <a:pPr>
+              <a:buFont typeface="Arial"/>
+              <a:buChar char="•"/>
+            </a:pPr>
+            <a:r>
+              <a:rPr lang="de-DE" dirty="0" err="1">
+                <a:solidFill>
+                  <a:srgbClr val="030712"/>
+                </a:solidFill>
+              </a:rPr>
+              <a:t>Adapt</a:t>
+            </a:r>
+            <a:r>
+              <a:rPr lang="de-DE" dirty="0">
+                <a:solidFill>
+                  <a:srgbClr val="030712"/>
+                </a:solidFill>
+              </a:rPr>
+              <a:t> SQL </a:t>
+            </a:r>
+            <a:r>
+              <a:rPr lang="de-DE" dirty="0" err="1">
+                <a:solidFill>
+                  <a:srgbClr val="030712"/>
+                </a:solidFill>
+              </a:rPr>
+              <a:t>queries</a:t>
+            </a:r>
+            <a:r>
+              <a:rPr lang="de-DE" dirty="0">
+                <a:solidFill>
+                  <a:srgbClr val="030712"/>
+                </a:solidFill>
+              </a:rPr>
+              <a:t> </a:t>
+            </a:r>
+            <a:r>
+              <a:rPr lang="de-DE" dirty="0" err="1">
+                <a:solidFill>
+                  <a:srgbClr val="030712"/>
+                </a:solidFill>
+              </a:rPr>
+              <a:t>to</a:t>
+            </a:r>
+            <a:r>
+              <a:rPr lang="de-DE" dirty="0">
+                <a:solidFill>
+                  <a:srgbClr val="030712"/>
+                </a:solidFill>
+              </a:rPr>
+              <a:t> </a:t>
+            </a:r>
+            <a:r>
+              <a:rPr lang="de-DE" dirty="0" err="1">
+                <a:solidFill>
+                  <a:srgbClr val="030712"/>
+                </a:solidFill>
+              </a:rPr>
+              <a:t>user</a:t>
+            </a:r>
+            <a:r>
+              <a:rPr lang="de-DE" dirty="0">
+                <a:solidFill>
+                  <a:srgbClr val="030712"/>
+                </a:solidFill>
+              </a:rPr>
+              <a:t> </a:t>
+            </a:r>
+            <a:r>
+              <a:rPr lang="de-DE" dirty="0" err="1">
+                <a:solidFill>
+                  <a:srgbClr val="030712"/>
+                </a:solidFill>
+              </a:rPr>
+              <a:t>intent</a:t>
+            </a:r>
+            <a:endParaRPr lang="de-DE" dirty="0">
+              <a:solidFill>
+                <a:srgbClr val="030712"/>
+              </a:solidFill>
+            </a:endParaRPr>
+          </a:p>
+          <a:p>
+            <a:pPr>
+              <a:buFont typeface="Arial"/>
+              <a:buChar char="•"/>
+            </a:pPr>
+            <a:r>
+              <a:rPr lang="de-DE" dirty="0" err="1">
+                <a:solidFill>
+                  <a:srgbClr val="030712"/>
+                </a:solidFill>
+                <a:ea typeface="+mn-lt"/>
+                <a:cs typeface="+mn-lt"/>
+              </a:rPr>
+              <a:t>Communicate</a:t>
+            </a:r>
+            <a:r>
+              <a:rPr lang="de-DE" dirty="0">
+                <a:solidFill>
+                  <a:srgbClr val="030712"/>
+                </a:solidFill>
+                <a:ea typeface="+mn-lt"/>
+                <a:cs typeface="+mn-lt"/>
+              </a:rPr>
+              <a:t> </a:t>
+            </a:r>
+            <a:r>
+              <a:rPr lang="de-DE" dirty="0" err="1">
+                <a:solidFill>
+                  <a:srgbClr val="030712"/>
+                </a:solidFill>
+                <a:ea typeface="+mn-lt"/>
+                <a:cs typeface="+mn-lt"/>
+              </a:rPr>
+              <a:t>system</a:t>
+            </a:r>
+            <a:r>
+              <a:rPr lang="de-DE" dirty="0">
+                <a:solidFill>
+                  <a:srgbClr val="030712"/>
+                </a:solidFill>
+                <a:ea typeface="+mn-lt"/>
+                <a:cs typeface="+mn-lt"/>
+              </a:rPr>
+              <a:t> </a:t>
+            </a:r>
+            <a:r>
+              <a:rPr lang="de-DE" dirty="0" err="1">
+                <a:solidFill>
+                  <a:srgbClr val="030712"/>
+                </a:solidFill>
+                <a:ea typeface="+mn-lt"/>
+                <a:cs typeface="+mn-lt"/>
+              </a:rPr>
+              <a:t>limitations</a:t>
+            </a:r>
+            <a:r>
+              <a:rPr lang="de-DE" dirty="0">
+                <a:solidFill>
+                  <a:srgbClr val="030712"/>
+                </a:solidFill>
+                <a:ea typeface="+mn-lt"/>
+                <a:cs typeface="+mn-lt"/>
+              </a:rPr>
+              <a:t> </a:t>
+            </a:r>
+            <a:r>
+              <a:rPr lang="de-DE" dirty="0" err="1">
+                <a:solidFill>
+                  <a:srgbClr val="030712"/>
+                </a:solidFill>
+                <a:ea typeface="+mn-lt"/>
+                <a:cs typeface="+mn-lt"/>
+              </a:rPr>
+              <a:t>to</a:t>
+            </a:r>
+            <a:r>
+              <a:rPr lang="de-DE" dirty="0">
+                <a:solidFill>
+                  <a:srgbClr val="030712"/>
+                </a:solidFill>
+                <a:ea typeface="+mn-lt"/>
+                <a:cs typeface="+mn-lt"/>
+              </a:rPr>
+              <a:t> </a:t>
+            </a:r>
+            <a:r>
+              <a:rPr lang="de-DE" dirty="0" err="1">
+                <a:solidFill>
+                  <a:srgbClr val="030712"/>
+                </a:solidFill>
+                <a:ea typeface="+mn-lt"/>
+                <a:cs typeface="+mn-lt"/>
+              </a:rPr>
+              <a:t>users</a:t>
+            </a:r>
+            <a:endParaRPr lang="de-DE" dirty="0" err="1">
+              <a:solidFill>
+                <a:srgbClr val="030712"/>
+              </a:solidFill>
+            </a:endParaRPr>
+          </a:p>
+          <a:p>
+            <a:pPr>
+              <a:buFont typeface="Arial"/>
+              <a:buChar char="•"/>
+            </a:pPr>
+            <a:r>
+              <a:rPr lang="de-DE" dirty="0" err="1">
+                <a:solidFill>
+                  <a:srgbClr val="030712"/>
+                </a:solidFill>
+                <a:ea typeface="+mn-lt"/>
+                <a:cs typeface="+mn-lt"/>
+              </a:rPr>
+              <a:t>Provide</a:t>
+            </a:r>
+            <a:r>
+              <a:rPr lang="de-DE" dirty="0">
+                <a:solidFill>
+                  <a:srgbClr val="030712"/>
+                </a:solidFill>
+                <a:ea typeface="+mn-lt"/>
+                <a:cs typeface="+mn-lt"/>
+              </a:rPr>
+              <a:t> </a:t>
+            </a:r>
+            <a:r>
+              <a:rPr lang="de-DE" dirty="0" err="1">
+                <a:solidFill>
+                  <a:srgbClr val="030712"/>
+                </a:solidFill>
+                <a:ea typeface="+mn-lt"/>
+                <a:cs typeface="+mn-lt"/>
+              </a:rPr>
+              <a:t>understandable</a:t>
+            </a:r>
+            <a:r>
+              <a:rPr lang="de-DE" dirty="0">
+                <a:solidFill>
+                  <a:srgbClr val="030712"/>
+                </a:solidFill>
+                <a:ea typeface="+mn-lt"/>
+                <a:cs typeface="+mn-lt"/>
+              </a:rPr>
+              <a:t> </a:t>
+            </a:r>
+            <a:r>
+              <a:rPr lang="de-DE" dirty="0" err="1">
+                <a:solidFill>
+                  <a:srgbClr val="030712"/>
+                </a:solidFill>
+                <a:ea typeface="+mn-lt"/>
+                <a:cs typeface="+mn-lt"/>
+              </a:rPr>
+              <a:t>privacy</a:t>
+            </a:r>
+            <a:r>
+              <a:rPr lang="de-DE" dirty="0">
+                <a:solidFill>
+                  <a:srgbClr val="030712"/>
+                </a:solidFill>
+                <a:ea typeface="+mn-lt"/>
+                <a:cs typeface="+mn-lt"/>
+              </a:rPr>
+              <a:t> </a:t>
+            </a:r>
+            <a:r>
+              <a:rPr lang="de-DE" dirty="0" err="1">
+                <a:solidFill>
+                  <a:srgbClr val="030712"/>
+                </a:solidFill>
+                <a:ea typeface="+mn-lt"/>
+                <a:cs typeface="+mn-lt"/>
+              </a:rPr>
+              <a:t>restriction</a:t>
+            </a:r>
+            <a:r>
+              <a:rPr lang="de-DE" dirty="0">
+                <a:solidFill>
+                  <a:srgbClr val="030712"/>
+                </a:solidFill>
+                <a:ea typeface="+mn-lt"/>
+                <a:cs typeface="+mn-lt"/>
+              </a:rPr>
+              <a:t> </a:t>
+            </a:r>
+            <a:r>
+              <a:rPr lang="de-DE" dirty="0" err="1">
+                <a:solidFill>
+                  <a:srgbClr val="030712"/>
+                </a:solidFill>
+                <a:ea typeface="+mn-lt"/>
+                <a:cs typeface="+mn-lt"/>
+              </a:rPr>
+              <a:t>feedback</a:t>
+            </a:r>
+            <a:endParaRPr lang="de-DE" dirty="0"/>
+          </a:p>
+          <a:p>
+            <a:pPr marL="0" indent="0">
+              <a:buNone/>
+            </a:pPr>
+            <a:endParaRPr lang="de-DE" b="1" dirty="0">
+              <a:solidFill>
+                <a:srgbClr val="030712"/>
+              </a:solidFill>
+            </a:endParaRPr>
+          </a:p>
+          <a:p>
+            <a:pPr marL="0" indent="0">
+              <a:buNone/>
+            </a:pPr>
+            <a:endParaRPr lang="de-DE" dirty="0">
+              <a:solidFill>
+                <a:srgbClr val="030712"/>
+              </a:solidFill>
+              <a:ea typeface="+mn-lt"/>
+              <a:cs typeface="+mn-lt"/>
+            </a:endParaRPr>
+          </a:p>
+          <a:p>
+            <a:endParaRPr lang="de-DE" dirty="0">
+              <a:solidFill>
+                <a:srgbClr val="030712"/>
+              </a:solidFill>
+            </a:endParaRPr>
+          </a:p>
+          <a:p>
+            <a:endParaRPr lang="de-DE" sz="1800" dirty="0">
+              <a:solidFill>
+                <a:srgbClr val="000000"/>
+              </a:solidFill>
+            </a:endParaRPr>
+          </a:p>
+          <a:p>
+            <a:endParaRPr lang="de-DE" dirty="0"/>
+          </a:p>
+          <a:p>
+            <a:pPr lvl="1">
+              <a:buFont typeface="Courier New" panose="020B0604020202020204" pitchFamily="34" charset="0"/>
+              <a:buChar char="o"/>
+            </a:pPr>
+            <a:endParaRPr lang="de-DE" dirty="0"/>
+          </a:p>
+          <a:p>
+            <a:pPr lvl="1">
+              <a:buFont typeface="Courier New" panose="020B0604020202020204" pitchFamily="34" charset="0"/>
+              <a:buChar char="o"/>
+            </a:pPr>
+            <a:endParaRPr lang="de-DE" dirty="0"/>
+          </a:p>
+          <a:p>
+            <a:endParaRPr lang="de-DE" dirty="0"/>
+          </a:p>
+        </p:txBody>
+      </p:sp>
+      <p:sp>
+        <p:nvSpPr>
+          <p:cNvPr id="4" name="Foliennummernplatzhalter 3">
+            <a:extLst>
+              <a:ext uri="{FF2B5EF4-FFF2-40B4-BE49-F238E27FC236}">
+                <a16:creationId xmlns:a16="http://schemas.microsoft.com/office/drawing/2014/main" id="{AA689D57-27FB-29A6-EFA7-7F67A30F1D40}"/>
+              </a:ext>
+            </a:extLst>
+          </p:cNvPr>
+          <p:cNvSpPr>
+            <a:spLocks noGrp="1"/>
+          </p:cNvSpPr>
+          <p:nvPr>
+            <p:ph type="sldNum" sz="quarter" idx="12"/>
+          </p:nvPr>
+        </p:nvSpPr>
+        <p:spPr/>
+        <p:txBody>
+          <a:bodyPr/>
+          <a:lstStyle/>
+          <a:p>
+            <a:fld id="{802006FE-6571-4354-8775-F8708372C227}" type="slidenum">
+              <a:rPr lang="de-DE" smtClean="0"/>
+              <a:t>11</a:t>
+            </a:fld>
+            <a:endParaRPr lang="de-DE"/>
+          </a:p>
+        </p:txBody>
+      </p:sp>
+      <p:pic>
+        <p:nvPicPr>
+          <p:cNvPr id="6" name="Grafik 5" descr="Ein Bild, das Text, Schrift, Grün, Screenshot enthält.&#10;&#10;Beschreibung automatisch generiert.">
+            <a:extLst>
+              <a:ext uri="{FF2B5EF4-FFF2-40B4-BE49-F238E27FC236}">
+                <a16:creationId xmlns:a16="http://schemas.microsoft.com/office/drawing/2014/main" id="{63B56F03-404F-82C6-2606-0638212F2D8F}"/>
+              </a:ext>
+            </a:extLst>
+          </p:cNvPr>
+          <p:cNvPicPr>
+            <a:picLocks noChangeAspect="1"/>
+          </p:cNvPicPr>
+          <p:nvPr/>
+        </p:nvPicPr>
+        <p:blipFill>
+          <a:blip r:embed="rId3"/>
+          <a:stretch>
+            <a:fillRect/>
+          </a:stretch>
+        </p:blipFill>
+        <p:spPr>
+          <a:xfrm>
+            <a:off x="-1" y="6264418"/>
+            <a:ext cx="2124365" cy="598346"/>
+          </a:xfrm>
+          <a:prstGeom prst="rect">
+            <a:avLst/>
+          </a:prstGeom>
+        </p:spPr>
+      </p:pic>
+      <p:sp>
+        <p:nvSpPr>
+          <p:cNvPr id="10" name="Textfeld 9">
+            <a:extLst>
+              <a:ext uri="{FF2B5EF4-FFF2-40B4-BE49-F238E27FC236}">
+                <a16:creationId xmlns:a16="http://schemas.microsoft.com/office/drawing/2014/main" id="{977B7BDA-3A76-9136-10CE-438CCA90C086}"/>
+              </a:ext>
+            </a:extLst>
+          </p:cNvPr>
+          <p:cNvSpPr txBox="1"/>
+          <p:nvPr/>
+        </p:nvSpPr>
+        <p:spPr>
+          <a:xfrm>
+            <a:off x="7743645" y="6492815"/>
+            <a:ext cx="3462068" cy="276999"/>
+          </a:xfrm>
+          <a:prstGeom prst="rect">
+            <a:avLst/>
+          </a:prstGeom>
+          <a:noFill/>
+        </p:spPr>
+        <p:txBody>
+          <a:bodyPr rot="0" spcFirstLastPara="0" vertOverflow="overflow" horzOverflow="overflow" vert="horz" wrap="square" lIns="91440" tIns="45720" rIns="91440" bIns="45720" numCol="1" spcCol="0" rtlCol="0" fromWordArt="0" anchor="t" anchorCtr="0" forceAA="0" compatLnSpc="1">
+            <a:prstTxWarp prst="textNoShape">
+              <a:avLst/>
+            </a:prstTxWarp>
+            <a:spAutoFit/>
+          </a:bodyPr>
+          <a:lstStyle/>
+          <a:p>
+            <a:r>
+              <a:rPr lang="en-US" sz="1200" dirty="0"/>
+              <a:t>https://arxiv.org/pdf/2308.15363</a:t>
+            </a:r>
+          </a:p>
+        </p:txBody>
+      </p:sp>
+    </p:spTree>
+    <p:extLst>
+      <p:ext uri="{BB962C8B-B14F-4D97-AF65-F5344CB8AC3E}">
+        <p14:creationId xmlns:p14="http://schemas.microsoft.com/office/powerpoint/2010/main" val="3161957327"/>
+      </p:ext>
+    </p:extLst>
+  </p:cSld>
+  <p:clrMapOvr>
+    <a:masterClrMapping/>
+  </p:clrMapOvr>
+</p:sld>
+</file>
+
+<file path=ppt/slides/slide12.xml><?xml version="1.0" encoding="utf-8"?>
+<p:sld xmlns:a="http://schemas.openxmlformats.org/drawingml/2006/main" xmlns:r="http://schemas.openxmlformats.org/officeDocument/2006/relationships" xmlns:p="http://schemas.openxmlformats.org/presentationml/2006/main">
+  <p:cSld>
+    <p:spTree>
+      <p:nvGrpSpPr>
+        <p:cNvPr id="1" name=""/>
+        <p:cNvGrpSpPr/>
+        <p:nvPr/>
+      </p:nvGrpSpPr>
+      <p:grpSpPr>
+        <a:xfrm>
+          <a:off x="0" y="0"/>
+          <a:ext cx="0" cy="0"/>
+          <a:chOff x="0" y="0"/>
+          <a:chExt cx="0" cy="0"/>
+        </a:xfrm>
+      </p:grpSpPr>
+      <p:sp>
+        <p:nvSpPr>
+          <p:cNvPr id="5" name="Titel 4">
+            <a:extLst>
+              <a:ext uri="{FF2B5EF4-FFF2-40B4-BE49-F238E27FC236}">
+                <a16:creationId xmlns:a16="http://schemas.microsoft.com/office/drawing/2014/main" id="{1AA3F45A-F1E5-BE19-CD3C-6D2D6D77A16E}"/>
+              </a:ext>
+            </a:extLst>
+          </p:cNvPr>
+          <p:cNvSpPr>
+            <a:spLocks noGrp="1"/>
+          </p:cNvSpPr>
+          <p:nvPr>
+            <p:ph type="title"/>
+          </p:nvPr>
+        </p:nvSpPr>
+        <p:spPr>
+          <a:xfrm>
+            <a:off x="838200" y="652672"/>
+            <a:ext cx="10069902" cy="860467"/>
+          </a:xfrm>
+        </p:spPr>
+        <p:txBody>
+          <a:bodyPr>
+            <a:normAutofit fontScale="90000"/>
+          </a:bodyPr>
+          <a:lstStyle/>
+          <a:p>
+            <a:r>
+              <a:rPr lang="de-DE" b="1" dirty="0"/>
+              <a:t>Natural Language </a:t>
+            </a:r>
+            <a:r>
+              <a:rPr lang="de-DE" b="1" dirty="0" err="1"/>
+              <a:t>Meets</a:t>
+            </a:r>
+            <a:r>
+              <a:rPr lang="de-DE" b="1" dirty="0"/>
+              <a:t> Database: </a:t>
+            </a:r>
+            <a:br>
+              <a:rPr lang="de-DE" b="1" dirty="0"/>
+            </a:br>
+            <a:r>
+              <a:rPr lang="de-DE" sz="2800" dirty="0"/>
+              <a:t>System Transparency and User Understanding in NL-</a:t>
+            </a:r>
+            <a:r>
+              <a:rPr lang="de-DE" sz="2800" dirty="0" err="1"/>
+              <a:t>to</a:t>
+            </a:r>
+            <a:r>
+              <a:rPr lang="de-DE" sz="2800" dirty="0"/>
+              <a:t>-SQL Translation</a:t>
+            </a:r>
+          </a:p>
+          <a:p>
+            <a:endParaRPr lang="de-DE" b="1" dirty="0"/>
+          </a:p>
+          <a:p>
+            <a:endParaRPr lang="de-DE" dirty="0"/>
+          </a:p>
+        </p:txBody>
+      </p:sp>
+      <p:sp>
+        <p:nvSpPr>
+          <p:cNvPr id="3" name="Inhaltsplatzhalter 2">
+            <a:extLst>
+              <a:ext uri="{FF2B5EF4-FFF2-40B4-BE49-F238E27FC236}">
+                <a16:creationId xmlns:a16="http://schemas.microsoft.com/office/drawing/2014/main" id="{40C38B9F-DDAA-3671-515F-1B7FD78841B3}"/>
+              </a:ext>
+            </a:extLst>
+          </p:cNvPr>
+          <p:cNvSpPr>
+            <a:spLocks noGrp="1"/>
+          </p:cNvSpPr>
+          <p:nvPr>
+            <p:ph idx="1"/>
+          </p:nvPr>
+        </p:nvSpPr>
+        <p:spPr>
+          <a:xfrm>
+            <a:off x="838200" y="1085991"/>
+            <a:ext cx="10515600" cy="4725148"/>
+          </a:xfrm>
+        </p:spPr>
+        <p:txBody>
+          <a:bodyPr vert="horz" lIns="91440" tIns="45720" rIns="91440" bIns="45720" rtlCol="0" anchor="t">
+            <a:normAutofit/>
+          </a:bodyPr>
+          <a:lstStyle/>
+          <a:p>
+            <a:pPr>
+              <a:buNone/>
+            </a:pPr>
+            <a:r>
+              <a:rPr lang="de-DE" b="1" dirty="0" err="1"/>
+              <a:t>Expected</a:t>
+            </a:r>
+            <a:r>
+              <a:rPr lang="de-DE" b="1" dirty="0"/>
+              <a:t> Outcome</a:t>
+            </a:r>
+            <a:endParaRPr lang="en-US"/>
+          </a:p>
+          <a:p>
+            <a:pPr>
+              <a:buFont typeface="Arial,Sans-Serif"/>
+              <a:buChar char="•"/>
+            </a:pPr>
+            <a:r>
+              <a:rPr lang="de-DE" dirty="0" err="1">
+                <a:solidFill>
+                  <a:srgbClr val="030712"/>
+                </a:solidFill>
+                <a:latin typeface="Arial"/>
+                <a:cs typeface="Arial"/>
+              </a:rPr>
+              <a:t>Insights</a:t>
+            </a:r>
+            <a:r>
+              <a:rPr lang="de-DE" dirty="0">
+                <a:solidFill>
+                  <a:srgbClr val="030712"/>
+                </a:solidFill>
+                <a:latin typeface="Arial"/>
+                <a:cs typeface="Arial"/>
+              </a:rPr>
+              <a:t> </a:t>
+            </a:r>
+            <a:r>
+              <a:rPr lang="de-DE" dirty="0" err="1">
+                <a:solidFill>
+                  <a:srgbClr val="030712"/>
+                </a:solidFill>
+                <a:latin typeface="Arial"/>
+                <a:cs typeface="Arial"/>
+              </a:rPr>
+              <a:t>into</a:t>
+            </a:r>
+            <a:r>
+              <a:rPr lang="de-DE" dirty="0">
+                <a:solidFill>
+                  <a:srgbClr val="030712"/>
+                </a:solidFill>
+                <a:latin typeface="Arial"/>
+                <a:cs typeface="Arial"/>
+              </a:rPr>
+              <a:t> </a:t>
+            </a:r>
+            <a:r>
+              <a:rPr lang="de-DE" dirty="0" err="1">
+                <a:solidFill>
+                  <a:srgbClr val="030712"/>
+                </a:solidFill>
+                <a:latin typeface="Arial"/>
+                <a:cs typeface="Arial"/>
+              </a:rPr>
+              <a:t>effective</a:t>
+            </a:r>
+            <a:r>
+              <a:rPr lang="de-DE" dirty="0">
+                <a:solidFill>
+                  <a:srgbClr val="030712"/>
+                </a:solidFill>
+                <a:latin typeface="Arial"/>
+                <a:cs typeface="Arial"/>
+              </a:rPr>
+              <a:t> user-AI </a:t>
+            </a:r>
+            <a:r>
+              <a:rPr lang="de-DE" dirty="0" err="1">
+                <a:solidFill>
+                  <a:srgbClr val="030712"/>
+                </a:solidFill>
+                <a:latin typeface="Arial"/>
+                <a:cs typeface="Arial"/>
+              </a:rPr>
+              <a:t>communication</a:t>
+            </a:r>
+            <a:r>
+              <a:rPr lang="de-DE" dirty="0">
+                <a:solidFill>
+                  <a:srgbClr val="030712"/>
+                </a:solidFill>
+                <a:latin typeface="Arial"/>
+                <a:cs typeface="Arial"/>
+              </a:rPr>
+              <a:t> </a:t>
+            </a:r>
+            <a:r>
+              <a:rPr lang="de-DE" dirty="0" err="1">
+                <a:solidFill>
+                  <a:srgbClr val="030712"/>
+                </a:solidFill>
+                <a:latin typeface="Arial"/>
+                <a:cs typeface="Arial"/>
+              </a:rPr>
+              <a:t>patterns</a:t>
+            </a:r>
+            <a:endParaRPr lang="en-US" dirty="0" err="1">
+              <a:solidFill>
+                <a:srgbClr val="000000"/>
+              </a:solidFill>
+              <a:latin typeface="Arial"/>
+              <a:cs typeface="Arial"/>
+            </a:endParaRPr>
+          </a:p>
+          <a:p>
+            <a:pPr>
+              <a:buFont typeface="Arial"/>
+              <a:buChar char="•"/>
+            </a:pPr>
+            <a:r>
+              <a:rPr lang="de-DE" dirty="0" err="1">
+                <a:solidFill>
+                  <a:srgbClr val="030712"/>
+                </a:solidFill>
+              </a:rPr>
+              <a:t>Integrate</a:t>
+            </a:r>
+            <a:r>
+              <a:rPr lang="de-DE" dirty="0">
+                <a:solidFill>
+                  <a:srgbClr val="030712"/>
+                </a:solidFill>
+              </a:rPr>
+              <a:t> </a:t>
+            </a:r>
+            <a:r>
+              <a:rPr lang="de-DE" dirty="0" err="1">
+                <a:solidFill>
+                  <a:srgbClr val="030712"/>
+                </a:solidFill>
+              </a:rPr>
+              <a:t>users</a:t>
+            </a:r>
+            <a:r>
+              <a:rPr lang="de-DE" dirty="0">
+                <a:solidFill>
+                  <a:srgbClr val="030712"/>
+                </a:solidFill>
+              </a:rPr>
+              <a:t> </a:t>
+            </a:r>
+            <a:r>
+              <a:rPr lang="de-DE" dirty="0" err="1">
+                <a:solidFill>
+                  <a:srgbClr val="030712"/>
+                </a:solidFill>
+              </a:rPr>
+              <a:t>feedback</a:t>
+            </a:r>
+            <a:r>
+              <a:rPr lang="de-DE" dirty="0">
+                <a:solidFill>
+                  <a:srgbClr val="030712"/>
+                </a:solidFill>
+              </a:rPr>
+              <a:t> </a:t>
+            </a:r>
+            <a:r>
+              <a:rPr lang="de-DE" dirty="0" err="1">
+                <a:solidFill>
+                  <a:srgbClr val="030712"/>
+                </a:solidFill>
+              </a:rPr>
+              <a:t>into</a:t>
+            </a:r>
+            <a:r>
+              <a:rPr lang="de-DE" dirty="0">
+                <a:solidFill>
+                  <a:srgbClr val="030712"/>
+                </a:solidFill>
+              </a:rPr>
+              <a:t> interface</a:t>
+            </a:r>
+            <a:endParaRPr lang="de-DE"/>
+          </a:p>
+          <a:p>
+            <a:pPr>
+              <a:buFont typeface="Arial"/>
+              <a:buChar char="•"/>
+            </a:pPr>
+            <a:r>
+              <a:rPr lang="de-DE" dirty="0">
+                <a:solidFill>
+                  <a:srgbClr val="030712"/>
+                </a:solidFill>
+                <a:ea typeface="+mn-lt"/>
+                <a:cs typeface="+mn-lt"/>
+              </a:rPr>
+              <a:t>UI </a:t>
+            </a:r>
+            <a:r>
+              <a:rPr lang="de-DE" dirty="0" err="1">
+                <a:solidFill>
+                  <a:srgbClr val="030712"/>
+                </a:solidFill>
+                <a:ea typeface="+mn-lt"/>
+                <a:cs typeface="+mn-lt"/>
+              </a:rPr>
+              <a:t>that</a:t>
+            </a:r>
+            <a:r>
+              <a:rPr lang="de-DE" dirty="0">
+                <a:solidFill>
+                  <a:srgbClr val="030712"/>
+                </a:solidFill>
+                <a:ea typeface="+mn-lt"/>
+                <a:cs typeface="+mn-lt"/>
+              </a:rPr>
+              <a:t> </a:t>
+            </a:r>
+            <a:r>
+              <a:rPr lang="de-DE" dirty="0" err="1">
+                <a:solidFill>
+                  <a:srgbClr val="030712"/>
+                </a:solidFill>
+                <a:ea typeface="+mn-lt"/>
+                <a:cs typeface="+mn-lt"/>
+              </a:rPr>
+              <a:t>users</a:t>
+            </a:r>
+            <a:r>
+              <a:rPr lang="de-DE" dirty="0">
+                <a:solidFill>
+                  <a:srgbClr val="030712"/>
+                </a:solidFill>
+                <a:ea typeface="+mn-lt"/>
+                <a:cs typeface="+mn-lt"/>
+              </a:rPr>
+              <a:t> </a:t>
+            </a:r>
+            <a:r>
+              <a:rPr lang="de-DE" dirty="0" err="1">
+                <a:solidFill>
+                  <a:srgbClr val="030712"/>
+                </a:solidFill>
+                <a:ea typeface="+mn-lt"/>
+                <a:cs typeface="+mn-lt"/>
+              </a:rPr>
+              <a:t>genuinely</a:t>
+            </a:r>
+            <a:r>
+              <a:rPr lang="de-DE" dirty="0">
+                <a:solidFill>
+                  <a:srgbClr val="030712"/>
+                </a:solidFill>
+                <a:ea typeface="+mn-lt"/>
+                <a:cs typeface="+mn-lt"/>
+              </a:rPr>
+              <a:t> </a:t>
+            </a:r>
+            <a:r>
+              <a:rPr lang="de-DE" dirty="0" err="1">
+                <a:solidFill>
+                  <a:srgbClr val="030712"/>
+                </a:solidFill>
+                <a:ea typeface="+mn-lt"/>
+                <a:cs typeface="+mn-lt"/>
+              </a:rPr>
+              <a:t>appreciate</a:t>
+            </a:r>
+            <a:endParaRPr lang="de-DE" dirty="0" err="1">
+              <a:solidFill>
+                <a:srgbClr val="030712"/>
+              </a:solidFill>
+            </a:endParaRPr>
+          </a:p>
+          <a:p>
+            <a:endParaRPr lang="de-DE" dirty="0">
+              <a:solidFill>
+                <a:srgbClr val="030712"/>
+              </a:solidFill>
+              <a:ea typeface="+mn-lt"/>
+              <a:cs typeface="+mn-lt"/>
+            </a:endParaRPr>
+          </a:p>
+          <a:p>
+            <a:endParaRPr lang="de-DE" sz="1800" dirty="0">
+              <a:solidFill>
+                <a:srgbClr val="000000"/>
+              </a:solidFill>
+            </a:endParaRPr>
+          </a:p>
+          <a:p>
+            <a:endParaRPr lang="de-DE" dirty="0"/>
+          </a:p>
+          <a:p>
+            <a:pPr lvl="1">
+              <a:buFont typeface="Courier New" panose="020B0604020202020204" pitchFamily="34" charset="0"/>
+              <a:buChar char="o"/>
+            </a:pPr>
+            <a:endParaRPr lang="de-DE" dirty="0"/>
+          </a:p>
+          <a:p>
+            <a:pPr lvl="1">
+              <a:buFont typeface="Courier New" panose="020B0604020202020204" pitchFamily="34" charset="0"/>
+              <a:buChar char="o"/>
+            </a:pPr>
+            <a:endParaRPr lang="de-DE" dirty="0"/>
+          </a:p>
+          <a:p>
+            <a:endParaRPr lang="de-DE" dirty="0"/>
+          </a:p>
+        </p:txBody>
+      </p:sp>
+      <p:sp>
+        <p:nvSpPr>
+          <p:cNvPr id="4" name="Foliennummernplatzhalter 3">
+            <a:extLst>
+              <a:ext uri="{FF2B5EF4-FFF2-40B4-BE49-F238E27FC236}">
+                <a16:creationId xmlns:a16="http://schemas.microsoft.com/office/drawing/2014/main" id="{AA689D57-27FB-29A6-EFA7-7F67A30F1D40}"/>
+              </a:ext>
+            </a:extLst>
+          </p:cNvPr>
+          <p:cNvSpPr>
+            <a:spLocks noGrp="1"/>
+          </p:cNvSpPr>
+          <p:nvPr>
+            <p:ph type="sldNum" sz="quarter" idx="12"/>
+          </p:nvPr>
+        </p:nvSpPr>
+        <p:spPr/>
+        <p:txBody>
+          <a:bodyPr/>
+          <a:lstStyle/>
+          <a:p>
+            <a:fld id="{802006FE-6571-4354-8775-F8708372C227}" type="slidenum">
+              <a:rPr lang="de-DE" smtClean="0"/>
+              <a:t>12</a:t>
+            </a:fld>
+            <a:endParaRPr lang="de-DE"/>
+          </a:p>
+        </p:txBody>
+      </p:sp>
+      <p:pic>
+        <p:nvPicPr>
+          <p:cNvPr id="6" name="Grafik 5" descr="Ein Bild, das Text, Schrift, Grün, Screenshot enthält.&#10;&#10;Beschreibung automatisch generiert.">
+            <a:extLst>
+              <a:ext uri="{FF2B5EF4-FFF2-40B4-BE49-F238E27FC236}">
+                <a16:creationId xmlns:a16="http://schemas.microsoft.com/office/drawing/2014/main" id="{63B56F03-404F-82C6-2606-0638212F2D8F}"/>
+              </a:ext>
+            </a:extLst>
+          </p:cNvPr>
+          <p:cNvPicPr>
+            <a:picLocks noChangeAspect="1"/>
+          </p:cNvPicPr>
+          <p:nvPr/>
+        </p:nvPicPr>
+        <p:blipFill>
+          <a:blip r:embed="rId3"/>
+          <a:stretch>
+            <a:fillRect/>
+          </a:stretch>
+        </p:blipFill>
+        <p:spPr>
+          <a:xfrm>
+            <a:off x="-1" y="6264418"/>
+            <a:ext cx="2124365" cy="598346"/>
+          </a:xfrm>
+          <a:prstGeom prst="rect">
+            <a:avLst/>
+          </a:prstGeom>
+        </p:spPr>
+      </p:pic>
+      <p:sp>
+        <p:nvSpPr>
+          <p:cNvPr id="10" name="Textfeld 9">
+            <a:extLst>
+              <a:ext uri="{FF2B5EF4-FFF2-40B4-BE49-F238E27FC236}">
+                <a16:creationId xmlns:a16="http://schemas.microsoft.com/office/drawing/2014/main" id="{977B7BDA-3A76-9136-10CE-438CCA90C086}"/>
+              </a:ext>
+            </a:extLst>
+          </p:cNvPr>
+          <p:cNvSpPr txBox="1"/>
+          <p:nvPr/>
+        </p:nvSpPr>
+        <p:spPr>
+          <a:xfrm>
+            <a:off x="7743645" y="6492815"/>
+            <a:ext cx="3462068" cy="276999"/>
+          </a:xfrm>
+          <a:prstGeom prst="rect">
+            <a:avLst/>
+          </a:prstGeom>
+          <a:noFill/>
+        </p:spPr>
+        <p:txBody>
+          <a:bodyPr rot="0" spcFirstLastPara="0" vertOverflow="overflow" horzOverflow="overflow" vert="horz" wrap="square" lIns="91440" tIns="45720" rIns="91440" bIns="45720" numCol="1" spcCol="0" rtlCol="0" fromWordArt="0" anchor="t" anchorCtr="0" forceAA="0" compatLnSpc="1">
+            <a:prstTxWarp prst="textNoShape">
+              <a:avLst/>
+            </a:prstTxWarp>
+            <a:spAutoFit/>
+          </a:bodyPr>
+          <a:lstStyle/>
+          <a:p>
+            <a:r>
+              <a:rPr lang="en-US" sz="1200" dirty="0"/>
+              <a:t>https://arxiv.org/pdf/2308.15363</a:t>
+            </a:r>
+          </a:p>
+        </p:txBody>
+      </p:sp>
+    </p:spTree>
+    <p:extLst>
+      <p:ext uri="{BB962C8B-B14F-4D97-AF65-F5344CB8AC3E}">
+        <p14:creationId xmlns:p14="http://schemas.microsoft.com/office/powerpoint/2010/main" val="2407500830"/>
+      </p:ext>
+    </p:extLst>
+  </p:cSld>
+  <p:clrMapOvr>
+    <a:masterClrMapping/>
+  </p:clrMapOvr>
+</p:sld>
+</file>
+
+<file path=ppt/slides/slide13.xml><?xml version="1.0" encoding="utf-8"?>
+<p:sld xmlns:a="http://schemas.openxmlformats.org/drawingml/2006/main" xmlns:r="http://schemas.openxmlformats.org/officeDocument/2006/relationships" xmlns:p="http://schemas.openxmlformats.org/presentationml/2006/main">
+  <p:cSld>
+    <p:spTree>
+      <p:nvGrpSpPr>
+        <p:cNvPr id="1" name=""/>
+        <p:cNvGrpSpPr/>
+        <p:nvPr/>
+      </p:nvGrpSpPr>
+      <p:grpSpPr>
+        <a:xfrm>
+          <a:off x="0" y="0"/>
+          <a:ext cx="0" cy="0"/>
+          <a:chOff x="0" y="0"/>
+          <a:chExt cx="0" cy="0"/>
+        </a:xfrm>
+      </p:grpSpPr>
+      <p:sp>
+        <p:nvSpPr>
+          <p:cNvPr id="5" name="Titel 4">
+            <a:extLst>
+              <a:ext uri="{FF2B5EF4-FFF2-40B4-BE49-F238E27FC236}">
+                <a16:creationId xmlns:a16="http://schemas.microsoft.com/office/drawing/2014/main" id="{1AA3F45A-F1E5-BE19-CD3C-6D2D6D77A16E}"/>
+              </a:ext>
+            </a:extLst>
+          </p:cNvPr>
+          <p:cNvSpPr>
+            <a:spLocks noGrp="1"/>
+          </p:cNvSpPr>
+          <p:nvPr>
+            <p:ph type="title"/>
+          </p:nvPr>
+        </p:nvSpPr>
+        <p:spPr>
+          <a:xfrm>
+            <a:off x="838200" y="652672"/>
+            <a:ext cx="10069902" cy="860467"/>
+          </a:xfrm>
+        </p:spPr>
+        <p:txBody>
+          <a:bodyPr>
+            <a:normAutofit fontScale="90000"/>
+          </a:bodyPr>
+          <a:lstStyle/>
+          <a:p>
+            <a:r>
+              <a:rPr lang="de-DE" b="1" dirty="0"/>
+              <a:t>Natural Language </a:t>
+            </a:r>
+            <a:r>
+              <a:rPr lang="de-DE" b="1" dirty="0" err="1"/>
+              <a:t>Meets</a:t>
+            </a:r>
+            <a:r>
+              <a:rPr lang="de-DE" b="1" dirty="0"/>
+              <a:t> Database: </a:t>
+            </a:r>
+            <a:br>
+              <a:rPr lang="de-DE" b="1" dirty="0"/>
+            </a:br>
+            <a:r>
+              <a:rPr lang="de-DE" sz="2800" dirty="0"/>
+              <a:t>System Transparency and User Understanding in NL-</a:t>
+            </a:r>
+            <a:r>
+              <a:rPr lang="de-DE" sz="2800" dirty="0" err="1"/>
+              <a:t>to</a:t>
+            </a:r>
+            <a:r>
+              <a:rPr lang="de-DE" sz="2800" dirty="0"/>
+              <a:t>-SQL Translation</a:t>
+            </a:r>
+          </a:p>
+          <a:p>
+            <a:endParaRPr lang="de-DE" b="1" dirty="0"/>
+          </a:p>
+          <a:p>
+            <a:endParaRPr lang="de-DE" dirty="0"/>
+          </a:p>
+        </p:txBody>
+      </p:sp>
+      <p:sp>
+        <p:nvSpPr>
+          <p:cNvPr id="3" name="Inhaltsplatzhalter 2">
+            <a:extLst>
+              <a:ext uri="{FF2B5EF4-FFF2-40B4-BE49-F238E27FC236}">
+                <a16:creationId xmlns:a16="http://schemas.microsoft.com/office/drawing/2014/main" id="{40C38B9F-DDAA-3671-515F-1B7FD78841B3}"/>
+              </a:ext>
+            </a:extLst>
+          </p:cNvPr>
+          <p:cNvSpPr>
+            <a:spLocks noGrp="1"/>
+          </p:cNvSpPr>
+          <p:nvPr>
+            <p:ph idx="1"/>
+          </p:nvPr>
+        </p:nvSpPr>
+        <p:spPr>
+          <a:xfrm>
+            <a:off x="838200" y="1085991"/>
+            <a:ext cx="10515600" cy="4725148"/>
+          </a:xfrm>
+        </p:spPr>
+        <p:txBody>
+          <a:bodyPr vert="horz" lIns="91440" tIns="45720" rIns="91440" bIns="45720" rtlCol="0" anchor="t">
+            <a:normAutofit/>
+          </a:bodyPr>
+          <a:lstStyle/>
+          <a:p>
+            <a:pPr>
+              <a:buNone/>
+            </a:pPr>
+            <a:r>
+              <a:rPr lang="de-DE" b="1" dirty="0" err="1"/>
+              <a:t>Expected</a:t>
+            </a:r>
+            <a:r>
+              <a:rPr lang="de-DE" b="1" dirty="0"/>
+              <a:t> Outcome</a:t>
+            </a:r>
+            <a:endParaRPr lang="en-US"/>
+          </a:p>
+          <a:p>
+            <a:pPr>
+              <a:buFont typeface="Arial,Sans-Serif"/>
+              <a:buChar char="•"/>
+            </a:pPr>
+            <a:r>
+              <a:rPr lang="de-DE" dirty="0" err="1">
+                <a:solidFill>
+                  <a:srgbClr val="030712"/>
+                </a:solidFill>
+                <a:latin typeface="Arial"/>
+                <a:cs typeface="Arial"/>
+              </a:rPr>
+              <a:t>Insights</a:t>
+            </a:r>
+            <a:r>
+              <a:rPr lang="de-DE" dirty="0">
+                <a:solidFill>
+                  <a:srgbClr val="030712"/>
+                </a:solidFill>
+                <a:latin typeface="Arial"/>
+                <a:cs typeface="Arial"/>
+              </a:rPr>
+              <a:t> </a:t>
+            </a:r>
+            <a:r>
+              <a:rPr lang="de-DE" dirty="0" err="1">
+                <a:solidFill>
+                  <a:srgbClr val="030712"/>
+                </a:solidFill>
+                <a:latin typeface="Arial"/>
+                <a:cs typeface="Arial"/>
+              </a:rPr>
+              <a:t>into</a:t>
+            </a:r>
+            <a:r>
+              <a:rPr lang="de-DE" dirty="0">
+                <a:solidFill>
+                  <a:srgbClr val="030712"/>
+                </a:solidFill>
+                <a:latin typeface="Arial"/>
+                <a:cs typeface="Arial"/>
+              </a:rPr>
+              <a:t> </a:t>
+            </a:r>
+            <a:r>
+              <a:rPr lang="de-DE" dirty="0" err="1">
+                <a:solidFill>
+                  <a:srgbClr val="030712"/>
+                </a:solidFill>
+                <a:latin typeface="Arial"/>
+                <a:cs typeface="Arial"/>
+              </a:rPr>
+              <a:t>effective</a:t>
+            </a:r>
+            <a:r>
+              <a:rPr lang="de-DE" dirty="0">
+                <a:solidFill>
+                  <a:srgbClr val="030712"/>
+                </a:solidFill>
+                <a:latin typeface="Arial"/>
+                <a:cs typeface="Arial"/>
+              </a:rPr>
+              <a:t> user-AI </a:t>
+            </a:r>
+            <a:r>
+              <a:rPr lang="de-DE" dirty="0" err="1">
+                <a:solidFill>
+                  <a:srgbClr val="030712"/>
+                </a:solidFill>
+                <a:latin typeface="Arial"/>
+                <a:cs typeface="Arial"/>
+              </a:rPr>
+              <a:t>communication</a:t>
+            </a:r>
+            <a:r>
+              <a:rPr lang="de-DE" dirty="0">
+                <a:solidFill>
+                  <a:srgbClr val="030712"/>
+                </a:solidFill>
+                <a:latin typeface="Arial"/>
+                <a:cs typeface="Arial"/>
+              </a:rPr>
+              <a:t> </a:t>
+            </a:r>
+            <a:r>
+              <a:rPr lang="de-DE" dirty="0" err="1">
+                <a:solidFill>
+                  <a:srgbClr val="030712"/>
+                </a:solidFill>
+                <a:latin typeface="Arial"/>
+                <a:cs typeface="Arial"/>
+              </a:rPr>
+              <a:t>patterns</a:t>
+            </a:r>
+            <a:endParaRPr lang="en-US" dirty="0" err="1">
+              <a:solidFill>
+                <a:srgbClr val="000000"/>
+              </a:solidFill>
+              <a:latin typeface="Arial"/>
+              <a:cs typeface="Arial"/>
+            </a:endParaRPr>
+          </a:p>
+          <a:p>
+            <a:pPr>
+              <a:buFont typeface="Arial"/>
+              <a:buChar char="•"/>
+            </a:pPr>
+            <a:r>
+              <a:rPr lang="de-DE" dirty="0" err="1">
+                <a:solidFill>
+                  <a:srgbClr val="030712"/>
+                </a:solidFill>
+              </a:rPr>
+              <a:t>Integrate</a:t>
+            </a:r>
+            <a:r>
+              <a:rPr lang="de-DE" dirty="0">
+                <a:solidFill>
+                  <a:srgbClr val="030712"/>
+                </a:solidFill>
+              </a:rPr>
+              <a:t> </a:t>
+            </a:r>
+            <a:r>
+              <a:rPr lang="de-DE" dirty="0" err="1">
+                <a:solidFill>
+                  <a:srgbClr val="030712"/>
+                </a:solidFill>
+              </a:rPr>
+              <a:t>users</a:t>
+            </a:r>
+            <a:r>
+              <a:rPr lang="de-DE" dirty="0">
+                <a:solidFill>
+                  <a:srgbClr val="030712"/>
+                </a:solidFill>
+              </a:rPr>
+              <a:t> </a:t>
+            </a:r>
+            <a:r>
+              <a:rPr lang="de-DE" dirty="0" err="1">
+                <a:solidFill>
+                  <a:srgbClr val="030712"/>
+                </a:solidFill>
+              </a:rPr>
+              <a:t>feedback</a:t>
+            </a:r>
+            <a:r>
+              <a:rPr lang="de-DE" dirty="0">
+                <a:solidFill>
+                  <a:srgbClr val="030712"/>
+                </a:solidFill>
+              </a:rPr>
+              <a:t> </a:t>
+            </a:r>
+            <a:r>
+              <a:rPr lang="de-DE" dirty="0" err="1">
+                <a:solidFill>
+                  <a:srgbClr val="030712"/>
+                </a:solidFill>
+              </a:rPr>
+              <a:t>into</a:t>
+            </a:r>
+            <a:r>
+              <a:rPr lang="de-DE" dirty="0">
+                <a:solidFill>
+                  <a:srgbClr val="030712"/>
+                </a:solidFill>
+              </a:rPr>
+              <a:t> interface</a:t>
+            </a:r>
+            <a:endParaRPr lang="de-DE"/>
+          </a:p>
+          <a:p>
+            <a:pPr>
+              <a:buFont typeface="Arial"/>
+              <a:buChar char="•"/>
+            </a:pPr>
+            <a:r>
+              <a:rPr lang="de-DE" dirty="0">
+                <a:solidFill>
+                  <a:srgbClr val="030712"/>
+                </a:solidFill>
+                <a:ea typeface="+mn-lt"/>
+                <a:cs typeface="+mn-lt"/>
+              </a:rPr>
+              <a:t>UI </a:t>
+            </a:r>
+            <a:r>
+              <a:rPr lang="de-DE" dirty="0" err="1">
+                <a:solidFill>
+                  <a:srgbClr val="030712"/>
+                </a:solidFill>
+                <a:ea typeface="+mn-lt"/>
+                <a:cs typeface="+mn-lt"/>
+              </a:rPr>
+              <a:t>that</a:t>
+            </a:r>
+            <a:r>
+              <a:rPr lang="de-DE" dirty="0">
+                <a:solidFill>
+                  <a:srgbClr val="030712"/>
+                </a:solidFill>
+                <a:ea typeface="+mn-lt"/>
+                <a:cs typeface="+mn-lt"/>
+              </a:rPr>
+              <a:t> </a:t>
+            </a:r>
+            <a:r>
+              <a:rPr lang="de-DE" dirty="0" err="1">
+                <a:solidFill>
+                  <a:srgbClr val="030712"/>
+                </a:solidFill>
+                <a:ea typeface="+mn-lt"/>
+                <a:cs typeface="+mn-lt"/>
+              </a:rPr>
+              <a:t>users</a:t>
+            </a:r>
+            <a:r>
+              <a:rPr lang="de-DE" dirty="0">
+                <a:solidFill>
+                  <a:srgbClr val="030712"/>
+                </a:solidFill>
+                <a:ea typeface="+mn-lt"/>
+                <a:cs typeface="+mn-lt"/>
+              </a:rPr>
+              <a:t> </a:t>
+            </a:r>
+            <a:r>
+              <a:rPr lang="de-DE" dirty="0" err="1">
+                <a:solidFill>
+                  <a:srgbClr val="030712"/>
+                </a:solidFill>
+                <a:ea typeface="+mn-lt"/>
+                <a:cs typeface="+mn-lt"/>
+              </a:rPr>
+              <a:t>genuinely</a:t>
+            </a:r>
+            <a:r>
+              <a:rPr lang="de-DE" dirty="0">
+                <a:solidFill>
+                  <a:srgbClr val="030712"/>
+                </a:solidFill>
+                <a:ea typeface="+mn-lt"/>
+                <a:cs typeface="+mn-lt"/>
+              </a:rPr>
+              <a:t> </a:t>
+            </a:r>
+            <a:r>
+              <a:rPr lang="de-DE" dirty="0" err="1">
+                <a:solidFill>
+                  <a:srgbClr val="030712"/>
+                </a:solidFill>
+                <a:ea typeface="+mn-lt"/>
+                <a:cs typeface="+mn-lt"/>
+              </a:rPr>
+              <a:t>appreciate</a:t>
+            </a:r>
+            <a:endParaRPr lang="de-DE" dirty="0" err="1">
+              <a:solidFill>
+                <a:srgbClr val="030712"/>
+              </a:solidFill>
+            </a:endParaRPr>
+          </a:p>
+          <a:p>
+            <a:pPr>
+              <a:buFont typeface="Arial"/>
+              <a:buChar char="•"/>
+            </a:pPr>
+            <a:r>
+              <a:rPr lang="de-DE" b="1" dirty="0" err="1">
+                <a:solidFill>
+                  <a:srgbClr val="000000"/>
+                </a:solidFill>
+                <a:ea typeface="+mn-lt"/>
+                <a:cs typeface="+mn-lt"/>
+              </a:rPr>
+              <a:t>Methodology</a:t>
+            </a:r>
+            <a:endParaRPr lang="de-DE" dirty="0" err="1">
+              <a:ea typeface="+mn-lt"/>
+              <a:cs typeface="+mn-lt"/>
+            </a:endParaRPr>
+          </a:p>
+          <a:p>
+            <a:endParaRPr lang="de-DE" dirty="0">
+              <a:solidFill>
+                <a:srgbClr val="030712"/>
+              </a:solidFill>
+            </a:endParaRPr>
+          </a:p>
+          <a:p>
+            <a:endParaRPr lang="de-DE" sz="1800" dirty="0"/>
+          </a:p>
+          <a:p>
+            <a:endParaRPr lang="de-DE" dirty="0"/>
+          </a:p>
+          <a:p>
+            <a:pPr lvl="1">
+              <a:buFont typeface="Courier New" panose="020B0604020202020204" pitchFamily="34" charset="0"/>
+              <a:buChar char="o"/>
+            </a:pPr>
+            <a:endParaRPr lang="de-DE" dirty="0"/>
+          </a:p>
+          <a:p>
+            <a:pPr lvl="1">
+              <a:buFont typeface="Courier New" panose="020B0604020202020204" pitchFamily="34" charset="0"/>
+              <a:buChar char="o"/>
+            </a:pPr>
+            <a:endParaRPr lang="de-DE" dirty="0"/>
+          </a:p>
+          <a:p>
+            <a:endParaRPr lang="de-DE" dirty="0"/>
+          </a:p>
+        </p:txBody>
+      </p:sp>
+      <p:sp>
+        <p:nvSpPr>
+          <p:cNvPr id="4" name="Foliennummernplatzhalter 3">
+            <a:extLst>
+              <a:ext uri="{FF2B5EF4-FFF2-40B4-BE49-F238E27FC236}">
+                <a16:creationId xmlns:a16="http://schemas.microsoft.com/office/drawing/2014/main" id="{AA689D57-27FB-29A6-EFA7-7F67A30F1D40}"/>
+              </a:ext>
+            </a:extLst>
+          </p:cNvPr>
+          <p:cNvSpPr>
+            <a:spLocks noGrp="1"/>
+          </p:cNvSpPr>
+          <p:nvPr>
+            <p:ph type="sldNum" sz="quarter" idx="12"/>
+          </p:nvPr>
+        </p:nvSpPr>
+        <p:spPr/>
+        <p:txBody>
+          <a:bodyPr/>
+          <a:lstStyle/>
+          <a:p>
+            <a:fld id="{802006FE-6571-4354-8775-F8708372C227}" type="slidenum">
+              <a:rPr lang="de-DE" smtClean="0"/>
+              <a:t>13</a:t>
+            </a:fld>
+            <a:endParaRPr lang="de-DE"/>
+          </a:p>
+        </p:txBody>
+      </p:sp>
+      <p:pic>
+        <p:nvPicPr>
+          <p:cNvPr id="6" name="Grafik 5" descr="Ein Bild, das Text, Schrift, Grün, Screenshot enthält.&#10;&#10;Beschreibung automatisch generiert.">
+            <a:extLst>
+              <a:ext uri="{FF2B5EF4-FFF2-40B4-BE49-F238E27FC236}">
+                <a16:creationId xmlns:a16="http://schemas.microsoft.com/office/drawing/2014/main" id="{63B56F03-404F-82C6-2606-0638212F2D8F}"/>
+              </a:ext>
+            </a:extLst>
+          </p:cNvPr>
+          <p:cNvPicPr>
+            <a:picLocks noChangeAspect="1"/>
+          </p:cNvPicPr>
+          <p:nvPr/>
+        </p:nvPicPr>
+        <p:blipFill>
+          <a:blip r:embed="rId3"/>
+          <a:stretch>
+            <a:fillRect/>
+          </a:stretch>
+        </p:blipFill>
+        <p:spPr>
+          <a:xfrm>
+            <a:off x="-1" y="6264418"/>
+            <a:ext cx="2124365" cy="598346"/>
+          </a:xfrm>
+          <a:prstGeom prst="rect">
+            <a:avLst/>
+          </a:prstGeom>
+        </p:spPr>
+      </p:pic>
+      <p:sp>
+        <p:nvSpPr>
+          <p:cNvPr id="10" name="Textfeld 9">
+            <a:extLst>
+              <a:ext uri="{FF2B5EF4-FFF2-40B4-BE49-F238E27FC236}">
+                <a16:creationId xmlns:a16="http://schemas.microsoft.com/office/drawing/2014/main" id="{977B7BDA-3A76-9136-10CE-438CCA90C086}"/>
+              </a:ext>
+            </a:extLst>
+          </p:cNvPr>
+          <p:cNvSpPr txBox="1"/>
+          <p:nvPr/>
+        </p:nvSpPr>
+        <p:spPr>
+          <a:xfrm>
+            <a:off x="7743645" y="6492815"/>
+            <a:ext cx="3462068" cy="276999"/>
+          </a:xfrm>
+          <a:prstGeom prst="rect">
+            <a:avLst/>
+          </a:prstGeom>
+          <a:noFill/>
+        </p:spPr>
+        <p:txBody>
+          <a:bodyPr rot="0" spcFirstLastPara="0" vertOverflow="overflow" horzOverflow="overflow" vert="horz" wrap="square" lIns="91440" tIns="45720" rIns="91440" bIns="45720" numCol="1" spcCol="0" rtlCol="0" fromWordArt="0" anchor="t" anchorCtr="0" forceAA="0" compatLnSpc="1">
+            <a:prstTxWarp prst="textNoShape">
+              <a:avLst/>
+            </a:prstTxWarp>
+            <a:spAutoFit/>
+          </a:bodyPr>
+          <a:lstStyle/>
+          <a:p>
+            <a:r>
+              <a:rPr lang="en-US" sz="1200" dirty="0"/>
+              <a:t>https://arxiv.org/pdf/2308.15363</a:t>
+            </a:r>
+          </a:p>
+        </p:txBody>
+      </p:sp>
+      <p:pic>
+        <p:nvPicPr>
+          <p:cNvPr id="8" name="Grafik 7" descr="Ein Bild, das Text, Screenshot, Diagramm, Reihe enthält.&#10;&#10;Beschreibung automatisch generiert.">
+            <a:extLst>
+              <a:ext uri="{FF2B5EF4-FFF2-40B4-BE49-F238E27FC236}">
+                <a16:creationId xmlns:a16="http://schemas.microsoft.com/office/drawing/2014/main" id="{7EB7970E-8882-5534-1642-A92FBB734F7F}"/>
+              </a:ext>
+            </a:extLst>
+          </p:cNvPr>
+          <p:cNvPicPr>
+            <a:picLocks noChangeAspect="1"/>
+          </p:cNvPicPr>
+          <p:nvPr/>
+        </p:nvPicPr>
+        <p:blipFill>
+          <a:blip r:embed="rId4"/>
+          <a:stretch>
+            <a:fillRect/>
+          </a:stretch>
+        </p:blipFill>
+        <p:spPr>
+          <a:xfrm>
+            <a:off x="3253654" y="3548352"/>
+            <a:ext cx="6723784" cy="2982478"/>
+          </a:xfrm>
+          <a:prstGeom prst="rect">
+            <a:avLst/>
+          </a:prstGeom>
+        </p:spPr>
+      </p:pic>
+    </p:spTree>
+    <p:extLst>
+      <p:ext uri="{BB962C8B-B14F-4D97-AF65-F5344CB8AC3E}">
+        <p14:creationId xmlns:p14="http://schemas.microsoft.com/office/powerpoint/2010/main" val="1075762484"/>
+      </p:ext>
+    </p:extLst>
+  </p:cSld>
+  <p:clrMapOvr>
+    <a:masterClrMapping/>
+  </p:clrMapOvr>
+</p:sld>
+</file>
+
+<file path=ppt/slides/slide14.xml><?xml version="1.0" encoding="utf-8"?>
+<p:sld xmlns:a="http://schemas.openxmlformats.org/drawingml/2006/main" xmlns:r="http://schemas.openxmlformats.org/officeDocument/2006/relationships" xmlns:p="http://schemas.openxmlformats.org/presentationml/2006/main">
+  <p:cSld>
     <p:bg>
       <p:bgPr>
         <a:solidFill>
@@ -5090,7 +8195,7 @@
           <a:p>
             <a:fld id="{802006FE-6571-4354-8775-F8708372C227}" type="slidenum">
               <a:rPr lang="de-DE" smtClean="0"/>
-              <a:t>10</a:t>
+              <a:t>14</a:t>
             </a:fld>
             <a:endParaRPr lang="de-DE"/>
           </a:p>
@@ -5912,10 +9017,10 @@
       </p:pic>
       <p:pic>
         <p:nvPicPr>
-          <p:cNvPr id="7" name="Grafik 6" descr="Ein Bild, das Text, Screenshot, Diagramm, Reihe enthält.&#10;&#10;Beschreibung automatisch generiert.">
+          <p:cNvPr id="5" name="Grafik 4" descr="Ein Bild, das Text, Screenshot, Diagramm, Reihe enthält.&#10;&#10;Beschreibung automatisch generiert.">
             <a:extLst>
               <a:ext uri="{FF2B5EF4-FFF2-40B4-BE49-F238E27FC236}">
-                <a16:creationId xmlns:a16="http://schemas.microsoft.com/office/drawing/2014/main" id="{031E0316-4929-4E1B-E523-92CC3BC82F30}"/>
+                <a16:creationId xmlns:a16="http://schemas.microsoft.com/office/drawing/2014/main" id="{D5CB0AFB-59FC-907A-195D-FF1723C4E21F}"/>
               </a:ext>
             </a:extLst>
           </p:cNvPr>
@@ -5932,8 +9037,8 @@
         </p:blipFill>
         <p:spPr>
           <a:xfrm>
-            <a:off x="4054416" y="1853512"/>
-            <a:ext cx="8137584" cy="4502449"/>
+            <a:off x="4146994" y="2530396"/>
+            <a:ext cx="8045609" cy="3822779"/>
           </a:xfrm>
           <a:prstGeom prst="rect">
             <a:avLst/>
@@ -6969,648 +10074,13 @@
             </a:r>
           </a:p>
           <a:p>
-            <a:r>
-              <a:rPr lang="de-DE" sz="2600" dirty="0" err="1"/>
-              <a:t>Applicable</a:t>
-            </a:r>
-            <a:r>
-              <a:rPr lang="de-DE" sz="2600" dirty="0"/>
-              <a:t> on real-</a:t>
-            </a:r>
-            <a:r>
-              <a:rPr lang="de-DE" sz="2600" dirty="0" err="1"/>
-              <a:t>world</a:t>
-            </a:r>
-            <a:r>
-              <a:rPr lang="de-DE" sz="2600" dirty="0"/>
-              <a:t> </a:t>
-            </a:r>
-            <a:r>
-              <a:rPr lang="de-DE" sz="2600" dirty="0" err="1"/>
-              <a:t>problems</a:t>
-            </a:r>
-            <a:endParaRPr lang="de-DE" sz="2600" dirty="0"/>
-          </a:p>
-          <a:p>
-            <a:r>
-              <a:rPr lang="de-DE" sz="2600" b="1" dirty="0"/>
-              <a:t>Privacy </a:t>
-            </a:r>
-            <a:r>
-              <a:rPr lang="de-DE" sz="2600" b="1" err="1"/>
-              <a:t>preserving</a:t>
-            </a:r>
-            <a:r>
-              <a:rPr lang="de-DE" sz="2600" b="1" dirty="0"/>
-              <a:t> AI</a:t>
-            </a:r>
-          </a:p>
-          <a:p>
-            <a:pPr lvl="1">
-              <a:buFont typeface="Courier New" panose="020B0604020202020204" pitchFamily="34" charset="0"/>
-              <a:buChar char="o"/>
+            <a:pPr marL="0" indent="0">
+              <a:buNone/>
             </a:pPr>
-            <a:r>
-              <a:rPr lang="de-DE" sz="2000" dirty="0">
-                <a:ea typeface="+mn-lt"/>
-                <a:cs typeface="+mn-lt"/>
-              </a:rPr>
-              <a:t>Nothing </a:t>
-            </a:r>
-            <a:r>
-              <a:rPr lang="de-DE" sz="2000" err="1">
-                <a:ea typeface="+mn-lt"/>
-                <a:cs typeface="+mn-lt"/>
-              </a:rPr>
-              <a:t>prevents</a:t>
-            </a:r>
-            <a:r>
-              <a:rPr lang="de-DE" sz="2000" dirty="0">
-                <a:ea typeface="+mn-lt"/>
-                <a:cs typeface="+mn-lt"/>
-              </a:rPr>
-              <a:t> </a:t>
-            </a:r>
-            <a:r>
-              <a:rPr lang="de-DE" sz="2000" err="1">
-                <a:ea typeface="+mn-lt"/>
-                <a:cs typeface="+mn-lt"/>
-              </a:rPr>
-              <a:t>the</a:t>
-            </a:r>
-            <a:r>
-              <a:rPr lang="de-DE" sz="2000" dirty="0">
-                <a:ea typeface="+mn-lt"/>
-                <a:cs typeface="+mn-lt"/>
-              </a:rPr>
-              <a:t> </a:t>
-            </a:r>
-            <a:r>
-              <a:rPr lang="de-DE" sz="2000" err="1">
-                <a:ea typeface="+mn-lt"/>
-                <a:cs typeface="+mn-lt"/>
-              </a:rPr>
-              <a:t>user</a:t>
-            </a:r>
-            <a:r>
-              <a:rPr lang="de-DE" sz="2000" dirty="0">
-                <a:ea typeface="+mn-lt"/>
-                <a:cs typeface="+mn-lt"/>
-              </a:rPr>
-              <a:t> </a:t>
-            </a:r>
-            <a:r>
-              <a:rPr lang="de-DE" sz="2000" err="1">
-                <a:ea typeface="+mn-lt"/>
-                <a:cs typeface="+mn-lt"/>
-              </a:rPr>
-              <a:t>from</a:t>
-            </a:r>
-            <a:r>
-              <a:rPr lang="de-DE" sz="2000" dirty="0">
-                <a:ea typeface="+mn-lt"/>
-                <a:cs typeface="+mn-lt"/>
-              </a:rPr>
-              <a:t> </a:t>
-            </a:r>
-            <a:r>
-              <a:rPr lang="de-DE" sz="2000" err="1">
-                <a:ea typeface="+mn-lt"/>
-                <a:cs typeface="+mn-lt"/>
-              </a:rPr>
-              <a:t>obtaining</a:t>
-            </a:r>
-            <a:r>
-              <a:rPr lang="de-DE" sz="2000" dirty="0">
-                <a:ea typeface="+mn-lt"/>
-                <a:cs typeface="+mn-lt"/>
-              </a:rPr>
-              <a:t> </a:t>
-            </a:r>
-            <a:r>
-              <a:rPr lang="de-DE" sz="2000" err="1">
-                <a:ea typeface="+mn-lt"/>
-                <a:cs typeface="+mn-lt"/>
-              </a:rPr>
-              <a:t>confidential</a:t>
-            </a:r>
-            <a:r>
-              <a:rPr lang="de-DE" sz="2000" dirty="0">
-                <a:ea typeface="+mn-lt"/>
-                <a:cs typeface="+mn-lt"/>
-              </a:rPr>
-              <a:t> </a:t>
-            </a:r>
-            <a:r>
-              <a:rPr lang="de-DE" sz="2000" err="1">
-                <a:ea typeface="+mn-lt"/>
-                <a:cs typeface="+mn-lt"/>
-              </a:rPr>
-              <a:t>information</a:t>
-            </a:r>
-            <a:r>
-              <a:rPr lang="de-DE" sz="2000" dirty="0">
-                <a:ea typeface="+mn-lt"/>
-                <a:cs typeface="+mn-lt"/>
-              </a:rPr>
-              <a:t> such </a:t>
-            </a:r>
-            <a:r>
-              <a:rPr lang="de-DE" sz="2000" err="1">
-                <a:ea typeface="+mn-lt"/>
-                <a:cs typeface="+mn-lt"/>
-              </a:rPr>
-              <a:t>as</a:t>
-            </a:r>
-            <a:r>
-              <a:rPr lang="de-DE" sz="2000" dirty="0">
-                <a:ea typeface="+mn-lt"/>
-                <a:cs typeface="+mn-lt"/>
-              </a:rPr>
-              <a:t> </a:t>
-            </a:r>
-            <a:r>
-              <a:rPr lang="de-DE" sz="2000" err="1">
-                <a:ea typeface="+mn-lt"/>
-                <a:cs typeface="+mn-lt"/>
-              </a:rPr>
-              <a:t>passwords</a:t>
-            </a:r>
-            <a:r>
-              <a:rPr lang="de-DE" sz="2000" dirty="0">
-                <a:ea typeface="+mn-lt"/>
-                <a:cs typeface="+mn-lt"/>
-              </a:rPr>
-              <a:t>, email </a:t>
-            </a:r>
-            <a:r>
-              <a:rPr lang="de-DE" sz="2000" err="1">
-                <a:ea typeface="+mn-lt"/>
-                <a:cs typeface="+mn-lt"/>
-              </a:rPr>
-              <a:t>addresses</a:t>
-            </a:r>
-            <a:r>
-              <a:rPr lang="de-DE" sz="2000" dirty="0">
-                <a:ea typeface="+mn-lt"/>
-                <a:cs typeface="+mn-lt"/>
-              </a:rPr>
-              <a:t> </a:t>
-            </a:r>
-            <a:r>
-              <a:rPr lang="de-DE" sz="2000" err="1">
-                <a:ea typeface="+mn-lt"/>
-                <a:cs typeface="+mn-lt"/>
-              </a:rPr>
-              <a:t>or</a:t>
-            </a:r>
-            <a:r>
-              <a:rPr lang="de-DE" sz="2000" dirty="0">
-                <a:ea typeface="+mn-lt"/>
-                <a:cs typeface="+mn-lt"/>
-              </a:rPr>
-              <a:t> </a:t>
-            </a:r>
-            <a:r>
-              <a:rPr lang="de-DE" sz="2000" err="1">
-                <a:ea typeface="+mn-lt"/>
-                <a:cs typeface="+mn-lt"/>
-              </a:rPr>
-              <a:t>other</a:t>
-            </a:r>
-            <a:r>
-              <a:rPr lang="de-DE" sz="2000" dirty="0">
-                <a:ea typeface="+mn-lt"/>
-                <a:cs typeface="+mn-lt"/>
-              </a:rPr>
-              <a:t> </a:t>
-            </a:r>
-            <a:r>
-              <a:rPr lang="de-DE" sz="2000" err="1">
-                <a:ea typeface="+mn-lt"/>
-                <a:cs typeface="+mn-lt"/>
-              </a:rPr>
-              <a:t>criteria</a:t>
-            </a:r>
-            <a:endParaRPr lang="de-DE" sz="2000">
+            <a:endParaRPr lang="de-DE" sz="2600" dirty="0">
               <a:ea typeface="+mn-lt"/>
               <a:cs typeface="+mn-lt"/>
             </a:endParaRPr>
-          </a:p>
-          <a:p>
-            <a:pPr lvl="2">
-              <a:buFont typeface="Wingdings" panose="020B0604020202020204" pitchFamily="34" charset="0"/>
-              <a:buChar char="§"/>
-            </a:pPr>
-            <a:r>
-              <a:rPr lang="de-DE" sz="1600" dirty="0">
-                <a:ea typeface="+mn-lt"/>
-                <a:cs typeface="+mn-lt"/>
-              </a:rPr>
-              <a:t>Like </a:t>
-            </a:r>
-            <a:r>
-              <a:rPr lang="de-DE" sz="1600" b="1" dirty="0">
-                <a:ea typeface="+mn-lt"/>
-                <a:cs typeface="+mn-lt"/>
-              </a:rPr>
-              <a:t>SQL </a:t>
-            </a:r>
-            <a:r>
-              <a:rPr lang="de-DE" sz="1600" b="1" err="1">
-                <a:ea typeface="+mn-lt"/>
-                <a:cs typeface="+mn-lt"/>
-              </a:rPr>
-              <a:t>injections</a:t>
-            </a:r>
-            <a:r>
-              <a:rPr lang="de-DE" sz="1600" b="1" dirty="0">
-                <a:ea typeface="+mn-lt"/>
-                <a:cs typeface="+mn-lt"/>
-              </a:rPr>
-              <a:t>,</a:t>
-            </a:r>
-            <a:r>
-              <a:rPr lang="de-DE" sz="1600" dirty="0">
-                <a:ea typeface="+mn-lt"/>
-                <a:cs typeface="+mn-lt"/>
-              </a:rPr>
-              <a:t> but </a:t>
-            </a:r>
-            <a:r>
-              <a:rPr lang="de-DE" sz="1600" err="1">
-                <a:ea typeface="+mn-lt"/>
-                <a:cs typeface="+mn-lt"/>
-              </a:rPr>
-              <a:t>even</a:t>
-            </a:r>
-            <a:r>
-              <a:rPr lang="de-DE" sz="1600" dirty="0">
-                <a:ea typeface="+mn-lt"/>
-                <a:cs typeface="+mn-lt"/>
-              </a:rPr>
-              <a:t> </a:t>
-            </a:r>
-            <a:r>
-              <a:rPr lang="de-DE" sz="1600" err="1">
-                <a:ea typeface="+mn-lt"/>
-                <a:cs typeface="+mn-lt"/>
-              </a:rPr>
-              <a:t>worse</a:t>
-            </a:r>
-            <a:r>
-              <a:rPr lang="de-DE" sz="1600" dirty="0">
-                <a:ea typeface="+mn-lt"/>
-                <a:cs typeface="+mn-lt"/>
-              </a:rPr>
-              <a:t>, </a:t>
-            </a:r>
-            <a:r>
-              <a:rPr lang="de-DE" sz="1600" err="1">
-                <a:ea typeface="+mn-lt"/>
-                <a:cs typeface="+mn-lt"/>
-              </a:rPr>
-              <a:t>because</a:t>
-            </a:r>
-            <a:r>
-              <a:rPr lang="de-DE" sz="1600" dirty="0">
-                <a:ea typeface="+mn-lt"/>
-                <a:cs typeface="+mn-lt"/>
-              </a:rPr>
-              <a:t> </a:t>
-            </a:r>
-            <a:r>
-              <a:rPr lang="de-DE" sz="1600" err="1">
-                <a:ea typeface="+mn-lt"/>
-                <a:cs typeface="+mn-lt"/>
-              </a:rPr>
-              <a:t>it</a:t>
-            </a:r>
-            <a:r>
-              <a:rPr lang="de-DE" sz="1600" dirty="0">
-                <a:ea typeface="+mn-lt"/>
-                <a:cs typeface="+mn-lt"/>
-              </a:rPr>
-              <a:t> </a:t>
-            </a:r>
-            <a:r>
-              <a:rPr lang="de-DE" sz="1600" err="1">
-                <a:ea typeface="+mn-lt"/>
-                <a:cs typeface="+mn-lt"/>
-              </a:rPr>
-              <a:t>can</a:t>
-            </a:r>
-            <a:r>
-              <a:rPr lang="de-DE" sz="1600" dirty="0">
-                <a:ea typeface="+mn-lt"/>
-                <a:cs typeface="+mn-lt"/>
-              </a:rPr>
-              <a:t> </a:t>
-            </a:r>
-            <a:r>
-              <a:rPr lang="de-DE" sz="1600" err="1">
-                <a:ea typeface="+mn-lt"/>
-                <a:cs typeface="+mn-lt"/>
-              </a:rPr>
-              <a:t>now</a:t>
-            </a:r>
-            <a:r>
-              <a:rPr lang="de-DE" sz="1600" dirty="0">
-                <a:ea typeface="+mn-lt"/>
-                <a:cs typeface="+mn-lt"/>
-              </a:rPr>
-              <a:t> </a:t>
-            </a:r>
-            <a:r>
-              <a:rPr lang="de-DE" sz="1600" err="1">
-                <a:ea typeface="+mn-lt"/>
-                <a:cs typeface="+mn-lt"/>
-              </a:rPr>
-              <a:t>be</a:t>
-            </a:r>
-            <a:r>
-              <a:rPr lang="de-DE" sz="1600" dirty="0">
-                <a:ea typeface="+mn-lt"/>
-                <a:cs typeface="+mn-lt"/>
-              </a:rPr>
-              <a:t> </a:t>
-            </a:r>
-            <a:r>
-              <a:rPr lang="de-DE" sz="1600" err="1">
-                <a:ea typeface="+mn-lt"/>
-                <a:cs typeface="+mn-lt"/>
-              </a:rPr>
-              <a:t>done</a:t>
-            </a:r>
-            <a:r>
-              <a:rPr lang="de-DE" sz="1600" dirty="0">
-                <a:ea typeface="+mn-lt"/>
-                <a:cs typeface="+mn-lt"/>
-              </a:rPr>
-              <a:t> </a:t>
-            </a:r>
-            <a:r>
-              <a:rPr lang="de-DE" sz="1600" err="1">
-                <a:ea typeface="+mn-lt"/>
-                <a:cs typeface="+mn-lt"/>
-              </a:rPr>
-              <a:t>by</a:t>
-            </a:r>
-            <a:r>
-              <a:rPr lang="de-DE" sz="1600" dirty="0">
-                <a:ea typeface="+mn-lt"/>
-                <a:cs typeface="+mn-lt"/>
-              </a:rPr>
-              <a:t> </a:t>
-            </a:r>
-            <a:r>
-              <a:rPr lang="de-DE" sz="1600" err="1">
-                <a:ea typeface="+mn-lt"/>
-                <a:cs typeface="+mn-lt"/>
-              </a:rPr>
-              <a:t>users</a:t>
-            </a:r>
-            <a:r>
-              <a:rPr lang="de-DE" sz="1600" dirty="0">
-                <a:ea typeface="+mn-lt"/>
-                <a:cs typeface="+mn-lt"/>
-              </a:rPr>
-              <a:t> </a:t>
-            </a:r>
-            <a:r>
-              <a:rPr lang="de-DE" sz="1600" err="1">
-                <a:ea typeface="+mn-lt"/>
-                <a:cs typeface="+mn-lt"/>
-              </a:rPr>
-              <a:t>with</a:t>
-            </a:r>
-            <a:r>
-              <a:rPr lang="de-DE" sz="1600" dirty="0">
-                <a:ea typeface="+mn-lt"/>
-                <a:cs typeface="+mn-lt"/>
-              </a:rPr>
-              <a:t> </a:t>
-            </a:r>
-            <a:r>
-              <a:rPr lang="de-DE" sz="1600" err="1">
-                <a:ea typeface="+mn-lt"/>
-                <a:cs typeface="+mn-lt"/>
-              </a:rPr>
-              <a:t>no</a:t>
-            </a:r>
-            <a:r>
-              <a:rPr lang="de-DE" sz="1600" dirty="0">
-                <a:ea typeface="+mn-lt"/>
-                <a:cs typeface="+mn-lt"/>
-              </a:rPr>
-              <a:t> </a:t>
-            </a:r>
-            <a:r>
-              <a:rPr lang="de-DE" sz="1600" err="1">
-                <a:ea typeface="+mn-lt"/>
-                <a:cs typeface="+mn-lt"/>
-              </a:rPr>
-              <a:t>knowledge</a:t>
-            </a:r>
-            <a:r>
-              <a:rPr lang="de-DE" sz="1600" dirty="0">
-                <a:ea typeface="+mn-lt"/>
-                <a:cs typeface="+mn-lt"/>
-              </a:rPr>
-              <a:t> </a:t>
-            </a:r>
-            <a:r>
-              <a:rPr lang="de-DE" sz="1600" err="1">
-                <a:ea typeface="+mn-lt"/>
-                <a:cs typeface="+mn-lt"/>
-              </a:rPr>
-              <a:t>of</a:t>
-            </a:r>
-            <a:r>
-              <a:rPr lang="de-DE" sz="1600" dirty="0">
-                <a:ea typeface="+mn-lt"/>
-                <a:cs typeface="+mn-lt"/>
-              </a:rPr>
-              <a:t> SQL at all</a:t>
-            </a:r>
-            <a:endParaRPr lang="de-DE" sz="1600" b="1" dirty="0">
-              <a:ea typeface="+mn-lt"/>
-              <a:cs typeface="+mn-lt"/>
-            </a:endParaRPr>
-          </a:p>
-          <a:p>
-            <a:pPr lvl="1">
-              <a:buFont typeface="Courier New" panose="020B0604020202020204" pitchFamily="34" charset="0"/>
-              <a:buChar char="o"/>
-            </a:pPr>
-            <a:r>
-              <a:rPr lang="de-DE" sz="2000" dirty="0">
-                <a:ea typeface="+mn-lt"/>
-                <a:cs typeface="+mn-lt"/>
-              </a:rPr>
-              <a:t>Never</a:t>
-            </a:r>
-            <a:r>
-              <a:rPr lang="de-DE" sz="2000" dirty="0"/>
-              <a:t> </a:t>
-            </a:r>
-            <a:r>
-              <a:rPr lang="de-DE" sz="2000" err="1"/>
-              <a:t>disclose</a:t>
-            </a:r>
-            <a:r>
-              <a:rPr lang="de-DE" sz="2000" dirty="0"/>
-              <a:t> </a:t>
-            </a:r>
-            <a:r>
-              <a:rPr lang="de-DE" sz="2000" err="1"/>
-              <a:t>confidential</a:t>
-            </a:r>
-            <a:r>
-              <a:rPr lang="de-DE" sz="2000" dirty="0"/>
-              <a:t> </a:t>
-            </a:r>
-            <a:r>
-              <a:rPr lang="de-DE" sz="2000" err="1"/>
-              <a:t>data</a:t>
-            </a:r>
-            <a:r>
-              <a:rPr lang="de-DE" sz="2000" dirty="0"/>
-              <a:t> </a:t>
-            </a:r>
-            <a:endParaRPr lang="de-DE" dirty="0"/>
-          </a:p>
-          <a:p>
-            <a:pPr lvl="1">
-              <a:buFont typeface="Courier New" panose="020B0604020202020204" pitchFamily="34" charset="0"/>
-              <a:buChar char="o"/>
-            </a:pPr>
-            <a:r>
-              <a:rPr lang="de-DE" sz="2000" err="1">
-                <a:ea typeface="+mn-lt"/>
-                <a:cs typeface="+mn-lt"/>
-              </a:rPr>
-              <a:t>should</a:t>
-            </a:r>
-            <a:r>
-              <a:rPr lang="de-DE" sz="2000" dirty="0">
-                <a:ea typeface="+mn-lt"/>
-                <a:cs typeface="+mn-lt"/>
-              </a:rPr>
-              <a:t> not </a:t>
-            </a:r>
-            <a:r>
-              <a:rPr lang="de-DE" sz="2000" err="1">
-                <a:ea typeface="+mn-lt"/>
-                <a:cs typeface="+mn-lt"/>
-              </a:rPr>
-              <a:t>generate</a:t>
-            </a:r>
-            <a:r>
-              <a:rPr lang="de-DE" sz="2000" dirty="0">
-                <a:ea typeface="+mn-lt"/>
-                <a:cs typeface="+mn-lt"/>
-              </a:rPr>
-              <a:t> </a:t>
-            </a:r>
-            <a:r>
-              <a:rPr lang="de-DE" sz="2000" err="1">
-                <a:ea typeface="+mn-lt"/>
-                <a:cs typeface="+mn-lt"/>
-              </a:rPr>
-              <a:t>sql</a:t>
-            </a:r>
-            <a:r>
-              <a:rPr lang="de-DE" sz="2000" dirty="0">
-                <a:ea typeface="+mn-lt"/>
-                <a:cs typeface="+mn-lt"/>
-              </a:rPr>
-              <a:t> like </a:t>
-            </a:r>
-            <a:r>
-              <a:rPr lang="de-DE" sz="2000" err="1">
-                <a:ea typeface="+mn-lt"/>
-                <a:cs typeface="+mn-lt"/>
-              </a:rPr>
-              <a:t>the</a:t>
-            </a:r>
-            <a:r>
-              <a:rPr lang="de-DE" sz="2000" dirty="0">
-                <a:ea typeface="+mn-lt"/>
-                <a:cs typeface="+mn-lt"/>
-              </a:rPr>
-              <a:t> "</a:t>
-            </a:r>
-            <a:r>
-              <a:rPr lang="de-DE" sz="2000" err="1">
-                <a:ea typeface="+mn-lt"/>
-                <a:cs typeface="+mn-lt"/>
-              </a:rPr>
-              <a:t>select</a:t>
-            </a:r>
-            <a:r>
-              <a:rPr lang="de-DE" sz="2000" dirty="0">
-                <a:ea typeface="+mn-lt"/>
-                <a:cs typeface="+mn-lt"/>
-              </a:rPr>
-              <a:t> </a:t>
-            </a:r>
-            <a:r>
-              <a:rPr lang="de-DE" sz="2000" err="1">
-                <a:ea typeface="+mn-lt"/>
-                <a:cs typeface="+mn-lt"/>
-              </a:rPr>
-              <a:t>username</a:t>
-            </a:r>
-            <a:r>
-              <a:rPr lang="de-DE" sz="2000" dirty="0">
-                <a:ea typeface="+mn-lt"/>
-                <a:cs typeface="+mn-lt"/>
-              </a:rPr>
-              <a:t>, </a:t>
-            </a:r>
-            <a:r>
-              <a:rPr lang="de-DE" sz="2000" err="1">
-                <a:ea typeface="+mn-lt"/>
-                <a:cs typeface="+mn-lt"/>
-              </a:rPr>
-              <a:t>password</a:t>
-            </a:r>
-            <a:r>
-              <a:rPr lang="de-DE" sz="2000" dirty="0">
-                <a:ea typeface="+mn-lt"/>
-                <a:cs typeface="+mn-lt"/>
-              </a:rPr>
-              <a:t> </a:t>
-            </a:r>
-            <a:r>
-              <a:rPr lang="de-DE" sz="2000" err="1">
-                <a:ea typeface="+mn-lt"/>
-                <a:cs typeface="+mn-lt"/>
-              </a:rPr>
-              <a:t>from</a:t>
-            </a:r>
-            <a:r>
-              <a:rPr lang="de-DE" sz="2000" dirty="0">
-                <a:ea typeface="+mn-lt"/>
-                <a:cs typeface="+mn-lt"/>
-              </a:rPr>
-              <a:t> </a:t>
-            </a:r>
-            <a:r>
-              <a:rPr lang="de-DE" sz="2000" err="1">
-                <a:ea typeface="+mn-lt"/>
-                <a:cs typeface="+mn-lt"/>
-              </a:rPr>
-              <a:t>customer</a:t>
-            </a:r>
-            <a:r>
-              <a:rPr lang="de-DE" sz="2000" dirty="0">
-                <a:ea typeface="+mn-lt"/>
-                <a:cs typeface="+mn-lt"/>
-              </a:rPr>
-              <a:t>"</a:t>
-            </a:r>
           </a:p>
           <a:p>
             <a:pPr lvl="1">
@@ -7756,16 +10226,44 @@
                 <a:ea typeface="+mj-lt"/>
                 <a:cs typeface="+mj-lt"/>
               </a:rPr>
-              <a:t>Spider </a:t>
+              <a:t>Focus </a:t>
             </a:r>
             <a:r>
               <a:rPr lang="de-DE" b="1" err="1">
                 <a:ea typeface="+mj-lt"/>
                 <a:cs typeface="+mj-lt"/>
               </a:rPr>
-              <a:t>dataset</a:t>
-            </a:r>
-            <a:endParaRPr lang="de-DE" b="1"/>
+              <a:t>of</a:t>
+            </a:r>
+            <a:r>
+              <a:rPr lang="de-DE" b="1" dirty="0">
+                <a:ea typeface="+mj-lt"/>
+                <a:cs typeface="+mj-lt"/>
+              </a:rPr>
+              <a:t> </a:t>
+            </a:r>
+            <a:r>
+              <a:rPr lang="de-DE" b="1" err="1">
+                <a:ea typeface="+mj-lt"/>
+                <a:cs typeface="+mj-lt"/>
+              </a:rPr>
+              <a:t>our</a:t>
+            </a:r>
+            <a:r>
+              <a:rPr lang="de-DE" b="1" dirty="0">
+                <a:ea typeface="+mj-lt"/>
+                <a:cs typeface="+mj-lt"/>
+              </a:rPr>
+              <a:t> </a:t>
+            </a:r>
+            <a:r>
+              <a:rPr lang="de-DE" b="1" err="1">
+                <a:ea typeface="+mj-lt"/>
+                <a:cs typeface="+mj-lt"/>
+              </a:rPr>
+              <a:t>project</a:t>
+            </a:r>
+            <a:endParaRPr lang="de-DE" b="1" err="1"/>
           </a:p>
         </p:txBody>
       </p:sp>
@@ -7792,6 +10290,1653 @@
           </a:bodyPr>
           <a:lstStyle/>
           <a:p>
+            <a:r>
+              <a:rPr lang="de-DE" sz="2600" err="1">
+                <a:ea typeface="+mn-lt"/>
+                <a:cs typeface="+mn-lt"/>
+              </a:rPr>
+              <a:t>instead</a:t>
+            </a:r>
+            <a:r>
+              <a:rPr lang="de-DE" sz="2600" dirty="0">
+                <a:ea typeface="+mn-lt"/>
+                <a:cs typeface="+mn-lt"/>
+              </a:rPr>
+              <a:t> </a:t>
+            </a:r>
+            <a:r>
+              <a:rPr lang="de-DE" sz="2600" err="1">
+                <a:ea typeface="+mn-lt"/>
+                <a:cs typeface="+mn-lt"/>
+              </a:rPr>
+              <a:t>of</a:t>
+            </a:r>
+            <a:r>
+              <a:rPr lang="de-DE" sz="2600" dirty="0">
+                <a:ea typeface="+mn-lt"/>
+                <a:cs typeface="+mn-lt"/>
+              </a:rPr>
+              <a:t> </a:t>
+            </a:r>
+            <a:r>
+              <a:rPr lang="de-DE" sz="2600" err="1">
+                <a:ea typeface="+mn-lt"/>
+                <a:cs typeface="+mn-lt"/>
+              </a:rPr>
+              <a:t>using</a:t>
+            </a:r>
+            <a:r>
+              <a:rPr lang="de-DE" sz="2600" dirty="0">
+                <a:ea typeface="+mn-lt"/>
+                <a:cs typeface="+mn-lt"/>
+              </a:rPr>
+              <a:t> </a:t>
+            </a:r>
+            <a:r>
+              <a:rPr lang="de-DE" sz="2600" err="1">
+                <a:ea typeface="+mn-lt"/>
+                <a:cs typeface="+mn-lt"/>
+              </a:rPr>
+              <a:t>already</a:t>
+            </a:r>
+            <a:r>
+              <a:rPr lang="de-DE" sz="2600" dirty="0">
+                <a:ea typeface="+mn-lt"/>
+                <a:cs typeface="+mn-lt"/>
+              </a:rPr>
+              <a:t> </a:t>
+            </a:r>
+            <a:r>
+              <a:rPr lang="de-DE" sz="2600" err="1">
+                <a:ea typeface="+mn-lt"/>
+                <a:cs typeface="+mn-lt"/>
+              </a:rPr>
+              <a:t>defined</a:t>
+            </a:r>
+            <a:r>
+              <a:rPr lang="de-DE" sz="2600" dirty="0">
+                <a:ea typeface="+mn-lt"/>
+                <a:cs typeface="+mn-lt"/>
+              </a:rPr>
+              <a:t> </a:t>
+            </a:r>
+            <a:r>
+              <a:rPr lang="de-DE" sz="2600" err="1">
+                <a:ea typeface="+mn-lt"/>
+                <a:cs typeface="+mn-lt"/>
+              </a:rPr>
+              <a:t>templates</a:t>
+            </a:r>
+            <a:r>
+              <a:rPr lang="de-DE" sz="2600" dirty="0">
+                <a:ea typeface="+mn-lt"/>
+                <a:cs typeface="+mn-lt"/>
+              </a:rPr>
+              <a:t> </a:t>
+            </a:r>
+            <a:r>
+              <a:rPr lang="de-DE" sz="2600" err="1">
+                <a:ea typeface="+mn-lt"/>
+                <a:cs typeface="+mn-lt"/>
+              </a:rPr>
+              <a:t>we</a:t>
+            </a:r>
+            <a:r>
+              <a:rPr lang="de-DE" sz="2600" dirty="0">
+                <a:ea typeface="+mn-lt"/>
+                <a:cs typeface="+mn-lt"/>
+              </a:rPr>
+              <a:t> </a:t>
+            </a:r>
+            <a:r>
+              <a:rPr lang="de-DE" sz="2600" err="1">
+                <a:ea typeface="+mn-lt"/>
+                <a:cs typeface="+mn-lt"/>
+              </a:rPr>
+              <a:t>want</a:t>
+            </a:r>
+            <a:r>
+              <a:rPr lang="de-DE" sz="2600" dirty="0">
+                <a:ea typeface="+mn-lt"/>
+                <a:cs typeface="+mn-lt"/>
+              </a:rPr>
+              <a:t> </a:t>
+            </a:r>
+            <a:r>
+              <a:rPr lang="de-DE" sz="2600" err="1">
+                <a:ea typeface="+mn-lt"/>
+                <a:cs typeface="+mn-lt"/>
+              </a:rPr>
+              <a:t>to</a:t>
+            </a:r>
+            <a:r>
+              <a:rPr lang="de-DE" sz="2600" dirty="0">
+                <a:ea typeface="+mn-lt"/>
+                <a:cs typeface="+mn-lt"/>
+              </a:rPr>
+              <a:t> </a:t>
+            </a:r>
+            <a:r>
+              <a:rPr lang="de-DE" sz="2600" err="1">
+                <a:ea typeface="+mn-lt"/>
+                <a:cs typeface="+mn-lt"/>
+              </a:rPr>
+              <a:t>create</a:t>
+            </a:r>
+            <a:r>
+              <a:rPr lang="de-DE" sz="2600" dirty="0">
+                <a:ea typeface="+mn-lt"/>
+                <a:cs typeface="+mn-lt"/>
+              </a:rPr>
+              <a:t> </a:t>
+            </a:r>
+            <a:r>
+              <a:rPr lang="de-DE" sz="2600" err="1">
+                <a:ea typeface="+mn-lt"/>
+                <a:cs typeface="+mn-lt"/>
+              </a:rPr>
+              <a:t>sql</a:t>
+            </a:r>
+            <a:r>
+              <a:rPr lang="de-DE" sz="2600" dirty="0">
+                <a:ea typeface="+mn-lt"/>
+                <a:cs typeface="+mn-lt"/>
+              </a:rPr>
+              <a:t> </a:t>
+            </a:r>
+            <a:r>
+              <a:rPr lang="de-DE" sz="2600" err="1">
+                <a:ea typeface="+mn-lt"/>
+                <a:cs typeface="+mn-lt"/>
+              </a:rPr>
+              <a:t>queries</a:t>
+            </a:r>
+            <a:r>
+              <a:rPr lang="de-DE" sz="2600" dirty="0">
+                <a:ea typeface="+mn-lt"/>
+                <a:cs typeface="+mn-lt"/>
+              </a:rPr>
+              <a:t> </a:t>
+            </a:r>
+            <a:r>
+              <a:rPr lang="de-DE" sz="2600" err="1">
+                <a:ea typeface="+mn-lt"/>
+                <a:cs typeface="+mn-lt"/>
+              </a:rPr>
+              <a:t>dynamically</a:t>
+            </a:r>
+            <a:r>
+              <a:rPr lang="de-DE" sz="2600" dirty="0">
+                <a:ea typeface="+mn-lt"/>
+                <a:cs typeface="+mn-lt"/>
+              </a:rPr>
+              <a:t> </a:t>
+            </a:r>
+            <a:r>
+              <a:rPr lang="de-DE" sz="2600" err="1">
+                <a:ea typeface="+mn-lt"/>
+                <a:cs typeface="+mn-lt"/>
+              </a:rPr>
+              <a:t>with</a:t>
+            </a:r>
+            <a:r>
+              <a:rPr lang="de-DE" sz="2600" dirty="0">
+                <a:ea typeface="+mn-lt"/>
+                <a:cs typeface="+mn-lt"/>
+              </a:rPr>
+              <a:t> ML and </a:t>
+            </a:r>
+            <a:r>
+              <a:rPr lang="de-DE" sz="2600" err="1">
+                <a:ea typeface="+mn-lt"/>
+                <a:cs typeface="+mn-lt"/>
+              </a:rPr>
+              <a:t>identify</a:t>
+            </a:r>
+            <a:r>
+              <a:rPr lang="de-DE" sz="2600" dirty="0">
+                <a:ea typeface="+mn-lt"/>
+                <a:cs typeface="+mn-lt"/>
+              </a:rPr>
+              <a:t> </a:t>
+            </a:r>
+            <a:r>
+              <a:rPr lang="de-DE" sz="2600" err="1">
+                <a:ea typeface="+mn-lt"/>
+                <a:cs typeface="+mn-lt"/>
+              </a:rPr>
+              <a:t>users</a:t>
+            </a:r>
+            <a:r>
+              <a:rPr lang="de-DE" sz="2600" dirty="0">
+                <a:ea typeface="+mn-lt"/>
+                <a:cs typeface="+mn-lt"/>
+              </a:rPr>
+              <a:t> </a:t>
+            </a:r>
+            <a:r>
+              <a:rPr lang="de-DE" sz="2600" err="1">
+                <a:ea typeface="+mn-lt"/>
+                <a:cs typeface="+mn-lt"/>
+              </a:rPr>
+              <a:t>needs</a:t>
+            </a:r>
+            <a:r>
+              <a:rPr lang="de-DE" sz="2600" dirty="0">
+                <a:ea typeface="+mn-lt"/>
+                <a:cs typeface="+mn-lt"/>
+              </a:rPr>
+              <a:t>/</a:t>
+            </a:r>
+            <a:r>
+              <a:rPr lang="de-DE" sz="2600" err="1">
+                <a:ea typeface="+mn-lt"/>
+                <a:cs typeface="+mn-lt"/>
+              </a:rPr>
+              <a:t>feedback</a:t>
+            </a:r>
+            <a:r>
+              <a:rPr lang="de-DE" sz="2600" dirty="0">
+                <a:ea typeface="+mn-lt"/>
+                <a:cs typeface="+mn-lt"/>
+              </a:rPr>
+              <a:t> </a:t>
+            </a:r>
+            <a:r>
+              <a:rPr lang="de-DE" sz="2600" err="1">
+                <a:ea typeface="+mn-lt"/>
+                <a:cs typeface="+mn-lt"/>
+              </a:rPr>
+              <a:t>with</a:t>
+            </a:r>
+            <a:r>
+              <a:rPr lang="de-DE" sz="2600" dirty="0">
+                <a:ea typeface="+mn-lt"/>
+                <a:cs typeface="+mn-lt"/>
+              </a:rPr>
+              <a:t> </a:t>
+            </a:r>
+            <a:r>
+              <a:rPr lang="de-DE" sz="2600" err="1">
+                <a:ea typeface="+mn-lt"/>
+                <a:cs typeface="+mn-lt"/>
+              </a:rPr>
+              <a:t>regards</a:t>
+            </a:r>
+            <a:r>
+              <a:rPr lang="de-DE" sz="2600" dirty="0">
+                <a:ea typeface="+mn-lt"/>
+                <a:cs typeface="+mn-lt"/>
+              </a:rPr>
+              <a:t> </a:t>
+            </a:r>
+            <a:r>
+              <a:rPr lang="de-DE" sz="2600" err="1">
+                <a:ea typeface="+mn-lt"/>
+                <a:cs typeface="+mn-lt"/>
+              </a:rPr>
+              <a:t>to</a:t>
+            </a:r>
+            <a:r>
+              <a:rPr lang="de-DE" sz="2600" dirty="0">
+                <a:ea typeface="+mn-lt"/>
+                <a:cs typeface="+mn-lt"/>
+              </a:rPr>
+              <a:t> such an AI-System</a:t>
+            </a:r>
+          </a:p>
+          <a:p>
+            <a:r>
+              <a:rPr lang="de-DE" sz="2600" dirty="0" err="1"/>
+              <a:t>Applicable</a:t>
+            </a:r>
+            <a:r>
+              <a:rPr lang="de-DE" sz="2600" dirty="0"/>
+              <a:t> on real-</a:t>
+            </a:r>
+            <a:r>
+              <a:rPr lang="de-DE" sz="2600" dirty="0" err="1"/>
+              <a:t>world</a:t>
+            </a:r>
+            <a:r>
+              <a:rPr lang="de-DE" sz="2600" dirty="0"/>
+              <a:t> </a:t>
+            </a:r>
+            <a:r>
+              <a:rPr lang="de-DE" sz="2600" dirty="0" err="1"/>
+              <a:t>problems</a:t>
+            </a:r>
+          </a:p>
+          <a:p>
+            <a:pPr lvl="1">
+              <a:buFont typeface="Courier New" panose="020B0604020202020204" pitchFamily="34" charset="0"/>
+              <a:buChar char="o"/>
+            </a:pPr>
+            <a:endParaRPr lang="de-DE" sz="1800" dirty="0">
+              <a:ea typeface="+mn-lt"/>
+              <a:cs typeface="+mn-lt"/>
+            </a:endParaRPr>
+          </a:p>
+          <a:p>
+            <a:endParaRPr lang="de-DE" dirty="0"/>
+          </a:p>
+          <a:p>
+            <a:pPr lvl="1">
+              <a:buFont typeface="Courier New" panose="020B0604020202020204" pitchFamily="34" charset="0"/>
+              <a:buChar char="o"/>
+            </a:pPr>
+            <a:endParaRPr lang="de-DE" dirty="0"/>
+          </a:p>
+          <a:p>
+            <a:pPr lvl="1">
+              <a:buFont typeface="Courier New" panose="020B0604020202020204" pitchFamily="34" charset="0"/>
+              <a:buChar char="o"/>
+            </a:pPr>
+            <a:endParaRPr lang="de-DE" dirty="0"/>
+          </a:p>
+          <a:p>
+            <a:endParaRPr lang="de-DE" dirty="0"/>
+          </a:p>
+        </p:txBody>
+      </p:sp>
+      <p:sp>
+        <p:nvSpPr>
+          <p:cNvPr id="4" name="Foliennummernplatzhalter 3">
+            <a:extLst>
+              <a:ext uri="{FF2B5EF4-FFF2-40B4-BE49-F238E27FC236}">
+                <a16:creationId xmlns:a16="http://schemas.microsoft.com/office/drawing/2014/main" id="{AE6FACCA-79B5-B362-7730-8EB6FE108809}"/>
+              </a:ext>
+            </a:extLst>
+          </p:cNvPr>
+          <p:cNvSpPr>
+            <a:spLocks noGrp="1"/>
+          </p:cNvSpPr>
+          <p:nvPr>
+            <p:ph type="sldNum" sz="quarter" idx="12"/>
+          </p:nvPr>
+        </p:nvSpPr>
+        <p:spPr/>
+        <p:txBody>
+          <a:bodyPr/>
+          <a:lstStyle/>
+          <a:p>
+            <a:fld id="{802006FE-6571-4354-8775-F8708372C227}" type="slidenum">
+              <a:rPr lang="de-DE" smtClean="0"/>
+              <a:t>6</a:t>
+            </a:fld>
+            <a:endParaRPr lang="de-DE"/>
+          </a:p>
+        </p:txBody>
+      </p:sp>
+      <p:pic>
+        <p:nvPicPr>
+          <p:cNvPr id="6" name="Grafik 5" descr="Ein Bild, das Text, Schrift, Grün, Screenshot enthält.&#10;&#10;Beschreibung automatisch generiert.">
+            <a:extLst>
+              <a:ext uri="{FF2B5EF4-FFF2-40B4-BE49-F238E27FC236}">
+                <a16:creationId xmlns:a16="http://schemas.microsoft.com/office/drawing/2014/main" id="{9CB7FCB3-8B3A-1427-28AC-E4408FCABA9E}"/>
+              </a:ext>
+            </a:extLst>
+          </p:cNvPr>
+          <p:cNvPicPr>
+            <a:picLocks noChangeAspect="1"/>
+          </p:cNvPicPr>
+          <p:nvPr/>
+        </p:nvPicPr>
+        <p:blipFill>
+          <a:blip r:embed="rId3"/>
+          <a:stretch>
+            <a:fillRect/>
+          </a:stretch>
+        </p:blipFill>
+        <p:spPr>
+          <a:xfrm>
+            <a:off x="-1" y="6264418"/>
+            <a:ext cx="2124365" cy="598346"/>
+          </a:xfrm>
+          <a:prstGeom prst="rect">
+            <a:avLst/>
+          </a:prstGeom>
+        </p:spPr>
+      </p:pic>
+    </p:spTree>
+    <p:extLst>
+      <p:ext uri="{BB962C8B-B14F-4D97-AF65-F5344CB8AC3E}">
+        <p14:creationId xmlns:p14="http://schemas.microsoft.com/office/powerpoint/2010/main" val="2043405876"/>
+      </p:ext>
+    </p:extLst>
+  </p:cSld>
+  <p:clrMapOvr>
+    <a:masterClrMapping/>
+  </p:clrMapOvr>
+</p:sld>
+</file>
+
+<file path=ppt/slides/slide7.xml><?xml version="1.0" encoding="utf-8"?>
+<p:sld xmlns:a="http://schemas.openxmlformats.org/drawingml/2006/main" xmlns:r="http://schemas.openxmlformats.org/officeDocument/2006/relationships" xmlns:p="http://schemas.openxmlformats.org/presentationml/2006/main">
+  <p:cSld>
+    <p:spTree>
+      <p:nvGrpSpPr>
+        <p:cNvPr id="1" name=""/>
+        <p:cNvGrpSpPr/>
+        <p:nvPr/>
+      </p:nvGrpSpPr>
+      <p:grpSpPr>
+        <a:xfrm>
+          <a:off x="0" y="0"/>
+          <a:ext cx="0" cy="0"/>
+          <a:chOff x="0" y="0"/>
+          <a:chExt cx="0" cy="0"/>
+        </a:xfrm>
+      </p:grpSpPr>
+      <p:sp>
+        <p:nvSpPr>
+          <p:cNvPr id="2" name="Titel 1">
+            <a:extLst>
+              <a:ext uri="{FF2B5EF4-FFF2-40B4-BE49-F238E27FC236}">
+                <a16:creationId xmlns:a16="http://schemas.microsoft.com/office/drawing/2014/main" id="{70B3C300-1A0F-B795-E337-E794F852EA4B}"/>
+              </a:ext>
+            </a:extLst>
+          </p:cNvPr>
+          <p:cNvSpPr>
+            <a:spLocks noGrp="1"/>
+          </p:cNvSpPr>
+          <p:nvPr>
+            <p:ph type="title"/>
+          </p:nvPr>
+        </p:nvSpPr>
+        <p:spPr/>
+        <p:txBody>
+          <a:bodyPr/>
+          <a:lstStyle/>
+          <a:p>
+            <a:r>
+              <a:rPr lang="de-DE" b="1" dirty="0">
+                <a:ea typeface="+mj-lt"/>
+                <a:cs typeface="+mj-lt"/>
+              </a:rPr>
+              <a:t>Focus </a:t>
+            </a:r>
+            <a:r>
+              <a:rPr lang="de-DE" b="1" err="1">
+                <a:ea typeface="+mj-lt"/>
+                <a:cs typeface="+mj-lt"/>
+              </a:rPr>
+              <a:t>of</a:t>
+            </a:r>
+            <a:r>
+              <a:rPr lang="de-DE" b="1" dirty="0">
+                <a:ea typeface="+mj-lt"/>
+                <a:cs typeface="+mj-lt"/>
+              </a:rPr>
+              <a:t> </a:t>
+            </a:r>
+            <a:r>
+              <a:rPr lang="de-DE" b="1" err="1">
+                <a:ea typeface="+mj-lt"/>
+                <a:cs typeface="+mj-lt"/>
+              </a:rPr>
+              <a:t>our</a:t>
+            </a:r>
+            <a:r>
+              <a:rPr lang="de-DE" b="1" dirty="0">
+                <a:ea typeface="+mj-lt"/>
+                <a:cs typeface="+mj-lt"/>
+              </a:rPr>
+              <a:t> </a:t>
+            </a:r>
+            <a:r>
+              <a:rPr lang="de-DE" b="1" err="1">
+                <a:ea typeface="+mj-lt"/>
+                <a:cs typeface="+mj-lt"/>
+              </a:rPr>
+              <a:t>project</a:t>
+            </a:r>
+            <a:endParaRPr lang="de-DE" b="1" err="1"/>
+          </a:p>
+        </p:txBody>
+      </p:sp>
+      <p:sp>
+        <p:nvSpPr>
+          <p:cNvPr id="3" name="Inhaltsplatzhalter 2">
+            <a:extLst>
+              <a:ext uri="{FF2B5EF4-FFF2-40B4-BE49-F238E27FC236}">
+                <a16:creationId xmlns:a16="http://schemas.microsoft.com/office/drawing/2014/main" id="{40C38B9F-DDAA-3671-515F-1B7FD78841B3}"/>
+              </a:ext>
+            </a:extLst>
+          </p:cNvPr>
+          <p:cNvSpPr>
+            <a:spLocks noGrp="1"/>
+          </p:cNvSpPr>
+          <p:nvPr>
+            <p:ph idx="1"/>
+          </p:nvPr>
+        </p:nvSpPr>
+        <p:spPr/>
+        <p:txBody>
+          <a:bodyPr vert="horz" lIns="91440" tIns="45720" rIns="91440" bIns="45720" rtlCol="0" anchor="t">
+            <a:normAutofit/>
+          </a:bodyPr>
+          <a:lstStyle/>
+          <a:p>
+            <a:r>
+              <a:rPr lang="de-DE" sz="2600" err="1">
+                <a:ea typeface="+mn-lt"/>
+                <a:cs typeface="+mn-lt"/>
+              </a:rPr>
+              <a:t>instead</a:t>
+            </a:r>
+            <a:r>
+              <a:rPr lang="de-DE" sz="2600" dirty="0">
+                <a:ea typeface="+mn-lt"/>
+                <a:cs typeface="+mn-lt"/>
+              </a:rPr>
+              <a:t> </a:t>
+            </a:r>
+            <a:r>
+              <a:rPr lang="de-DE" sz="2600" err="1">
+                <a:ea typeface="+mn-lt"/>
+                <a:cs typeface="+mn-lt"/>
+              </a:rPr>
+              <a:t>of</a:t>
+            </a:r>
+            <a:r>
+              <a:rPr lang="de-DE" sz="2600" dirty="0">
+                <a:ea typeface="+mn-lt"/>
+                <a:cs typeface="+mn-lt"/>
+              </a:rPr>
+              <a:t> </a:t>
+            </a:r>
+            <a:r>
+              <a:rPr lang="de-DE" sz="2600" err="1">
+                <a:ea typeface="+mn-lt"/>
+                <a:cs typeface="+mn-lt"/>
+              </a:rPr>
+              <a:t>using</a:t>
+            </a:r>
+            <a:r>
+              <a:rPr lang="de-DE" sz="2600" dirty="0">
+                <a:ea typeface="+mn-lt"/>
+                <a:cs typeface="+mn-lt"/>
+              </a:rPr>
+              <a:t> </a:t>
+            </a:r>
+            <a:r>
+              <a:rPr lang="de-DE" sz="2600" err="1">
+                <a:ea typeface="+mn-lt"/>
+                <a:cs typeface="+mn-lt"/>
+              </a:rPr>
+              <a:t>already</a:t>
+            </a:r>
+            <a:r>
+              <a:rPr lang="de-DE" sz="2600" dirty="0">
+                <a:ea typeface="+mn-lt"/>
+                <a:cs typeface="+mn-lt"/>
+              </a:rPr>
+              <a:t> </a:t>
+            </a:r>
+            <a:r>
+              <a:rPr lang="de-DE" sz="2600" err="1">
+                <a:ea typeface="+mn-lt"/>
+                <a:cs typeface="+mn-lt"/>
+              </a:rPr>
+              <a:t>defined</a:t>
+            </a:r>
+            <a:r>
+              <a:rPr lang="de-DE" sz="2600" dirty="0">
+                <a:ea typeface="+mn-lt"/>
+                <a:cs typeface="+mn-lt"/>
+              </a:rPr>
+              <a:t> </a:t>
+            </a:r>
+            <a:r>
+              <a:rPr lang="de-DE" sz="2600" err="1">
+                <a:ea typeface="+mn-lt"/>
+                <a:cs typeface="+mn-lt"/>
+              </a:rPr>
+              <a:t>templates</a:t>
+            </a:r>
+            <a:r>
+              <a:rPr lang="de-DE" sz="2600" dirty="0">
+                <a:ea typeface="+mn-lt"/>
+                <a:cs typeface="+mn-lt"/>
+              </a:rPr>
+              <a:t> </a:t>
+            </a:r>
+            <a:r>
+              <a:rPr lang="de-DE" sz="2600" err="1">
+                <a:ea typeface="+mn-lt"/>
+                <a:cs typeface="+mn-lt"/>
+              </a:rPr>
+              <a:t>we</a:t>
+            </a:r>
+            <a:r>
+              <a:rPr lang="de-DE" sz="2600" dirty="0">
+                <a:ea typeface="+mn-lt"/>
+                <a:cs typeface="+mn-lt"/>
+              </a:rPr>
+              <a:t> </a:t>
+            </a:r>
+            <a:r>
+              <a:rPr lang="de-DE" sz="2600" err="1">
+                <a:ea typeface="+mn-lt"/>
+                <a:cs typeface="+mn-lt"/>
+              </a:rPr>
+              <a:t>want</a:t>
+            </a:r>
+            <a:r>
+              <a:rPr lang="de-DE" sz="2600" dirty="0">
+                <a:ea typeface="+mn-lt"/>
+                <a:cs typeface="+mn-lt"/>
+              </a:rPr>
+              <a:t> </a:t>
+            </a:r>
+            <a:r>
+              <a:rPr lang="de-DE" sz="2600" err="1">
+                <a:ea typeface="+mn-lt"/>
+                <a:cs typeface="+mn-lt"/>
+              </a:rPr>
+              <a:t>to</a:t>
+            </a:r>
+            <a:r>
+              <a:rPr lang="de-DE" sz="2600" dirty="0">
+                <a:ea typeface="+mn-lt"/>
+                <a:cs typeface="+mn-lt"/>
+              </a:rPr>
+              <a:t> </a:t>
+            </a:r>
+            <a:r>
+              <a:rPr lang="de-DE" sz="2600" err="1">
+                <a:ea typeface="+mn-lt"/>
+                <a:cs typeface="+mn-lt"/>
+              </a:rPr>
+              <a:t>create</a:t>
+            </a:r>
+            <a:r>
+              <a:rPr lang="de-DE" sz="2600" dirty="0">
+                <a:ea typeface="+mn-lt"/>
+                <a:cs typeface="+mn-lt"/>
+              </a:rPr>
+              <a:t> </a:t>
+            </a:r>
+            <a:r>
+              <a:rPr lang="de-DE" sz="2600" err="1">
+                <a:ea typeface="+mn-lt"/>
+                <a:cs typeface="+mn-lt"/>
+              </a:rPr>
+              <a:t>sql</a:t>
+            </a:r>
+            <a:r>
+              <a:rPr lang="de-DE" sz="2600" dirty="0">
+                <a:ea typeface="+mn-lt"/>
+                <a:cs typeface="+mn-lt"/>
+              </a:rPr>
+              <a:t> </a:t>
+            </a:r>
+            <a:r>
+              <a:rPr lang="de-DE" sz="2600" err="1">
+                <a:ea typeface="+mn-lt"/>
+                <a:cs typeface="+mn-lt"/>
+              </a:rPr>
+              <a:t>queries</a:t>
+            </a:r>
+            <a:r>
+              <a:rPr lang="de-DE" sz="2600" dirty="0">
+                <a:ea typeface="+mn-lt"/>
+                <a:cs typeface="+mn-lt"/>
+              </a:rPr>
+              <a:t> </a:t>
+            </a:r>
+            <a:r>
+              <a:rPr lang="de-DE" sz="2600" err="1">
+                <a:ea typeface="+mn-lt"/>
+                <a:cs typeface="+mn-lt"/>
+              </a:rPr>
+              <a:t>dynamically</a:t>
+            </a:r>
+            <a:r>
+              <a:rPr lang="de-DE" sz="2600" dirty="0">
+                <a:ea typeface="+mn-lt"/>
+                <a:cs typeface="+mn-lt"/>
+              </a:rPr>
+              <a:t> </a:t>
+            </a:r>
+            <a:r>
+              <a:rPr lang="de-DE" sz="2600" err="1">
+                <a:ea typeface="+mn-lt"/>
+                <a:cs typeface="+mn-lt"/>
+              </a:rPr>
+              <a:t>with</a:t>
+            </a:r>
+            <a:r>
+              <a:rPr lang="de-DE" sz="2600" dirty="0">
+                <a:ea typeface="+mn-lt"/>
+                <a:cs typeface="+mn-lt"/>
+              </a:rPr>
+              <a:t> ML and </a:t>
+            </a:r>
+            <a:r>
+              <a:rPr lang="de-DE" sz="2600" err="1">
+                <a:ea typeface="+mn-lt"/>
+                <a:cs typeface="+mn-lt"/>
+              </a:rPr>
+              <a:t>identify</a:t>
+            </a:r>
+            <a:r>
+              <a:rPr lang="de-DE" sz="2600" dirty="0">
+                <a:ea typeface="+mn-lt"/>
+                <a:cs typeface="+mn-lt"/>
+              </a:rPr>
+              <a:t> </a:t>
+            </a:r>
+            <a:r>
+              <a:rPr lang="de-DE" sz="2600" err="1">
+                <a:ea typeface="+mn-lt"/>
+                <a:cs typeface="+mn-lt"/>
+              </a:rPr>
+              <a:t>users</a:t>
+            </a:r>
+            <a:r>
+              <a:rPr lang="de-DE" sz="2600" dirty="0">
+                <a:ea typeface="+mn-lt"/>
+                <a:cs typeface="+mn-lt"/>
+              </a:rPr>
+              <a:t> </a:t>
+            </a:r>
+            <a:r>
+              <a:rPr lang="de-DE" sz="2600" err="1">
+                <a:ea typeface="+mn-lt"/>
+                <a:cs typeface="+mn-lt"/>
+              </a:rPr>
+              <a:t>needs</a:t>
+            </a:r>
+            <a:r>
+              <a:rPr lang="de-DE" sz="2600" dirty="0">
+                <a:ea typeface="+mn-lt"/>
+                <a:cs typeface="+mn-lt"/>
+              </a:rPr>
+              <a:t>/</a:t>
+            </a:r>
+            <a:r>
+              <a:rPr lang="de-DE" sz="2600" err="1">
+                <a:ea typeface="+mn-lt"/>
+                <a:cs typeface="+mn-lt"/>
+              </a:rPr>
+              <a:t>feedback</a:t>
+            </a:r>
+            <a:r>
+              <a:rPr lang="de-DE" sz="2600" dirty="0">
+                <a:ea typeface="+mn-lt"/>
+                <a:cs typeface="+mn-lt"/>
+              </a:rPr>
+              <a:t> </a:t>
+            </a:r>
+            <a:r>
+              <a:rPr lang="de-DE" sz="2600" err="1">
+                <a:ea typeface="+mn-lt"/>
+                <a:cs typeface="+mn-lt"/>
+              </a:rPr>
+              <a:t>with</a:t>
+            </a:r>
+            <a:r>
+              <a:rPr lang="de-DE" sz="2600" dirty="0">
+                <a:ea typeface="+mn-lt"/>
+                <a:cs typeface="+mn-lt"/>
+              </a:rPr>
+              <a:t> </a:t>
+            </a:r>
+            <a:r>
+              <a:rPr lang="de-DE" sz="2600" err="1">
+                <a:ea typeface="+mn-lt"/>
+                <a:cs typeface="+mn-lt"/>
+              </a:rPr>
+              <a:t>regards</a:t>
+            </a:r>
+            <a:r>
+              <a:rPr lang="de-DE" sz="2600" dirty="0">
+                <a:ea typeface="+mn-lt"/>
+                <a:cs typeface="+mn-lt"/>
+              </a:rPr>
+              <a:t> </a:t>
+            </a:r>
+            <a:r>
+              <a:rPr lang="de-DE" sz="2600" err="1">
+                <a:ea typeface="+mn-lt"/>
+                <a:cs typeface="+mn-lt"/>
+              </a:rPr>
+              <a:t>to</a:t>
+            </a:r>
+            <a:r>
+              <a:rPr lang="de-DE" sz="2600" dirty="0">
+                <a:ea typeface="+mn-lt"/>
+                <a:cs typeface="+mn-lt"/>
+              </a:rPr>
+              <a:t> such an AI-System</a:t>
+            </a:r>
+          </a:p>
+          <a:p>
+            <a:r>
+              <a:rPr lang="de-DE" sz="2600" dirty="0" err="1"/>
+              <a:t>Applicable</a:t>
+            </a:r>
+            <a:r>
+              <a:rPr lang="de-DE" sz="2600" dirty="0"/>
+              <a:t> on real-</a:t>
+            </a:r>
+            <a:r>
+              <a:rPr lang="de-DE" sz="2600" dirty="0" err="1"/>
+              <a:t>world</a:t>
+            </a:r>
+            <a:r>
+              <a:rPr lang="de-DE" sz="2600" dirty="0"/>
+              <a:t> </a:t>
+            </a:r>
+            <a:r>
+              <a:rPr lang="de-DE" sz="2600" dirty="0" err="1"/>
+              <a:t>problems</a:t>
+            </a:r>
+            <a:endParaRPr lang="de-DE" sz="2600" dirty="0"/>
+          </a:p>
+          <a:p>
+            <a:r>
+              <a:rPr lang="de-DE" sz="2600" b="1" dirty="0"/>
+              <a:t>Privacy </a:t>
+            </a:r>
+            <a:r>
+              <a:rPr lang="de-DE" sz="2600" b="1" err="1"/>
+              <a:t>preserving</a:t>
+            </a:r>
+            <a:r>
+              <a:rPr lang="de-DE" sz="2600" b="1" dirty="0"/>
+              <a:t> AI</a:t>
+            </a:r>
+          </a:p>
+          <a:p>
+            <a:pPr lvl="1">
+              <a:buFont typeface="Courier New" panose="020B0604020202020204" pitchFamily="34" charset="0"/>
+              <a:buChar char="o"/>
+            </a:pPr>
+            <a:r>
+              <a:rPr lang="de-DE" sz="2000" dirty="0">
+                <a:ea typeface="+mn-lt"/>
+                <a:cs typeface="+mn-lt"/>
+              </a:rPr>
+              <a:t>Nothing </a:t>
+            </a:r>
+            <a:r>
+              <a:rPr lang="de-DE" sz="2000" err="1">
+                <a:ea typeface="+mn-lt"/>
+                <a:cs typeface="+mn-lt"/>
+              </a:rPr>
+              <a:t>prevents</a:t>
+            </a:r>
+            <a:r>
+              <a:rPr lang="de-DE" sz="2000" dirty="0">
+                <a:ea typeface="+mn-lt"/>
+                <a:cs typeface="+mn-lt"/>
+              </a:rPr>
+              <a:t> </a:t>
+            </a:r>
+            <a:r>
+              <a:rPr lang="de-DE" sz="2000" err="1">
+                <a:ea typeface="+mn-lt"/>
+                <a:cs typeface="+mn-lt"/>
+              </a:rPr>
+              <a:t>the</a:t>
+            </a:r>
+            <a:r>
+              <a:rPr lang="de-DE" sz="2000" dirty="0">
+                <a:ea typeface="+mn-lt"/>
+                <a:cs typeface="+mn-lt"/>
+              </a:rPr>
+              <a:t> </a:t>
+            </a:r>
+            <a:r>
+              <a:rPr lang="de-DE" sz="2000" err="1">
+                <a:ea typeface="+mn-lt"/>
+                <a:cs typeface="+mn-lt"/>
+              </a:rPr>
+              <a:t>user</a:t>
+            </a:r>
+            <a:r>
+              <a:rPr lang="de-DE" sz="2000" dirty="0">
+                <a:ea typeface="+mn-lt"/>
+                <a:cs typeface="+mn-lt"/>
+              </a:rPr>
+              <a:t> </a:t>
+            </a:r>
+            <a:r>
+              <a:rPr lang="de-DE" sz="2000" err="1">
+                <a:ea typeface="+mn-lt"/>
+                <a:cs typeface="+mn-lt"/>
+              </a:rPr>
+              <a:t>from</a:t>
+            </a:r>
+            <a:r>
+              <a:rPr lang="de-DE" sz="2000" dirty="0">
+                <a:ea typeface="+mn-lt"/>
+                <a:cs typeface="+mn-lt"/>
+              </a:rPr>
+              <a:t> </a:t>
+            </a:r>
+            <a:r>
+              <a:rPr lang="de-DE" sz="2000" err="1">
+                <a:ea typeface="+mn-lt"/>
+                <a:cs typeface="+mn-lt"/>
+              </a:rPr>
+              <a:t>obtaining</a:t>
+            </a:r>
+            <a:r>
+              <a:rPr lang="de-DE" sz="2000" dirty="0">
+                <a:ea typeface="+mn-lt"/>
+                <a:cs typeface="+mn-lt"/>
+              </a:rPr>
+              <a:t> </a:t>
+            </a:r>
+            <a:r>
+              <a:rPr lang="de-DE" sz="2000" err="1">
+                <a:ea typeface="+mn-lt"/>
+                <a:cs typeface="+mn-lt"/>
+              </a:rPr>
+              <a:t>confidential</a:t>
+            </a:r>
+            <a:r>
+              <a:rPr lang="de-DE" sz="2000" dirty="0">
+                <a:ea typeface="+mn-lt"/>
+                <a:cs typeface="+mn-lt"/>
+              </a:rPr>
+              <a:t> </a:t>
+            </a:r>
+            <a:r>
+              <a:rPr lang="de-DE" sz="2000" err="1">
+                <a:ea typeface="+mn-lt"/>
+                <a:cs typeface="+mn-lt"/>
+              </a:rPr>
+              <a:t>information</a:t>
+            </a:r>
+            <a:r>
+              <a:rPr lang="de-DE" sz="2000" dirty="0">
+                <a:ea typeface="+mn-lt"/>
+                <a:cs typeface="+mn-lt"/>
+              </a:rPr>
+              <a:t> such </a:t>
+            </a:r>
+            <a:r>
+              <a:rPr lang="de-DE" sz="2000" err="1">
+                <a:ea typeface="+mn-lt"/>
+                <a:cs typeface="+mn-lt"/>
+              </a:rPr>
+              <a:t>as</a:t>
+            </a:r>
+            <a:r>
+              <a:rPr lang="de-DE" sz="2000" dirty="0">
+                <a:ea typeface="+mn-lt"/>
+                <a:cs typeface="+mn-lt"/>
+              </a:rPr>
+              <a:t> </a:t>
+            </a:r>
+            <a:r>
+              <a:rPr lang="de-DE" sz="2000" err="1">
+                <a:ea typeface="+mn-lt"/>
+                <a:cs typeface="+mn-lt"/>
+              </a:rPr>
+              <a:t>passwords</a:t>
+            </a:r>
+            <a:r>
+              <a:rPr lang="de-DE" sz="2000" dirty="0">
+                <a:ea typeface="+mn-lt"/>
+                <a:cs typeface="+mn-lt"/>
+              </a:rPr>
+              <a:t>, email </a:t>
+            </a:r>
+            <a:r>
+              <a:rPr lang="de-DE" sz="2000" err="1">
+                <a:ea typeface="+mn-lt"/>
+                <a:cs typeface="+mn-lt"/>
+              </a:rPr>
+              <a:t>addresses</a:t>
+            </a:r>
+            <a:r>
+              <a:rPr lang="de-DE" sz="2000" dirty="0">
+                <a:ea typeface="+mn-lt"/>
+                <a:cs typeface="+mn-lt"/>
+              </a:rPr>
+              <a:t> </a:t>
+            </a:r>
+            <a:r>
+              <a:rPr lang="de-DE" sz="2000" err="1">
+                <a:ea typeface="+mn-lt"/>
+                <a:cs typeface="+mn-lt"/>
+              </a:rPr>
+              <a:t>or</a:t>
+            </a:r>
+            <a:r>
+              <a:rPr lang="de-DE" sz="2000" dirty="0">
+                <a:ea typeface="+mn-lt"/>
+                <a:cs typeface="+mn-lt"/>
+              </a:rPr>
+              <a:t> </a:t>
+            </a:r>
+            <a:r>
+              <a:rPr lang="de-DE" sz="2000" err="1">
+                <a:ea typeface="+mn-lt"/>
+                <a:cs typeface="+mn-lt"/>
+              </a:rPr>
+              <a:t>other</a:t>
+            </a:r>
+            <a:r>
+              <a:rPr lang="de-DE" sz="2000" dirty="0">
+                <a:ea typeface="+mn-lt"/>
+                <a:cs typeface="+mn-lt"/>
+              </a:rPr>
+              <a:t> </a:t>
+            </a:r>
+            <a:r>
+              <a:rPr lang="de-DE" sz="2000" err="1">
+                <a:ea typeface="+mn-lt"/>
+                <a:cs typeface="+mn-lt"/>
+              </a:rPr>
+              <a:t>criteria</a:t>
+            </a:r>
+            <a:endParaRPr lang="de-DE" sz="2000">
+              <a:ea typeface="+mn-lt"/>
+              <a:cs typeface="+mn-lt"/>
+            </a:endParaRPr>
+          </a:p>
+          <a:p>
+            <a:pPr lvl="2">
+              <a:buFont typeface="Wingdings" panose="020B0604020202020204" pitchFamily="34" charset="0"/>
+              <a:buChar char="§"/>
+            </a:pPr>
+            <a:r>
+              <a:rPr lang="de-DE" sz="1600" dirty="0">
+                <a:ea typeface="+mn-lt"/>
+                <a:cs typeface="+mn-lt"/>
+              </a:rPr>
+              <a:t>Like </a:t>
+            </a:r>
+            <a:r>
+              <a:rPr lang="de-DE" sz="1600" b="1" dirty="0">
+                <a:ea typeface="+mn-lt"/>
+                <a:cs typeface="+mn-lt"/>
+              </a:rPr>
+              <a:t>SQL </a:t>
+            </a:r>
+            <a:r>
+              <a:rPr lang="de-DE" sz="1600" b="1" err="1">
+                <a:ea typeface="+mn-lt"/>
+                <a:cs typeface="+mn-lt"/>
+              </a:rPr>
+              <a:t>injections</a:t>
+            </a:r>
+            <a:r>
+              <a:rPr lang="de-DE" sz="1600" b="1" dirty="0">
+                <a:ea typeface="+mn-lt"/>
+                <a:cs typeface="+mn-lt"/>
+              </a:rPr>
+              <a:t>,</a:t>
+            </a:r>
+            <a:r>
+              <a:rPr lang="de-DE" sz="1600" dirty="0">
+                <a:ea typeface="+mn-lt"/>
+                <a:cs typeface="+mn-lt"/>
+              </a:rPr>
+              <a:t> but </a:t>
+            </a:r>
+            <a:r>
+              <a:rPr lang="de-DE" sz="1600" err="1">
+                <a:ea typeface="+mn-lt"/>
+                <a:cs typeface="+mn-lt"/>
+              </a:rPr>
+              <a:t>even</a:t>
+            </a:r>
+            <a:r>
+              <a:rPr lang="de-DE" sz="1600" dirty="0">
+                <a:ea typeface="+mn-lt"/>
+                <a:cs typeface="+mn-lt"/>
+              </a:rPr>
+              <a:t> </a:t>
+            </a:r>
+            <a:r>
+              <a:rPr lang="de-DE" sz="1600" err="1">
+                <a:ea typeface="+mn-lt"/>
+                <a:cs typeface="+mn-lt"/>
+              </a:rPr>
+              <a:t>worse</a:t>
+            </a:r>
+            <a:r>
+              <a:rPr lang="de-DE" sz="1600" dirty="0">
+                <a:ea typeface="+mn-lt"/>
+                <a:cs typeface="+mn-lt"/>
+              </a:rPr>
+              <a:t>, </a:t>
+            </a:r>
+            <a:r>
+              <a:rPr lang="de-DE" sz="1600" err="1">
+                <a:ea typeface="+mn-lt"/>
+                <a:cs typeface="+mn-lt"/>
+              </a:rPr>
+              <a:t>because</a:t>
+            </a:r>
+            <a:r>
+              <a:rPr lang="de-DE" sz="1600" dirty="0">
+                <a:ea typeface="+mn-lt"/>
+                <a:cs typeface="+mn-lt"/>
+              </a:rPr>
+              <a:t> </a:t>
+            </a:r>
+            <a:r>
+              <a:rPr lang="de-DE" sz="1600" err="1">
+                <a:ea typeface="+mn-lt"/>
+                <a:cs typeface="+mn-lt"/>
+              </a:rPr>
+              <a:t>it</a:t>
+            </a:r>
+            <a:r>
+              <a:rPr lang="de-DE" sz="1600" dirty="0">
+                <a:ea typeface="+mn-lt"/>
+                <a:cs typeface="+mn-lt"/>
+              </a:rPr>
+              <a:t> </a:t>
+            </a:r>
+            <a:r>
+              <a:rPr lang="de-DE" sz="1600" err="1">
+                <a:ea typeface="+mn-lt"/>
+                <a:cs typeface="+mn-lt"/>
+              </a:rPr>
+              <a:t>can</a:t>
+            </a:r>
+            <a:r>
+              <a:rPr lang="de-DE" sz="1600" dirty="0">
+                <a:ea typeface="+mn-lt"/>
+                <a:cs typeface="+mn-lt"/>
+              </a:rPr>
+              <a:t> </a:t>
+            </a:r>
+            <a:r>
+              <a:rPr lang="de-DE" sz="1600" err="1">
+                <a:ea typeface="+mn-lt"/>
+                <a:cs typeface="+mn-lt"/>
+              </a:rPr>
+              <a:t>now</a:t>
+            </a:r>
+            <a:r>
+              <a:rPr lang="de-DE" sz="1600" dirty="0">
+                <a:ea typeface="+mn-lt"/>
+                <a:cs typeface="+mn-lt"/>
+              </a:rPr>
+              <a:t> </a:t>
+            </a:r>
+            <a:r>
+              <a:rPr lang="de-DE" sz="1600" err="1">
+                <a:ea typeface="+mn-lt"/>
+                <a:cs typeface="+mn-lt"/>
+              </a:rPr>
+              <a:t>be</a:t>
+            </a:r>
+            <a:r>
+              <a:rPr lang="de-DE" sz="1600" dirty="0">
+                <a:ea typeface="+mn-lt"/>
+                <a:cs typeface="+mn-lt"/>
+              </a:rPr>
+              <a:t> </a:t>
+            </a:r>
+            <a:r>
+              <a:rPr lang="de-DE" sz="1600" err="1">
+                <a:ea typeface="+mn-lt"/>
+                <a:cs typeface="+mn-lt"/>
+              </a:rPr>
+              <a:t>done</a:t>
+            </a:r>
+            <a:r>
+              <a:rPr lang="de-DE" sz="1600" dirty="0">
+                <a:ea typeface="+mn-lt"/>
+                <a:cs typeface="+mn-lt"/>
+              </a:rPr>
+              <a:t> </a:t>
+            </a:r>
+            <a:r>
+              <a:rPr lang="de-DE" sz="1600" err="1">
+                <a:ea typeface="+mn-lt"/>
+                <a:cs typeface="+mn-lt"/>
+              </a:rPr>
+              <a:t>by</a:t>
+            </a:r>
+            <a:r>
+              <a:rPr lang="de-DE" sz="1600" dirty="0">
+                <a:ea typeface="+mn-lt"/>
+                <a:cs typeface="+mn-lt"/>
+              </a:rPr>
+              <a:t> </a:t>
+            </a:r>
+            <a:r>
+              <a:rPr lang="de-DE" sz="1600" err="1">
+                <a:ea typeface="+mn-lt"/>
+                <a:cs typeface="+mn-lt"/>
+              </a:rPr>
+              <a:t>users</a:t>
+            </a:r>
+            <a:r>
+              <a:rPr lang="de-DE" sz="1600" dirty="0">
+                <a:ea typeface="+mn-lt"/>
+                <a:cs typeface="+mn-lt"/>
+              </a:rPr>
+              <a:t> </a:t>
+            </a:r>
+            <a:r>
+              <a:rPr lang="de-DE" sz="1600" err="1">
+                <a:ea typeface="+mn-lt"/>
+                <a:cs typeface="+mn-lt"/>
+              </a:rPr>
+              <a:t>with</a:t>
+            </a:r>
+            <a:r>
+              <a:rPr lang="de-DE" sz="1600" dirty="0">
+                <a:ea typeface="+mn-lt"/>
+                <a:cs typeface="+mn-lt"/>
+              </a:rPr>
+              <a:t> </a:t>
+            </a:r>
+            <a:r>
+              <a:rPr lang="de-DE" sz="1600" err="1">
+                <a:ea typeface="+mn-lt"/>
+                <a:cs typeface="+mn-lt"/>
+              </a:rPr>
+              <a:t>no</a:t>
+            </a:r>
+            <a:r>
+              <a:rPr lang="de-DE" sz="1600" dirty="0">
+                <a:ea typeface="+mn-lt"/>
+                <a:cs typeface="+mn-lt"/>
+              </a:rPr>
+              <a:t> </a:t>
+            </a:r>
+            <a:r>
+              <a:rPr lang="de-DE" sz="1600" err="1">
+                <a:ea typeface="+mn-lt"/>
+                <a:cs typeface="+mn-lt"/>
+              </a:rPr>
+              <a:t>knowledge</a:t>
+            </a:r>
+            <a:r>
+              <a:rPr lang="de-DE" sz="1600" dirty="0">
+                <a:ea typeface="+mn-lt"/>
+                <a:cs typeface="+mn-lt"/>
+              </a:rPr>
+              <a:t> </a:t>
+            </a:r>
+            <a:r>
+              <a:rPr lang="de-DE" sz="1600" err="1">
+                <a:ea typeface="+mn-lt"/>
+                <a:cs typeface="+mn-lt"/>
+              </a:rPr>
+              <a:t>of</a:t>
+            </a:r>
+            <a:r>
+              <a:rPr lang="de-DE" sz="1600" dirty="0">
+                <a:ea typeface="+mn-lt"/>
+                <a:cs typeface="+mn-lt"/>
+              </a:rPr>
+              <a:t> SQL at all</a:t>
+            </a:r>
+            <a:endParaRPr lang="de-DE" sz="1600" b="1" dirty="0">
+              <a:ea typeface="+mn-lt"/>
+              <a:cs typeface="+mn-lt"/>
+            </a:endParaRPr>
+          </a:p>
+          <a:p>
+            <a:pPr lvl="1">
+              <a:buFont typeface="Courier New" panose="020B0604020202020204" pitchFamily="34" charset="0"/>
+              <a:buChar char="o"/>
+            </a:pPr>
+            <a:r>
+              <a:rPr lang="de-DE" sz="2000" dirty="0">
+                <a:ea typeface="+mn-lt"/>
+                <a:cs typeface="+mn-lt"/>
+              </a:rPr>
+              <a:t>Never</a:t>
+            </a:r>
+            <a:r>
+              <a:rPr lang="de-DE" sz="2000" dirty="0"/>
+              <a:t> </a:t>
+            </a:r>
+            <a:r>
+              <a:rPr lang="de-DE" sz="2000" err="1"/>
+              <a:t>disclose</a:t>
+            </a:r>
+            <a:r>
+              <a:rPr lang="de-DE" sz="2000" dirty="0"/>
+              <a:t> </a:t>
+            </a:r>
+            <a:r>
+              <a:rPr lang="de-DE" sz="2000" err="1"/>
+              <a:t>confidential</a:t>
+            </a:r>
+            <a:r>
+              <a:rPr lang="de-DE" sz="2000" dirty="0"/>
+              <a:t> </a:t>
+            </a:r>
+            <a:r>
+              <a:rPr lang="de-DE" sz="2000" err="1"/>
+              <a:t>data</a:t>
+            </a:r>
+            <a:r>
+              <a:rPr lang="de-DE" sz="2000" dirty="0"/>
+              <a:t> </a:t>
+            </a:r>
+            <a:endParaRPr lang="de-DE" dirty="0"/>
+          </a:p>
+          <a:p>
+            <a:pPr lvl="1">
+              <a:buFont typeface="Courier New" panose="020B0604020202020204" pitchFamily="34" charset="0"/>
+              <a:buChar char="o"/>
+            </a:pPr>
+            <a:r>
+              <a:rPr lang="de-DE" sz="2000" err="1">
+                <a:ea typeface="+mn-lt"/>
+                <a:cs typeface="+mn-lt"/>
+              </a:rPr>
+              <a:t>should</a:t>
+            </a:r>
+            <a:r>
+              <a:rPr lang="de-DE" sz="2000" dirty="0">
+                <a:ea typeface="+mn-lt"/>
+                <a:cs typeface="+mn-lt"/>
+              </a:rPr>
+              <a:t> not </a:t>
+            </a:r>
+            <a:r>
+              <a:rPr lang="de-DE" sz="2000" err="1">
+                <a:ea typeface="+mn-lt"/>
+                <a:cs typeface="+mn-lt"/>
+              </a:rPr>
+              <a:t>generate</a:t>
+            </a:r>
+            <a:r>
+              <a:rPr lang="de-DE" sz="2000" dirty="0">
+                <a:ea typeface="+mn-lt"/>
+                <a:cs typeface="+mn-lt"/>
+              </a:rPr>
+              <a:t> </a:t>
+            </a:r>
+            <a:r>
+              <a:rPr lang="de-DE" sz="2000" err="1">
+                <a:ea typeface="+mn-lt"/>
+                <a:cs typeface="+mn-lt"/>
+              </a:rPr>
+              <a:t>sql</a:t>
+            </a:r>
+            <a:r>
+              <a:rPr lang="de-DE" sz="2000" dirty="0">
+                <a:ea typeface="+mn-lt"/>
+                <a:cs typeface="+mn-lt"/>
+              </a:rPr>
+              <a:t> like </a:t>
+            </a:r>
+            <a:r>
+              <a:rPr lang="de-DE" sz="2000" err="1">
+                <a:ea typeface="+mn-lt"/>
+                <a:cs typeface="+mn-lt"/>
+              </a:rPr>
+              <a:t>the</a:t>
+            </a:r>
+            <a:r>
+              <a:rPr lang="de-DE" sz="2000" dirty="0">
+                <a:ea typeface="+mn-lt"/>
+                <a:cs typeface="+mn-lt"/>
+              </a:rPr>
+              <a:t> "</a:t>
+            </a:r>
+            <a:r>
+              <a:rPr lang="de-DE" sz="2000" err="1">
+                <a:ea typeface="+mn-lt"/>
+                <a:cs typeface="+mn-lt"/>
+              </a:rPr>
+              <a:t>select</a:t>
+            </a:r>
+            <a:r>
+              <a:rPr lang="de-DE" sz="2000" dirty="0">
+                <a:ea typeface="+mn-lt"/>
+                <a:cs typeface="+mn-lt"/>
+              </a:rPr>
+              <a:t> </a:t>
+            </a:r>
+            <a:r>
+              <a:rPr lang="de-DE" sz="2000" err="1">
+                <a:ea typeface="+mn-lt"/>
+                <a:cs typeface="+mn-lt"/>
+              </a:rPr>
+              <a:t>username</a:t>
+            </a:r>
+            <a:r>
+              <a:rPr lang="de-DE" sz="2000" dirty="0">
+                <a:ea typeface="+mn-lt"/>
+                <a:cs typeface="+mn-lt"/>
+              </a:rPr>
+              <a:t>, </a:t>
+            </a:r>
+            <a:r>
+              <a:rPr lang="de-DE" sz="2000" err="1">
+                <a:ea typeface="+mn-lt"/>
+                <a:cs typeface="+mn-lt"/>
+              </a:rPr>
+              <a:t>password</a:t>
+            </a:r>
+            <a:r>
+              <a:rPr lang="de-DE" sz="2000" dirty="0">
+                <a:ea typeface="+mn-lt"/>
+                <a:cs typeface="+mn-lt"/>
+              </a:rPr>
+              <a:t> </a:t>
+            </a:r>
+            <a:r>
+              <a:rPr lang="de-DE" sz="2000" err="1">
+                <a:ea typeface="+mn-lt"/>
+                <a:cs typeface="+mn-lt"/>
+              </a:rPr>
+              <a:t>from</a:t>
+            </a:r>
+            <a:r>
+              <a:rPr lang="de-DE" sz="2000" dirty="0">
+                <a:ea typeface="+mn-lt"/>
+                <a:cs typeface="+mn-lt"/>
+              </a:rPr>
+              <a:t> </a:t>
+            </a:r>
+            <a:r>
+              <a:rPr lang="de-DE" sz="2000" err="1">
+                <a:ea typeface="+mn-lt"/>
+                <a:cs typeface="+mn-lt"/>
+              </a:rPr>
+              <a:t>customer</a:t>
+            </a:r>
+            <a:r>
+              <a:rPr lang="de-DE" sz="2000" dirty="0">
+                <a:ea typeface="+mn-lt"/>
+                <a:cs typeface="+mn-lt"/>
+              </a:rPr>
+              <a:t>"</a:t>
+            </a:r>
+          </a:p>
+          <a:p>
+            <a:pPr lvl="1">
+              <a:buFont typeface="Courier New" panose="020B0604020202020204" pitchFamily="34" charset="0"/>
+              <a:buChar char="o"/>
+            </a:pPr>
+            <a:endParaRPr lang="de-DE" sz="1800" dirty="0"/>
+          </a:p>
+          <a:p>
+            <a:endParaRPr lang="de-DE" dirty="0"/>
+          </a:p>
+          <a:p>
+            <a:pPr lvl="1">
+              <a:buFont typeface="Courier New" panose="020B0604020202020204" pitchFamily="34" charset="0"/>
+              <a:buChar char="o"/>
+            </a:pPr>
+            <a:endParaRPr lang="de-DE" dirty="0"/>
+          </a:p>
+          <a:p>
+            <a:pPr lvl="1">
+              <a:buFont typeface="Courier New" panose="020B0604020202020204" pitchFamily="34" charset="0"/>
+              <a:buChar char="o"/>
+            </a:pPr>
+            <a:endParaRPr lang="de-DE" dirty="0"/>
+          </a:p>
+          <a:p>
+            <a:endParaRPr lang="de-DE" dirty="0"/>
+          </a:p>
+        </p:txBody>
+      </p:sp>
+      <p:sp>
+        <p:nvSpPr>
+          <p:cNvPr id="4" name="Foliennummernplatzhalter 3">
+            <a:extLst>
+              <a:ext uri="{FF2B5EF4-FFF2-40B4-BE49-F238E27FC236}">
+                <a16:creationId xmlns:a16="http://schemas.microsoft.com/office/drawing/2014/main" id="{AE6FACCA-79B5-B362-7730-8EB6FE108809}"/>
+              </a:ext>
+            </a:extLst>
+          </p:cNvPr>
+          <p:cNvSpPr>
+            <a:spLocks noGrp="1"/>
+          </p:cNvSpPr>
+          <p:nvPr>
+            <p:ph type="sldNum" sz="quarter" idx="12"/>
+          </p:nvPr>
+        </p:nvSpPr>
+        <p:spPr/>
+        <p:txBody>
+          <a:bodyPr/>
+          <a:lstStyle/>
+          <a:p>
+            <a:fld id="{802006FE-6571-4354-8775-F8708372C227}" type="slidenum">
+              <a:rPr lang="de-DE" smtClean="0"/>
+              <a:t>7</a:t>
+            </a:fld>
+            <a:endParaRPr lang="de-DE"/>
+          </a:p>
+        </p:txBody>
+      </p:sp>
+      <p:pic>
+        <p:nvPicPr>
+          <p:cNvPr id="6" name="Grafik 5" descr="Ein Bild, das Text, Schrift, Grün, Screenshot enthält.&#10;&#10;Beschreibung automatisch generiert.">
+            <a:extLst>
+              <a:ext uri="{FF2B5EF4-FFF2-40B4-BE49-F238E27FC236}">
+                <a16:creationId xmlns:a16="http://schemas.microsoft.com/office/drawing/2014/main" id="{9CB7FCB3-8B3A-1427-28AC-E4408FCABA9E}"/>
+              </a:ext>
+            </a:extLst>
+          </p:cNvPr>
+          <p:cNvPicPr>
+            <a:picLocks noChangeAspect="1"/>
+          </p:cNvPicPr>
+          <p:nvPr/>
+        </p:nvPicPr>
+        <p:blipFill>
+          <a:blip r:embed="rId3"/>
+          <a:stretch>
+            <a:fillRect/>
+          </a:stretch>
+        </p:blipFill>
+        <p:spPr>
+          <a:xfrm>
+            <a:off x="-1" y="6264418"/>
+            <a:ext cx="2124365" cy="598346"/>
+          </a:xfrm>
+          <a:prstGeom prst="rect">
+            <a:avLst/>
+          </a:prstGeom>
+        </p:spPr>
+      </p:pic>
+    </p:spTree>
+    <p:extLst>
+      <p:ext uri="{BB962C8B-B14F-4D97-AF65-F5344CB8AC3E}">
+        <p14:creationId xmlns:p14="http://schemas.microsoft.com/office/powerpoint/2010/main" val="2584532744"/>
+      </p:ext>
+    </p:extLst>
+  </p:cSld>
+  <p:clrMapOvr>
+    <a:masterClrMapping/>
+  </p:clrMapOvr>
+</p:sld>
+</file>
+
+<file path=ppt/slides/slide8.xml><?xml version="1.0" encoding="utf-8"?>
+<p:sld xmlns:a="http://schemas.openxmlformats.org/drawingml/2006/main" xmlns:r="http://schemas.openxmlformats.org/officeDocument/2006/relationships" xmlns:p="http://schemas.openxmlformats.org/presentationml/2006/main">
+  <p:cSld>
+    <p:spTree>
+      <p:nvGrpSpPr>
+        <p:cNvPr id="1" name=""/>
+        <p:cNvGrpSpPr/>
+        <p:nvPr/>
+      </p:nvGrpSpPr>
+      <p:grpSpPr>
+        <a:xfrm>
+          <a:off x="0" y="0"/>
+          <a:ext cx="0" cy="0"/>
+          <a:chOff x="0" y="0"/>
+          <a:chExt cx="0" cy="0"/>
+        </a:xfrm>
+      </p:grpSpPr>
+      <p:sp>
+        <p:nvSpPr>
+          <p:cNvPr id="2" name="Titel 1">
+            <a:extLst>
+              <a:ext uri="{FF2B5EF4-FFF2-40B4-BE49-F238E27FC236}">
+                <a16:creationId xmlns:a16="http://schemas.microsoft.com/office/drawing/2014/main" id="{70B3C300-1A0F-B795-E337-E794F852EA4B}"/>
+              </a:ext>
+            </a:extLst>
+          </p:cNvPr>
+          <p:cNvSpPr>
+            <a:spLocks noGrp="1"/>
+          </p:cNvSpPr>
+          <p:nvPr>
+            <p:ph type="title"/>
+          </p:nvPr>
+        </p:nvSpPr>
+        <p:spPr/>
+        <p:txBody>
+          <a:bodyPr/>
+          <a:lstStyle/>
+          <a:p>
+            <a:r>
+              <a:rPr lang="de-DE" b="1" dirty="0">
+                <a:ea typeface="+mj-lt"/>
+                <a:cs typeface="+mj-lt"/>
+              </a:rPr>
+              <a:t>Spider </a:t>
+            </a:r>
+            <a:r>
+              <a:rPr lang="de-DE" b="1" err="1">
+                <a:ea typeface="+mj-lt"/>
+                <a:cs typeface="+mj-lt"/>
+              </a:rPr>
+              <a:t>dataset</a:t>
+            </a:r>
+            <a:endParaRPr lang="de-DE" b="1"/>
+          </a:p>
+        </p:txBody>
+      </p:sp>
+      <p:sp>
+        <p:nvSpPr>
+          <p:cNvPr id="3" name="Inhaltsplatzhalter 2">
+            <a:extLst>
+              <a:ext uri="{FF2B5EF4-FFF2-40B4-BE49-F238E27FC236}">
+                <a16:creationId xmlns:a16="http://schemas.microsoft.com/office/drawing/2014/main" id="{40C38B9F-DDAA-3671-515F-1B7FD78841B3}"/>
+              </a:ext>
+            </a:extLst>
+          </p:cNvPr>
+          <p:cNvSpPr>
+            <a:spLocks noGrp="1"/>
+          </p:cNvSpPr>
+          <p:nvPr>
+            <p:ph idx="1"/>
+          </p:nvPr>
+        </p:nvSpPr>
+        <p:spPr/>
+        <p:txBody>
+          <a:bodyPr vert="horz" lIns="91440" tIns="45720" rIns="91440" bIns="45720" rtlCol="0" anchor="t">
+            <a:normAutofit/>
+          </a:bodyPr>
+          <a:lstStyle/>
+          <a:p>
             <a:pPr marL="0" indent="0">
               <a:buNone/>
             </a:pPr>
@@ -8144,7 +12289,7 @@
           <a:p>
             <a:fld id="{802006FE-6571-4354-8775-F8708372C227}" type="slidenum">
               <a:rPr lang="de-DE" smtClean="0"/>
-              <a:t>6</a:t>
+              <a:t>8</a:t>
             </a:fld>
             <a:endParaRPr lang="de-DE"/>
           </a:p>
@@ -8193,7 +12338,7 @@
 </p:sld>
 </file>
 
-<file path=ppt/slides/slide7.xml><?xml version="1.0" encoding="utf-8"?>
+<file path=ppt/slides/slide9.xml><?xml version="1.0" encoding="utf-8"?>
 <p:sld xmlns:a="http://schemas.openxmlformats.org/drawingml/2006/main" xmlns:r="http://schemas.openxmlformats.org/officeDocument/2006/relationships" xmlns:p="http://schemas.openxmlformats.org/presentationml/2006/main">
   <p:cSld>
     <p:spTree>
@@ -8293,7 +12438,7 @@
         <p:spPr/>
         <p:txBody>
           <a:bodyPr vert="horz" lIns="91440" tIns="45720" rIns="91440" bIns="45720" rtlCol="0" anchor="t">
-            <a:normAutofit fontScale="92500" lnSpcReduction="10000"/>
+            <a:normAutofit/>
           </a:bodyPr>
           <a:lstStyle/>
           <a:p>
@@ -8520,65 +12665,10 @@
               </a:rPr>
               <a:t>experience</a:t>
             </a:r>
-            <a:endParaRPr lang="de-DE" dirty="0">
-              <a:solidFill>
-                <a:srgbClr val="030712"/>
-              </a:solidFill>
-              <a:ea typeface="+mn-lt"/>
-              <a:cs typeface="+mn-lt"/>
-            </a:endParaRPr>
-          </a:p>
-          <a:p>
-            <a:pPr marL="0" indent="0">
-              <a:buNone/>
-            </a:pPr>
-            <a:endParaRPr lang="de-DE" b="1" dirty="0">
-              <a:solidFill>
-                <a:srgbClr val="030712"/>
-              </a:solidFill>
-            </a:endParaRPr>
-          </a:p>
-          <a:p>
-            <a:pPr marL="0" indent="0">
-              <a:buNone/>
-            </a:pPr>
-            <a:r>
-              <a:rPr lang="de-DE" b="1" dirty="0" err="1">
-                <a:solidFill>
-                  <a:srgbClr val="030712"/>
-                </a:solidFill>
-              </a:rPr>
-              <a:t>Related</a:t>
-            </a:r>
-            <a:r>
-              <a:rPr lang="de-DE" b="1" dirty="0">
-                <a:solidFill>
-                  <a:srgbClr val="030712"/>
-                </a:solidFill>
-              </a:rPr>
-              <a:t> Work</a:t>
-            </a:r>
-            <a:endParaRPr lang="de-DE" dirty="0">
-              <a:solidFill>
-                <a:srgbClr val="030712"/>
-              </a:solidFill>
-            </a:endParaRPr>
-          </a:p>
-          <a:p>
-            <a:r>
-              <a:rPr lang="en-US" dirty="0">
-                <a:solidFill>
-                  <a:srgbClr val="030712"/>
-                </a:solidFill>
-                <a:ea typeface="+mn-lt"/>
-                <a:cs typeface="+mn-lt"/>
-              </a:rPr>
-              <a:t>Top performing Text-To-SQL: Alibaba Group</a:t>
-            </a:r>
             <a:br>
               <a:rPr lang="en-US" dirty="0"/>
             </a:br>
-            <a:endParaRPr lang="en-US" dirty="0"/>
+            <a:endParaRPr lang="en-US"/>
           </a:p>
           <a:p>
             <a:endParaRPr lang="de-DE" dirty="0">
@@ -8635,7 +12725,7 @@
           <a:p>
             <a:fld id="{802006FE-6571-4354-8775-F8708372C227}" type="slidenum">
               <a:rPr lang="de-DE" smtClean="0"/>
-              <a:t>7</a:t>
+              <a:t>9</a:t>
             </a:fld>
             <a:endParaRPr lang="de-DE"/>
           </a:p>
@@ -8713,1430 +12803,6 @@
     <p:extLst>
       <p:ext uri="{BB962C8B-B14F-4D97-AF65-F5344CB8AC3E}">
         <p14:creationId xmlns:p14="http://schemas.microsoft.com/office/powerpoint/2010/main" val="2200550202"/>
-      </p:ext>
-    </p:extLst>
-  </p:cSld>
-  <p:clrMapOvr>
-    <a:masterClrMapping/>
-  </p:clrMapOvr>
-</p:sld>
-</file>
-
-<file path=ppt/slides/slide8.xml><?xml version="1.0" encoding="utf-8"?>
-<p:sld xmlns:a="http://schemas.openxmlformats.org/drawingml/2006/main" xmlns:r="http://schemas.openxmlformats.org/officeDocument/2006/relationships" xmlns:p="http://schemas.openxmlformats.org/presentationml/2006/main">
-  <p:cSld>
-    <p:spTree>
-      <p:nvGrpSpPr>
-        <p:cNvPr id="1" name=""/>
-        <p:cNvGrpSpPr/>
-        <p:nvPr/>
-      </p:nvGrpSpPr>
-      <p:grpSpPr>
-        <a:xfrm>
-          <a:off x="0" y="0"/>
-          <a:ext cx="0" cy="0"/>
-          <a:chOff x="0" y="0"/>
-          <a:chExt cx="0" cy="0"/>
-        </a:xfrm>
-      </p:grpSpPr>
-      <p:sp>
-        <p:nvSpPr>
-          <p:cNvPr id="5" name="Titel 4">
-            <a:extLst>
-              <a:ext uri="{FF2B5EF4-FFF2-40B4-BE49-F238E27FC236}">
-                <a16:creationId xmlns:a16="http://schemas.microsoft.com/office/drawing/2014/main" id="{1AA3F45A-F1E5-BE19-CD3C-6D2D6D77A16E}"/>
-              </a:ext>
-            </a:extLst>
-          </p:cNvPr>
-          <p:cNvSpPr>
-            <a:spLocks noGrp="1"/>
-          </p:cNvSpPr>
-          <p:nvPr>
-            <p:ph type="title"/>
-          </p:nvPr>
-        </p:nvSpPr>
-        <p:spPr>
-          <a:xfrm>
-            <a:off x="838200" y="652672"/>
-            <a:ext cx="10069902" cy="1138657"/>
-          </a:xfrm>
-        </p:spPr>
-        <p:txBody>
-          <a:bodyPr>
-            <a:normAutofit fontScale="90000"/>
-          </a:bodyPr>
-          <a:lstStyle/>
-          <a:p>
-            <a:r>
-              <a:rPr lang="de-DE" b="1" dirty="0"/>
-              <a:t>Natural Language </a:t>
-            </a:r>
-            <a:r>
-              <a:rPr lang="de-DE" b="1" dirty="0" err="1"/>
-              <a:t>Meets</a:t>
-            </a:r>
-            <a:r>
-              <a:rPr lang="de-DE" b="1" dirty="0"/>
-              <a:t> Database: </a:t>
-            </a:r>
-            <a:br>
-              <a:rPr lang="de-DE" b="1" dirty="0"/>
-            </a:br>
-            <a:r>
-              <a:rPr lang="de-DE" sz="2800" dirty="0"/>
-              <a:t>System Transparency and User Understanding in NL-</a:t>
-            </a:r>
-            <a:r>
-              <a:rPr lang="de-DE" sz="2800" dirty="0" err="1"/>
-              <a:t>to</a:t>
-            </a:r>
-            <a:r>
-              <a:rPr lang="de-DE" sz="2800" dirty="0"/>
-              <a:t>-SQL Translation</a:t>
-            </a:r>
-          </a:p>
-          <a:p>
-            <a:endParaRPr lang="de-DE" b="1" dirty="0"/>
-          </a:p>
-          <a:p>
-            <a:endParaRPr lang="de-DE" dirty="0"/>
-          </a:p>
-        </p:txBody>
-      </p:sp>
-      <p:sp>
-        <p:nvSpPr>
-          <p:cNvPr id="3" name="Inhaltsplatzhalter 2">
-            <a:extLst>
-              <a:ext uri="{FF2B5EF4-FFF2-40B4-BE49-F238E27FC236}">
-                <a16:creationId xmlns:a16="http://schemas.microsoft.com/office/drawing/2014/main" id="{40C38B9F-DDAA-3671-515F-1B7FD78841B3}"/>
-              </a:ext>
-            </a:extLst>
-          </p:cNvPr>
-          <p:cNvSpPr>
-            <a:spLocks noGrp="1"/>
-          </p:cNvSpPr>
-          <p:nvPr>
-            <p:ph idx="1"/>
-          </p:nvPr>
-        </p:nvSpPr>
-        <p:spPr>
-          <a:xfrm>
-            <a:off x="838200" y="1379927"/>
-            <a:ext cx="10515600" cy="4854545"/>
-          </a:xfrm>
-        </p:spPr>
-        <p:txBody>
-          <a:bodyPr vert="horz" lIns="91440" tIns="45720" rIns="91440" bIns="45720" rtlCol="0" anchor="t">
-            <a:normAutofit/>
-          </a:bodyPr>
-          <a:lstStyle/>
-          <a:p>
-            <a:pPr>
-              <a:buNone/>
-            </a:pPr>
-            <a:r>
-              <a:rPr lang="de-DE" b="1" dirty="0"/>
-              <a:t>Research Questions</a:t>
-            </a:r>
-            <a:endParaRPr lang="de-DE" dirty="0"/>
-          </a:p>
-          <a:p>
-            <a:pPr>
-              <a:buFont typeface="Arial"/>
-              <a:buChar char="•"/>
-            </a:pPr>
-            <a:r>
-              <a:rPr lang="de-DE" dirty="0" err="1">
-                <a:solidFill>
-                  <a:srgbClr val="030712"/>
-                </a:solidFill>
-                <a:ea typeface="+mn-lt"/>
-                <a:cs typeface="+mn-lt"/>
-              </a:rPr>
-              <a:t>Characteristics</a:t>
-            </a:r>
-            <a:r>
-              <a:rPr lang="de-DE" dirty="0">
-                <a:solidFill>
-                  <a:srgbClr val="030712"/>
-                </a:solidFill>
-                <a:ea typeface="+mn-lt"/>
-                <a:cs typeface="+mn-lt"/>
-              </a:rPr>
-              <a:t> </a:t>
-            </a:r>
-            <a:r>
-              <a:rPr lang="de-DE" dirty="0" err="1">
-                <a:solidFill>
-                  <a:srgbClr val="030712"/>
-                </a:solidFill>
-                <a:ea typeface="+mn-lt"/>
-                <a:cs typeface="+mn-lt"/>
-              </a:rPr>
-              <a:t>of</a:t>
-            </a:r>
-            <a:r>
-              <a:rPr lang="de-DE" dirty="0">
-                <a:solidFill>
-                  <a:srgbClr val="030712"/>
-                </a:solidFill>
-                <a:ea typeface="+mn-lt"/>
-                <a:cs typeface="+mn-lt"/>
-              </a:rPr>
-              <a:t> </a:t>
-            </a:r>
-            <a:r>
-              <a:rPr lang="de-DE" dirty="0" err="1">
-                <a:solidFill>
-                  <a:srgbClr val="030712"/>
-                </a:solidFill>
-                <a:ea typeface="+mn-lt"/>
-                <a:cs typeface="+mn-lt"/>
-              </a:rPr>
-              <a:t>typical</a:t>
-            </a:r>
-            <a:r>
-              <a:rPr lang="de-DE" dirty="0">
-                <a:solidFill>
-                  <a:srgbClr val="030712"/>
-                </a:solidFill>
-                <a:ea typeface="+mn-lt"/>
-                <a:cs typeface="+mn-lt"/>
-              </a:rPr>
-              <a:t> </a:t>
-            </a:r>
-            <a:r>
-              <a:rPr lang="de-DE" dirty="0" err="1">
-                <a:solidFill>
-                  <a:srgbClr val="030712"/>
-                </a:solidFill>
-                <a:ea typeface="+mn-lt"/>
-                <a:cs typeface="+mn-lt"/>
-              </a:rPr>
-              <a:t>user</a:t>
-            </a:r>
-            <a:r>
-              <a:rPr lang="de-DE" dirty="0">
-                <a:solidFill>
-                  <a:srgbClr val="030712"/>
-                </a:solidFill>
-                <a:ea typeface="+mn-lt"/>
-                <a:cs typeface="+mn-lt"/>
-              </a:rPr>
-              <a:t> </a:t>
-            </a:r>
-            <a:r>
-              <a:rPr lang="de-DE" dirty="0" err="1">
-                <a:solidFill>
-                  <a:srgbClr val="030712"/>
-                </a:solidFill>
-                <a:ea typeface="+mn-lt"/>
-                <a:cs typeface="+mn-lt"/>
-              </a:rPr>
-              <a:t>natural</a:t>
-            </a:r>
-            <a:r>
-              <a:rPr lang="de-DE" dirty="0">
-                <a:solidFill>
-                  <a:srgbClr val="030712"/>
-                </a:solidFill>
-                <a:ea typeface="+mn-lt"/>
-                <a:cs typeface="+mn-lt"/>
-              </a:rPr>
-              <a:t> </a:t>
-            </a:r>
-            <a:r>
-              <a:rPr lang="de-DE" dirty="0" err="1">
-                <a:solidFill>
-                  <a:srgbClr val="030712"/>
-                </a:solidFill>
-                <a:ea typeface="+mn-lt"/>
-                <a:cs typeface="+mn-lt"/>
-              </a:rPr>
-              <a:t>language</a:t>
-            </a:r>
-            <a:r>
-              <a:rPr lang="de-DE" dirty="0">
-                <a:solidFill>
-                  <a:srgbClr val="030712"/>
-                </a:solidFill>
-                <a:ea typeface="+mn-lt"/>
-                <a:cs typeface="+mn-lt"/>
-              </a:rPr>
-              <a:t> </a:t>
-            </a:r>
-            <a:r>
-              <a:rPr lang="de-DE" dirty="0" err="1">
-                <a:solidFill>
-                  <a:srgbClr val="030712"/>
-                </a:solidFill>
-                <a:ea typeface="+mn-lt"/>
-                <a:cs typeface="+mn-lt"/>
-              </a:rPr>
-              <a:t>queries</a:t>
-            </a:r>
-            <a:r>
-              <a:rPr lang="de-DE" dirty="0">
-                <a:solidFill>
-                  <a:srgbClr val="030712"/>
-                </a:solidFill>
-                <a:ea typeface="+mn-lt"/>
-                <a:cs typeface="+mn-lt"/>
-              </a:rPr>
-              <a:t> </a:t>
-            </a:r>
-            <a:r>
-              <a:rPr lang="de-DE" dirty="0" err="1">
-                <a:solidFill>
-                  <a:srgbClr val="030712"/>
-                </a:solidFill>
-                <a:ea typeface="+mn-lt"/>
-                <a:cs typeface="+mn-lt"/>
-              </a:rPr>
-              <a:t>to</a:t>
-            </a:r>
-            <a:r>
-              <a:rPr lang="de-DE" dirty="0">
-                <a:solidFill>
-                  <a:srgbClr val="030712"/>
-                </a:solidFill>
-                <a:ea typeface="+mn-lt"/>
-                <a:cs typeface="+mn-lt"/>
-              </a:rPr>
-              <a:t> SQL</a:t>
-            </a:r>
-            <a:endParaRPr lang="de-DE" dirty="0"/>
-          </a:p>
-          <a:p>
-            <a:pPr>
-              <a:buFont typeface="Arial"/>
-              <a:buChar char="•"/>
-            </a:pPr>
-            <a:r>
-              <a:rPr lang="de-DE" dirty="0">
-                <a:solidFill>
-                  <a:srgbClr val="030712"/>
-                </a:solidFill>
-                <a:ea typeface="+mn-lt"/>
-                <a:cs typeface="+mn-lt"/>
-              </a:rPr>
-              <a:t>Common </a:t>
-            </a:r>
-            <a:r>
-              <a:rPr lang="de-DE" dirty="0" err="1">
-                <a:solidFill>
-                  <a:srgbClr val="030712"/>
-                </a:solidFill>
-                <a:ea typeface="+mn-lt"/>
-                <a:cs typeface="+mn-lt"/>
-              </a:rPr>
-              <a:t>mismatches</a:t>
-            </a:r>
-            <a:r>
-              <a:rPr lang="de-DE" dirty="0">
-                <a:solidFill>
-                  <a:srgbClr val="030712"/>
-                </a:solidFill>
-                <a:ea typeface="+mn-lt"/>
-                <a:cs typeface="+mn-lt"/>
-              </a:rPr>
-              <a:t> </a:t>
-            </a:r>
-            <a:r>
-              <a:rPr lang="de-DE" dirty="0" err="1">
-                <a:solidFill>
-                  <a:srgbClr val="030712"/>
-                </a:solidFill>
-                <a:ea typeface="+mn-lt"/>
-                <a:cs typeface="+mn-lt"/>
-              </a:rPr>
-              <a:t>between</a:t>
-            </a:r>
-            <a:r>
-              <a:rPr lang="de-DE" dirty="0">
-                <a:solidFill>
-                  <a:srgbClr val="030712"/>
-                </a:solidFill>
-                <a:ea typeface="+mn-lt"/>
-                <a:cs typeface="+mn-lt"/>
-              </a:rPr>
-              <a:t> </a:t>
-            </a:r>
-            <a:r>
-              <a:rPr lang="de-DE" dirty="0" err="1">
-                <a:solidFill>
-                  <a:srgbClr val="030712"/>
-                </a:solidFill>
-                <a:ea typeface="+mn-lt"/>
-                <a:cs typeface="+mn-lt"/>
-              </a:rPr>
-              <a:t>user</a:t>
-            </a:r>
-            <a:r>
-              <a:rPr lang="de-DE" dirty="0">
-                <a:solidFill>
-                  <a:srgbClr val="030712"/>
-                </a:solidFill>
-                <a:ea typeface="+mn-lt"/>
-                <a:cs typeface="+mn-lt"/>
-              </a:rPr>
-              <a:t> </a:t>
-            </a:r>
-            <a:r>
-              <a:rPr lang="de-DE" dirty="0" err="1">
-                <a:solidFill>
-                  <a:srgbClr val="030712"/>
-                </a:solidFill>
-                <a:ea typeface="+mn-lt"/>
-                <a:cs typeface="+mn-lt"/>
-              </a:rPr>
-              <a:t>intent</a:t>
-            </a:r>
-            <a:r>
-              <a:rPr lang="de-DE" dirty="0">
-                <a:solidFill>
-                  <a:srgbClr val="030712"/>
-                </a:solidFill>
-                <a:ea typeface="+mn-lt"/>
-                <a:cs typeface="+mn-lt"/>
-              </a:rPr>
-              <a:t> and SQL </a:t>
-            </a:r>
-            <a:r>
-              <a:rPr lang="de-DE" dirty="0" err="1">
-                <a:solidFill>
-                  <a:srgbClr val="030712"/>
-                </a:solidFill>
-                <a:ea typeface="+mn-lt"/>
-                <a:cs typeface="+mn-lt"/>
-              </a:rPr>
-              <a:t>queries</a:t>
-            </a:r>
-            <a:endParaRPr lang="de-DE" dirty="0" err="1">
-              <a:solidFill>
-                <a:srgbClr val="030712"/>
-              </a:solidFill>
-            </a:endParaRPr>
-          </a:p>
-          <a:p>
-            <a:pPr>
-              <a:buFont typeface="Arial"/>
-              <a:buChar char="•"/>
-            </a:pPr>
-            <a:r>
-              <a:rPr lang="de-DE" dirty="0" err="1">
-                <a:solidFill>
-                  <a:srgbClr val="030712"/>
-                </a:solidFill>
-              </a:rPr>
-              <a:t>Adapt</a:t>
-            </a:r>
-            <a:r>
-              <a:rPr lang="de-DE" dirty="0">
-                <a:solidFill>
-                  <a:srgbClr val="030712"/>
-                </a:solidFill>
-              </a:rPr>
-              <a:t> SQL </a:t>
-            </a:r>
-            <a:r>
-              <a:rPr lang="de-DE" dirty="0" err="1">
-                <a:solidFill>
-                  <a:srgbClr val="030712"/>
-                </a:solidFill>
-              </a:rPr>
-              <a:t>queries</a:t>
-            </a:r>
-            <a:r>
-              <a:rPr lang="de-DE" dirty="0">
-                <a:solidFill>
-                  <a:srgbClr val="030712"/>
-                </a:solidFill>
-              </a:rPr>
-              <a:t> </a:t>
-            </a:r>
-            <a:r>
-              <a:rPr lang="de-DE" dirty="0" err="1">
-                <a:solidFill>
-                  <a:srgbClr val="030712"/>
-                </a:solidFill>
-              </a:rPr>
-              <a:t>to</a:t>
-            </a:r>
-            <a:r>
-              <a:rPr lang="de-DE" dirty="0">
-                <a:solidFill>
-                  <a:srgbClr val="030712"/>
-                </a:solidFill>
-              </a:rPr>
-              <a:t> </a:t>
-            </a:r>
-            <a:r>
-              <a:rPr lang="de-DE" dirty="0" err="1">
-                <a:solidFill>
-                  <a:srgbClr val="030712"/>
-                </a:solidFill>
-              </a:rPr>
-              <a:t>user</a:t>
-            </a:r>
-            <a:r>
-              <a:rPr lang="de-DE" dirty="0">
-                <a:solidFill>
-                  <a:srgbClr val="030712"/>
-                </a:solidFill>
-              </a:rPr>
-              <a:t> </a:t>
-            </a:r>
-            <a:r>
-              <a:rPr lang="de-DE" dirty="0" err="1">
-                <a:solidFill>
-                  <a:srgbClr val="030712"/>
-                </a:solidFill>
-              </a:rPr>
-              <a:t>intent</a:t>
-            </a:r>
-            <a:endParaRPr lang="de-DE" dirty="0">
-              <a:solidFill>
-                <a:srgbClr val="030712"/>
-              </a:solidFill>
-            </a:endParaRPr>
-          </a:p>
-          <a:p>
-            <a:pPr>
-              <a:buFont typeface="Arial"/>
-              <a:buChar char="•"/>
-            </a:pPr>
-            <a:r>
-              <a:rPr lang="de-DE" dirty="0" err="1">
-                <a:solidFill>
-                  <a:srgbClr val="030712"/>
-                </a:solidFill>
-                <a:ea typeface="+mn-lt"/>
-                <a:cs typeface="+mn-lt"/>
-              </a:rPr>
-              <a:t>Communicate</a:t>
-            </a:r>
-            <a:r>
-              <a:rPr lang="de-DE" dirty="0">
-                <a:solidFill>
-                  <a:srgbClr val="030712"/>
-                </a:solidFill>
-                <a:ea typeface="+mn-lt"/>
-                <a:cs typeface="+mn-lt"/>
-              </a:rPr>
-              <a:t> </a:t>
-            </a:r>
-            <a:r>
-              <a:rPr lang="de-DE" dirty="0" err="1">
-                <a:solidFill>
-                  <a:srgbClr val="030712"/>
-                </a:solidFill>
-                <a:ea typeface="+mn-lt"/>
-                <a:cs typeface="+mn-lt"/>
-              </a:rPr>
-              <a:t>system</a:t>
-            </a:r>
-            <a:r>
-              <a:rPr lang="de-DE" dirty="0">
-                <a:solidFill>
-                  <a:srgbClr val="030712"/>
-                </a:solidFill>
-                <a:ea typeface="+mn-lt"/>
-                <a:cs typeface="+mn-lt"/>
-              </a:rPr>
-              <a:t> </a:t>
-            </a:r>
-            <a:r>
-              <a:rPr lang="de-DE" dirty="0" err="1">
-                <a:solidFill>
-                  <a:srgbClr val="030712"/>
-                </a:solidFill>
-                <a:ea typeface="+mn-lt"/>
-                <a:cs typeface="+mn-lt"/>
-              </a:rPr>
-              <a:t>limitations</a:t>
-            </a:r>
-            <a:r>
-              <a:rPr lang="de-DE" dirty="0">
-                <a:solidFill>
-                  <a:srgbClr val="030712"/>
-                </a:solidFill>
-                <a:ea typeface="+mn-lt"/>
-                <a:cs typeface="+mn-lt"/>
-              </a:rPr>
-              <a:t> </a:t>
-            </a:r>
-            <a:r>
-              <a:rPr lang="de-DE" dirty="0" err="1">
-                <a:solidFill>
-                  <a:srgbClr val="030712"/>
-                </a:solidFill>
-                <a:ea typeface="+mn-lt"/>
-                <a:cs typeface="+mn-lt"/>
-              </a:rPr>
-              <a:t>to</a:t>
-            </a:r>
-            <a:r>
-              <a:rPr lang="de-DE" dirty="0">
-                <a:solidFill>
-                  <a:srgbClr val="030712"/>
-                </a:solidFill>
-                <a:ea typeface="+mn-lt"/>
-                <a:cs typeface="+mn-lt"/>
-              </a:rPr>
-              <a:t> </a:t>
-            </a:r>
-            <a:r>
-              <a:rPr lang="de-DE" dirty="0" err="1">
-                <a:solidFill>
-                  <a:srgbClr val="030712"/>
-                </a:solidFill>
-                <a:ea typeface="+mn-lt"/>
-                <a:cs typeface="+mn-lt"/>
-              </a:rPr>
-              <a:t>users</a:t>
-            </a:r>
-            <a:endParaRPr lang="de-DE" dirty="0" err="1">
-              <a:solidFill>
-                <a:srgbClr val="030712"/>
-              </a:solidFill>
-            </a:endParaRPr>
-          </a:p>
-          <a:p>
-            <a:pPr>
-              <a:buFont typeface="Arial"/>
-              <a:buChar char="•"/>
-            </a:pPr>
-            <a:r>
-              <a:rPr lang="de-DE" dirty="0" err="1">
-                <a:solidFill>
-                  <a:srgbClr val="030712"/>
-                </a:solidFill>
-                <a:ea typeface="+mn-lt"/>
-                <a:cs typeface="+mn-lt"/>
-              </a:rPr>
-              <a:t>Provide</a:t>
-            </a:r>
-            <a:r>
-              <a:rPr lang="de-DE" dirty="0">
-                <a:solidFill>
-                  <a:srgbClr val="030712"/>
-                </a:solidFill>
-                <a:ea typeface="+mn-lt"/>
-                <a:cs typeface="+mn-lt"/>
-              </a:rPr>
-              <a:t> </a:t>
-            </a:r>
-            <a:r>
-              <a:rPr lang="de-DE" dirty="0" err="1">
-                <a:solidFill>
-                  <a:srgbClr val="030712"/>
-                </a:solidFill>
-                <a:ea typeface="+mn-lt"/>
-                <a:cs typeface="+mn-lt"/>
-              </a:rPr>
-              <a:t>understandable</a:t>
-            </a:r>
-            <a:r>
-              <a:rPr lang="de-DE" dirty="0">
-                <a:solidFill>
-                  <a:srgbClr val="030712"/>
-                </a:solidFill>
-                <a:ea typeface="+mn-lt"/>
-                <a:cs typeface="+mn-lt"/>
-              </a:rPr>
-              <a:t> </a:t>
-            </a:r>
-            <a:r>
-              <a:rPr lang="de-DE" dirty="0" err="1">
-                <a:solidFill>
-                  <a:srgbClr val="030712"/>
-                </a:solidFill>
-                <a:ea typeface="+mn-lt"/>
-                <a:cs typeface="+mn-lt"/>
-              </a:rPr>
-              <a:t>privacy</a:t>
-            </a:r>
-            <a:r>
-              <a:rPr lang="de-DE" dirty="0">
-                <a:solidFill>
-                  <a:srgbClr val="030712"/>
-                </a:solidFill>
-                <a:ea typeface="+mn-lt"/>
-                <a:cs typeface="+mn-lt"/>
-              </a:rPr>
-              <a:t> </a:t>
-            </a:r>
-            <a:r>
-              <a:rPr lang="de-DE" dirty="0" err="1">
-                <a:solidFill>
-                  <a:srgbClr val="030712"/>
-                </a:solidFill>
-                <a:ea typeface="+mn-lt"/>
-                <a:cs typeface="+mn-lt"/>
-              </a:rPr>
-              <a:t>restriction</a:t>
-            </a:r>
-            <a:r>
-              <a:rPr lang="de-DE" dirty="0">
-                <a:solidFill>
-                  <a:srgbClr val="030712"/>
-                </a:solidFill>
-                <a:ea typeface="+mn-lt"/>
-                <a:cs typeface="+mn-lt"/>
-              </a:rPr>
-              <a:t> </a:t>
-            </a:r>
-            <a:r>
-              <a:rPr lang="de-DE" dirty="0" err="1">
-                <a:solidFill>
-                  <a:srgbClr val="030712"/>
-                </a:solidFill>
-                <a:ea typeface="+mn-lt"/>
-                <a:cs typeface="+mn-lt"/>
-              </a:rPr>
-              <a:t>feedback</a:t>
-            </a:r>
-            <a:endParaRPr lang="de-DE" dirty="0"/>
-          </a:p>
-          <a:p>
-            <a:pPr marL="0" indent="0">
-              <a:buNone/>
-            </a:pPr>
-            <a:endParaRPr lang="de-DE" b="1" dirty="0">
-              <a:solidFill>
-                <a:srgbClr val="030712"/>
-              </a:solidFill>
-            </a:endParaRPr>
-          </a:p>
-          <a:p>
-            <a:pPr marL="0" indent="0">
-              <a:buNone/>
-            </a:pPr>
-            <a:endParaRPr lang="de-DE" dirty="0">
-              <a:solidFill>
-                <a:srgbClr val="030712"/>
-              </a:solidFill>
-              <a:ea typeface="+mn-lt"/>
-              <a:cs typeface="+mn-lt"/>
-            </a:endParaRPr>
-          </a:p>
-          <a:p>
-            <a:endParaRPr lang="de-DE" dirty="0">
-              <a:solidFill>
-                <a:srgbClr val="030712"/>
-              </a:solidFill>
-            </a:endParaRPr>
-          </a:p>
-          <a:p>
-            <a:endParaRPr lang="de-DE" sz="1800" dirty="0">
-              <a:solidFill>
-                <a:srgbClr val="000000"/>
-              </a:solidFill>
-            </a:endParaRPr>
-          </a:p>
-          <a:p>
-            <a:endParaRPr lang="de-DE" dirty="0"/>
-          </a:p>
-          <a:p>
-            <a:pPr lvl="1">
-              <a:buFont typeface="Courier New" panose="020B0604020202020204" pitchFamily="34" charset="0"/>
-              <a:buChar char="o"/>
-            </a:pPr>
-            <a:endParaRPr lang="de-DE" dirty="0"/>
-          </a:p>
-          <a:p>
-            <a:pPr lvl="1">
-              <a:buFont typeface="Courier New" panose="020B0604020202020204" pitchFamily="34" charset="0"/>
-              <a:buChar char="o"/>
-            </a:pPr>
-            <a:endParaRPr lang="de-DE" dirty="0"/>
-          </a:p>
-          <a:p>
-            <a:endParaRPr lang="de-DE" dirty="0"/>
-          </a:p>
-        </p:txBody>
-      </p:sp>
-      <p:sp>
-        <p:nvSpPr>
-          <p:cNvPr id="4" name="Foliennummernplatzhalter 3">
-            <a:extLst>
-              <a:ext uri="{FF2B5EF4-FFF2-40B4-BE49-F238E27FC236}">
-                <a16:creationId xmlns:a16="http://schemas.microsoft.com/office/drawing/2014/main" id="{AA689D57-27FB-29A6-EFA7-7F67A30F1D40}"/>
-              </a:ext>
-            </a:extLst>
-          </p:cNvPr>
-          <p:cNvSpPr>
-            <a:spLocks noGrp="1"/>
-          </p:cNvSpPr>
-          <p:nvPr>
-            <p:ph type="sldNum" sz="quarter" idx="12"/>
-          </p:nvPr>
-        </p:nvSpPr>
-        <p:spPr/>
-        <p:txBody>
-          <a:bodyPr/>
-          <a:lstStyle/>
-          <a:p>
-            <a:fld id="{802006FE-6571-4354-8775-F8708372C227}" type="slidenum">
-              <a:rPr lang="de-DE" smtClean="0"/>
-              <a:t>8</a:t>
-            </a:fld>
-            <a:endParaRPr lang="de-DE"/>
-          </a:p>
-        </p:txBody>
-      </p:sp>
-      <p:pic>
-        <p:nvPicPr>
-          <p:cNvPr id="6" name="Grafik 5" descr="Ein Bild, das Text, Schrift, Grün, Screenshot enthält.&#10;&#10;Beschreibung automatisch generiert.">
-            <a:extLst>
-              <a:ext uri="{FF2B5EF4-FFF2-40B4-BE49-F238E27FC236}">
-                <a16:creationId xmlns:a16="http://schemas.microsoft.com/office/drawing/2014/main" id="{63B56F03-404F-82C6-2606-0638212F2D8F}"/>
-              </a:ext>
-            </a:extLst>
-          </p:cNvPr>
-          <p:cNvPicPr>
-            <a:picLocks noChangeAspect="1"/>
-          </p:cNvPicPr>
-          <p:nvPr/>
-        </p:nvPicPr>
-        <p:blipFill>
-          <a:blip r:embed="rId3"/>
-          <a:stretch>
-            <a:fillRect/>
-          </a:stretch>
-        </p:blipFill>
-        <p:spPr>
-          <a:xfrm>
-            <a:off x="-1" y="6264418"/>
-            <a:ext cx="2124365" cy="598346"/>
-          </a:xfrm>
-          <a:prstGeom prst="rect">
-            <a:avLst/>
-          </a:prstGeom>
-        </p:spPr>
-      </p:pic>
-      <p:sp>
-        <p:nvSpPr>
-          <p:cNvPr id="10" name="Textfeld 9">
-            <a:extLst>
-              <a:ext uri="{FF2B5EF4-FFF2-40B4-BE49-F238E27FC236}">
-                <a16:creationId xmlns:a16="http://schemas.microsoft.com/office/drawing/2014/main" id="{977B7BDA-3A76-9136-10CE-438CCA90C086}"/>
-              </a:ext>
-            </a:extLst>
-          </p:cNvPr>
-          <p:cNvSpPr txBox="1"/>
-          <p:nvPr/>
-        </p:nvSpPr>
-        <p:spPr>
-          <a:xfrm>
-            <a:off x="7743645" y="6492815"/>
-            <a:ext cx="3462068" cy="276999"/>
-          </a:xfrm>
-          <a:prstGeom prst="rect">
-            <a:avLst/>
-          </a:prstGeom>
-          <a:noFill/>
-        </p:spPr>
-        <p:txBody>
-          <a:bodyPr rot="0" spcFirstLastPara="0" vertOverflow="overflow" horzOverflow="overflow" vert="horz" wrap="square" lIns="91440" tIns="45720" rIns="91440" bIns="45720" numCol="1" spcCol="0" rtlCol="0" fromWordArt="0" anchor="t" anchorCtr="0" forceAA="0" compatLnSpc="1">
-            <a:prstTxWarp prst="textNoShape">
-              <a:avLst/>
-            </a:prstTxWarp>
-            <a:spAutoFit/>
-          </a:bodyPr>
-          <a:lstStyle/>
-          <a:p>
-            <a:r>
-              <a:rPr lang="en-US" sz="1200" dirty="0"/>
-              <a:t>https://arxiv.org/pdf/2308.15363</a:t>
-            </a:r>
-          </a:p>
-        </p:txBody>
-      </p:sp>
-    </p:spTree>
-    <p:extLst>
-      <p:ext uri="{BB962C8B-B14F-4D97-AF65-F5344CB8AC3E}">
-        <p14:creationId xmlns:p14="http://schemas.microsoft.com/office/powerpoint/2010/main" val="3161957327"/>
-      </p:ext>
-    </p:extLst>
-  </p:cSld>
-  <p:clrMapOvr>
-    <a:masterClrMapping/>
-  </p:clrMapOvr>
-</p:sld>
-</file>
-
-<file path=ppt/slides/slide9.xml><?xml version="1.0" encoding="utf-8"?>
-<p:sld xmlns:a="http://schemas.openxmlformats.org/drawingml/2006/main" xmlns:r="http://schemas.openxmlformats.org/officeDocument/2006/relationships" xmlns:p="http://schemas.openxmlformats.org/presentationml/2006/main">
-  <p:cSld>
-    <p:spTree>
-      <p:nvGrpSpPr>
-        <p:cNvPr id="1" name=""/>
-        <p:cNvGrpSpPr/>
-        <p:nvPr/>
-      </p:nvGrpSpPr>
-      <p:grpSpPr>
-        <a:xfrm>
-          <a:off x="0" y="0"/>
-          <a:ext cx="0" cy="0"/>
-          <a:chOff x="0" y="0"/>
-          <a:chExt cx="0" cy="0"/>
-        </a:xfrm>
-      </p:grpSpPr>
-      <p:sp>
-        <p:nvSpPr>
-          <p:cNvPr id="5" name="Titel 4">
-            <a:extLst>
-              <a:ext uri="{FF2B5EF4-FFF2-40B4-BE49-F238E27FC236}">
-                <a16:creationId xmlns:a16="http://schemas.microsoft.com/office/drawing/2014/main" id="{1AA3F45A-F1E5-BE19-CD3C-6D2D6D77A16E}"/>
-              </a:ext>
-            </a:extLst>
-          </p:cNvPr>
-          <p:cNvSpPr>
-            <a:spLocks noGrp="1"/>
-          </p:cNvSpPr>
-          <p:nvPr>
-            <p:ph type="title"/>
-          </p:nvPr>
-        </p:nvSpPr>
-        <p:spPr>
-          <a:xfrm>
-            <a:off x="838200" y="652672"/>
-            <a:ext cx="10069902" cy="860467"/>
-          </a:xfrm>
-        </p:spPr>
-        <p:txBody>
-          <a:bodyPr>
-            <a:normAutofit fontScale="90000"/>
-          </a:bodyPr>
-          <a:lstStyle/>
-          <a:p>
-            <a:r>
-              <a:rPr lang="de-DE" b="1" dirty="0"/>
-              <a:t>Natural Language </a:t>
-            </a:r>
-            <a:r>
-              <a:rPr lang="de-DE" b="1" dirty="0" err="1"/>
-              <a:t>Meets</a:t>
-            </a:r>
-            <a:r>
-              <a:rPr lang="de-DE" b="1" dirty="0"/>
-              <a:t> Database: </a:t>
-            </a:r>
-            <a:br>
-              <a:rPr lang="de-DE" b="1" dirty="0"/>
-            </a:br>
-            <a:r>
-              <a:rPr lang="de-DE" sz="2800" dirty="0"/>
-              <a:t>System Transparency and User Understanding in NL-</a:t>
-            </a:r>
-            <a:r>
-              <a:rPr lang="de-DE" sz="2800" dirty="0" err="1"/>
-              <a:t>to</a:t>
-            </a:r>
-            <a:r>
-              <a:rPr lang="de-DE" sz="2800" dirty="0"/>
-              <a:t>-SQL Translation</a:t>
-            </a:r>
-          </a:p>
-          <a:p>
-            <a:endParaRPr lang="de-DE" b="1" dirty="0"/>
-          </a:p>
-          <a:p>
-            <a:endParaRPr lang="de-DE" dirty="0"/>
-          </a:p>
-        </p:txBody>
-      </p:sp>
-      <p:sp>
-        <p:nvSpPr>
-          <p:cNvPr id="3" name="Inhaltsplatzhalter 2">
-            <a:extLst>
-              <a:ext uri="{FF2B5EF4-FFF2-40B4-BE49-F238E27FC236}">
-                <a16:creationId xmlns:a16="http://schemas.microsoft.com/office/drawing/2014/main" id="{40C38B9F-DDAA-3671-515F-1B7FD78841B3}"/>
-              </a:ext>
-            </a:extLst>
-          </p:cNvPr>
-          <p:cNvSpPr>
-            <a:spLocks noGrp="1"/>
-          </p:cNvSpPr>
-          <p:nvPr>
-            <p:ph idx="1"/>
-          </p:nvPr>
-        </p:nvSpPr>
-        <p:spPr>
-          <a:xfrm>
-            <a:off x="838200" y="1085991"/>
-            <a:ext cx="10515600" cy="4725148"/>
-          </a:xfrm>
-        </p:spPr>
-        <p:txBody>
-          <a:bodyPr vert="horz" lIns="91440" tIns="45720" rIns="91440" bIns="45720" rtlCol="0" anchor="t">
-            <a:normAutofit/>
-          </a:bodyPr>
-          <a:lstStyle/>
-          <a:p>
-            <a:pPr>
-              <a:buNone/>
-            </a:pPr>
-            <a:r>
-              <a:rPr lang="de-DE" b="1" dirty="0" err="1"/>
-              <a:t>Expected</a:t>
-            </a:r>
-            <a:r>
-              <a:rPr lang="de-DE" b="1" dirty="0"/>
-              <a:t> Outcome</a:t>
-            </a:r>
-            <a:endParaRPr lang="en-US"/>
-          </a:p>
-          <a:p>
-            <a:pPr>
-              <a:buFont typeface="Arial,Sans-Serif"/>
-              <a:buChar char="•"/>
-            </a:pPr>
-            <a:r>
-              <a:rPr lang="de-DE" dirty="0" err="1">
-                <a:solidFill>
-                  <a:srgbClr val="030712"/>
-                </a:solidFill>
-                <a:latin typeface="Arial"/>
-                <a:cs typeface="Arial"/>
-              </a:rPr>
-              <a:t>Insights</a:t>
-            </a:r>
-            <a:r>
-              <a:rPr lang="de-DE" dirty="0">
-                <a:solidFill>
-                  <a:srgbClr val="030712"/>
-                </a:solidFill>
-                <a:latin typeface="Arial"/>
-                <a:cs typeface="Arial"/>
-              </a:rPr>
-              <a:t> </a:t>
-            </a:r>
-            <a:r>
-              <a:rPr lang="de-DE" dirty="0" err="1">
-                <a:solidFill>
-                  <a:srgbClr val="030712"/>
-                </a:solidFill>
-                <a:latin typeface="Arial"/>
-                <a:cs typeface="Arial"/>
-              </a:rPr>
-              <a:t>into</a:t>
-            </a:r>
-            <a:r>
-              <a:rPr lang="de-DE" dirty="0">
-                <a:solidFill>
-                  <a:srgbClr val="030712"/>
-                </a:solidFill>
-                <a:latin typeface="Arial"/>
-                <a:cs typeface="Arial"/>
-              </a:rPr>
-              <a:t> </a:t>
-            </a:r>
-            <a:r>
-              <a:rPr lang="de-DE" dirty="0" err="1">
-                <a:solidFill>
-                  <a:srgbClr val="030712"/>
-                </a:solidFill>
-                <a:latin typeface="Arial"/>
-                <a:cs typeface="Arial"/>
-              </a:rPr>
-              <a:t>effective</a:t>
-            </a:r>
-            <a:r>
-              <a:rPr lang="de-DE" dirty="0">
-                <a:solidFill>
-                  <a:srgbClr val="030712"/>
-                </a:solidFill>
-                <a:latin typeface="Arial"/>
-                <a:cs typeface="Arial"/>
-              </a:rPr>
-              <a:t> user-AI </a:t>
-            </a:r>
-            <a:r>
-              <a:rPr lang="de-DE" dirty="0" err="1">
-                <a:solidFill>
-                  <a:srgbClr val="030712"/>
-                </a:solidFill>
-                <a:latin typeface="Arial"/>
-                <a:cs typeface="Arial"/>
-              </a:rPr>
-              <a:t>communication</a:t>
-            </a:r>
-            <a:r>
-              <a:rPr lang="de-DE" dirty="0">
-                <a:solidFill>
-                  <a:srgbClr val="030712"/>
-                </a:solidFill>
-                <a:latin typeface="Arial"/>
-                <a:cs typeface="Arial"/>
-              </a:rPr>
-              <a:t> </a:t>
-            </a:r>
-            <a:r>
-              <a:rPr lang="de-DE" dirty="0" err="1">
-                <a:solidFill>
-                  <a:srgbClr val="030712"/>
-                </a:solidFill>
-                <a:latin typeface="Arial"/>
-                <a:cs typeface="Arial"/>
-              </a:rPr>
-              <a:t>patterns</a:t>
-            </a:r>
-            <a:endParaRPr lang="en-US" dirty="0" err="1">
-              <a:solidFill>
-                <a:srgbClr val="000000"/>
-              </a:solidFill>
-              <a:latin typeface="Arial"/>
-              <a:cs typeface="Arial"/>
-            </a:endParaRPr>
-          </a:p>
-          <a:p>
-            <a:pPr>
-              <a:buFont typeface="Arial"/>
-              <a:buChar char="•"/>
-            </a:pPr>
-            <a:r>
-              <a:rPr lang="de-DE" dirty="0" err="1">
-                <a:solidFill>
-                  <a:srgbClr val="030712"/>
-                </a:solidFill>
-              </a:rPr>
-              <a:t>Integrate</a:t>
-            </a:r>
-            <a:r>
-              <a:rPr lang="de-DE" dirty="0">
-                <a:solidFill>
-                  <a:srgbClr val="030712"/>
-                </a:solidFill>
-              </a:rPr>
-              <a:t> </a:t>
-            </a:r>
-            <a:r>
-              <a:rPr lang="de-DE" dirty="0" err="1">
-                <a:solidFill>
-                  <a:srgbClr val="030712"/>
-                </a:solidFill>
-              </a:rPr>
-              <a:t>users</a:t>
-            </a:r>
-            <a:r>
-              <a:rPr lang="de-DE" dirty="0">
-                <a:solidFill>
-                  <a:srgbClr val="030712"/>
-                </a:solidFill>
-              </a:rPr>
-              <a:t> </a:t>
-            </a:r>
-            <a:r>
-              <a:rPr lang="de-DE" dirty="0" err="1">
-                <a:solidFill>
-                  <a:srgbClr val="030712"/>
-                </a:solidFill>
-              </a:rPr>
-              <a:t>feedback</a:t>
-            </a:r>
-            <a:r>
-              <a:rPr lang="de-DE" dirty="0">
-                <a:solidFill>
-                  <a:srgbClr val="030712"/>
-                </a:solidFill>
-              </a:rPr>
-              <a:t> </a:t>
-            </a:r>
-            <a:r>
-              <a:rPr lang="de-DE" dirty="0" err="1">
-                <a:solidFill>
-                  <a:srgbClr val="030712"/>
-                </a:solidFill>
-              </a:rPr>
-              <a:t>into</a:t>
-            </a:r>
-            <a:r>
-              <a:rPr lang="de-DE" dirty="0">
-                <a:solidFill>
-                  <a:srgbClr val="030712"/>
-                </a:solidFill>
-              </a:rPr>
-              <a:t> interface</a:t>
-            </a:r>
-            <a:endParaRPr lang="de-DE"/>
-          </a:p>
-          <a:p>
-            <a:pPr>
-              <a:buFont typeface="Arial"/>
-              <a:buChar char="•"/>
-            </a:pPr>
-            <a:r>
-              <a:rPr lang="de-DE" dirty="0">
-                <a:solidFill>
-                  <a:srgbClr val="030712"/>
-                </a:solidFill>
-                <a:ea typeface="+mn-lt"/>
-                <a:cs typeface="+mn-lt"/>
-              </a:rPr>
-              <a:t>UI </a:t>
-            </a:r>
-            <a:r>
-              <a:rPr lang="de-DE" dirty="0" err="1">
-                <a:solidFill>
-                  <a:srgbClr val="030712"/>
-                </a:solidFill>
-                <a:ea typeface="+mn-lt"/>
-                <a:cs typeface="+mn-lt"/>
-              </a:rPr>
-              <a:t>that</a:t>
-            </a:r>
-            <a:r>
-              <a:rPr lang="de-DE" dirty="0">
-                <a:solidFill>
-                  <a:srgbClr val="030712"/>
-                </a:solidFill>
-                <a:ea typeface="+mn-lt"/>
-                <a:cs typeface="+mn-lt"/>
-              </a:rPr>
-              <a:t> </a:t>
-            </a:r>
-            <a:r>
-              <a:rPr lang="de-DE" dirty="0" err="1">
-                <a:solidFill>
-                  <a:srgbClr val="030712"/>
-                </a:solidFill>
-                <a:ea typeface="+mn-lt"/>
-                <a:cs typeface="+mn-lt"/>
-              </a:rPr>
-              <a:t>users</a:t>
-            </a:r>
-            <a:r>
-              <a:rPr lang="de-DE" dirty="0">
-                <a:solidFill>
-                  <a:srgbClr val="030712"/>
-                </a:solidFill>
-                <a:ea typeface="+mn-lt"/>
-                <a:cs typeface="+mn-lt"/>
-              </a:rPr>
-              <a:t> </a:t>
-            </a:r>
-            <a:r>
-              <a:rPr lang="de-DE" dirty="0" err="1">
-                <a:solidFill>
-                  <a:srgbClr val="030712"/>
-                </a:solidFill>
-                <a:ea typeface="+mn-lt"/>
-                <a:cs typeface="+mn-lt"/>
-              </a:rPr>
-              <a:t>genuinely</a:t>
-            </a:r>
-            <a:r>
-              <a:rPr lang="de-DE" dirty="0">
-                <a:solidFill>
-                  <a:srgbClr val="030712"/>
-                </a:solidFill>
-                <a:ea typeface="+mn-lt"/>
-                <a:cs typeface="+mn-lt"/>
-              </a:rPr>
-              <a:t> </a:t>
-            </a:r>
-            <a:r>
-              <a:rPr lang="de-DE" dirty="0" err="1">
-                <a:solidFill>
-                  <a:srgbClr val="030712"/>
-                </a:solidFill>
-                <a:ea typeface="+mn-lt"/>
-                <a:cs typeface="+mn-lt"/>
-              </a:rPr>
-              <a:t>appreciate</a:t>
-            </a:r>
-            <a:endParaRPr lang="de-DE" dirty="0" err="1">
-              <a:solidFill>
-                <a:srgbClr val="030712"/>
-              </a:solidFill>
-            </a:endParaRPr>
-          </a:p>
-          <a:p>
-            <a:pPr>
-              <a:buFont typeface="Arial"/>
-              <a:buChar char="•"/>
-            </a:pPr>
-            <a:r>
-              <a:rPr lang="de-DE" b="1" dirty="0" err="1">
-                <a:solidFill>
-                  <a:srgbClr val="000000"/>
-                </a:solidFill>
-                <a:ea typeface="+mn-lt"/>
-                <a:cs typeface="+mn-lt"/>
-              </a:rPr>
-              <a:t>Methodology</a:t>
-            </a:r>
-            <a:endParaRPr lang="de-DE" dirty="0" err="1">
-              <a:ea typeface="+mn-lt"/>
-              <a:cs typeface="+mn-lt"/>
-            </a:endParaRPr>
-          </a:p>
-          <a:p>
-            <a:endParaRPr lang="de-DE" dirty="0">
-              <a:solidFill>
-                <a:srgbClr val="030712"/>
-              </a:solidFill>
-            </a:endParaRPr>
-          </a:p>
-          <a:p>
-            <a:endParaRPr lang="de-DE" sz="1800" dirty="0"/>
-          </a:p>
-          <a:p>
-            <a:endParaRPr lang="de-DE" dirty="0"/>
-          </a:p>
-          <a:p>
-            <a:pPr lvl="1">
-              <a:buFont typeface="Courier New" panose="020B0604020202020204" pitchFamily="34" charset="0"/>
-              <a:buChar char="o"/>
-            </a:pPr>
-            <a:endParaRPr lang="de-DE" dirty="0"/>
-          </a:p>
-          <a:p>
-            <a:pPr lvl="1">
-              <a:buFont typeface="Courier New" panose="020B0604020202020204" pitchFamily="34" charset="0"/>
-              <a:buChar char="o"/>
-            </a:pPr>
-            <a:endParaRPr lang="de-DE" dirty="0"/>
-          </a:p>
-          <a:p>
-            <a:endParaRPr lang="de-DE" dirty="0"/>
-          </a:p>
-        </p:txBody>
-      </p:sp>
-      <p:sp>
-        <p:nvSpPr>
-          <p:cNvPr id="4" name="Foliennummernplatzhalter 3">
-            <a:extLst>
-              <a:ext uri="{FF2B5EF4-FFF2-40B4-BE49-F238E27FC236}">
-                <a16:creationId xmlns:a16="http://schemas.microsoft.com/office/drawing/2014/main" id="{AA689D57-27FB-29A6-EFA7-7F67A30F1D40}"/>
-              </a:ext>
-            </a:extLst>
-          </p:cNvPr>
-          <p:cNvSpPr>
-            <a:spLocks noGrp="1"/>
-          </p:cNvSpPr>
-          <p:nvPr>
-            <p:ph type="sldNum" sz="quarter" idx="12"/>
-          </p:nvPr>
-        </p:nvSpPr>
-        <p:spPr/>
-        <p:txBody>
-          <a:bodyPr/>
-          <a:lstStyle/>
-          <a:p>
-            <a:fld id="{802006FE-6571-4354-8775-F8708372C227}" type="slidenum">
-              <a:rPr lang="de-DE" smtClean="0"/>
-              <a:t>9</a:t>
-            </a:fld>
-            <a:endParaRPr lang="de-DE"/>
-          </a:p>
-        </p:txBody>
-      </p:sp>
-      <p:pic>
-        <p:nvPicPr>
-          <p:cNvPr id="6" name="Grafik 5" descr="Ein Bild, das Text, Schrift, Grün, Screenshot enthält.&#10;&#10;Beschreibung automatisch generiert.">
-            <a:extLst>
-              <a:ext uri="{FF2B5EF4-FFF2-40B4-BE49-F238E27FC236}">
-                <a16:creationId xmlns:a16="http://schemas.microsoft.com/office/drawing/2014/main" id="{63B56F03-404F-82C6-2606-0638212F2D8F}"/>
-              </a:ext>
-            </a:extLst>
-          </p:cNvPr>
-          <p:cNvPicPr>
-            <a:picLocks noChangeAspect="1"/>
-          </p:cNvPicPr>
-          <p:nvPr/>
-        </p:nvPicPr>
-        <p:blipFill>
-          <a:blip r:embed="rId3"/>
-          <a:stretch>
-            <a:fillRect/>
-          </a:stretch>
-        </p:blipFill>
-        <p:spPr>
-          <a:xfrm>
-            <a:off x="-1" y="6264418"/>
-            <a:ext cx="2124365" cy="598346"/>
-          </a:xfrm>
-          <a:prstGeom prst="rect">
-            <a:avLst/>
-          </a:prstGeom>
-        </p:spPr>
-      </p:pic>
-      <p:sp>
-        <p:nvSpPr>
-          <p:cNvPr id="10" name="Textfeld 9">
-            <a:extLst>
-              <a:ext uri="{FF2B5EF4-FFF2-40B4-BE49-F238E27FC236}">
-                <a16:creationId xmlns:a16="http://schemas.microsoft.com/office/drawing/2014/main" id="{977B7BDA-3A76-9136-10CE-438CCA90C086}"/>
-              </a:ext>
-            </a:extLst>
-          </p:cNvPr>
-          <p:cNvSpPr txBox="1"/>
-          <p:nvPr/>
-        </p:nvSpPr>
-        <p:spPr>
-          <a:xfrm>
-            <a:off x="7743645" y="6492815"/>
-            <a:ext cx="3462068" cy="276999"/>
-          </a:xfrm>
-          <a:prstGeom prst="rect">
-            <a:avLst/>
-          </a:prstGeom>
-          <a:noFill/>
-        </p:spPr>
-        <p:txBody>
-          <a:bodyPr rot="0" spcFirstLastPara="0" vertOverflow="overflow" horzOverflow="overflow" vert="horz" wrap="square" lIns="91440" tIns="45720" rIns="91440" bIns="45720" numCol="1" spcCol="0" rtlCol="0" fromWordArt="0" anchor="t" anchorCtr="0" forceAA="0" compatLnSpc="1">
-            <a:prstTxWarp prst="textNoShape">
-              <a:avLst/>
-            </a:prstTxWarp>
-            <a:spAutoFit/>
-          </a:bodyPr>
-          <a:lstStyle/>
-          <a:p>
-            <a:r>
-              <a:rPr lang="en-US" sz="1200" dirty="0"/>
-              <a:t>https://arxiv.org/pdf/2308.15363</a:t>
-            </a:r>
-          </a:p>
-        </p:txBody>
-      </p:sp>
-      <p:pic>
-        <p:nvPicPr>
-          <p:cNvPr id="2" name="Grafik 1" descr="Ein Bild, das Text, Screenshot, Diagramm, Reihe enthält.&#10;&#10;Beschreibung automatisch generiert.">
-            <a:extLst>
-              <a:ext uri="{FF2B5EF4-FFF2-40B4-BE49-F238E27FC236}">
-                <a16:creationId xmlns:a16="http://schemas.microsoft.com/office/drawing/2014/main" id="{2EC855EB-DEE0-9E5A-4189-D72D6709DCA0}"/>
-              </a:ext>
-            </a:extLst>
-          </p:cNvPr>
-          <p:cNvPicPr>
-            <a:picLocks noChangeAspect="1"/>
-          </p:cNvPicPr>
-          <p:nvPr/>
-        </p:nvPicPr>
-        <p:blipFill>
-          <a:blip r:embed="rId4"/>
-          <a:stretch>
-            <a:fillRect/>
-          </a:stretch>
-        </p:blipFill>
-        <p:spPr>
-          <a:xfrm>
-            <a:off x="5980836" y="3270972"/>
-            <a:ext cx="6215494" cy="2989983"/>
-          </a:xfrm>
-          <a:prstGeom prst="rect">
-            <a:avLst/>
-          </a:prstGeom>
-        </p:spPr>
-      </p:pic>
-    </p:spTree>
-    <p:extLst>
-      <p:ext uri="{BB962C8B-B14F-4D97-AF65-F5344CB8AC3E}">
-        <p14:creationId xmlns:p14="http://schemas.microsoft.com/office/powerpoint/2010/main" val="2407500830"/>
       </p:ext>
     </p:extLst>
   </p:cSld>
